--- a/presentations/Bosch, Eckert. Towards Description Set Profiles for RDF using SPARQL as Intermediate Language (DC 2014).pptx
+++ b/presentations/Bosch, Eckert. Towards Description Set Profiles for RDF using SPARQL as Intermediate Language (DC 2014).pptx
@@ -6,15 +6,24 @@
     <p:sldMasterId id="2147483668" r:id="rId6"/>
   </p:sldMasterIdLst>
   <p:notesMasterIdLst>
-    <p:notesMasterId r:id="rId13"/>
+    <p:notesMasterId r:id="rId22"/>
   </p:notesMasterIdLst>
   <p:sldIdLst>
-    <p:sldId id="256" r:id="rId7"/>
+    <p:sldId id="298" r:id="rId7"/>
     <p:sldId id="296" r:id="rId8"/>
-    <p:sldId id="297" r:id="rId9"/>
-    <p:sldId id="275" r:id="rId10"/>
-    <p:sldId id="286" r:id="rId11"/>
-    <p:sldId id="295" r:id="rId12"/>
+    <p:sldId id="307" r:id="rId9"/>
+    <p:sldId id="301" r:id="rId10"/>
+    <p:sldId id="303" r:id="rId11"/>
+    <p:sldId id="302" r:id="rId12"/>
+    <p:sldId id="304" r:id="rId13"/>
+    <p:sldId id="305" r:id="rId14"/>
+    <p:sldId id="306" r:id="rId15"/>
+    <p:sldId id="309" r:id="rId16"/>
+    <p:sldId id="299" r:id="rId17"/>
+    <p:sldId id="308" r:id="rId18"/>
+    <p:sldId id="310" r:id="rId19"/>
+    <p:sldId id="312" r:id="rId20"/>
+    <p:sldId id="313" r:id="rId21"/>
   </p:sldIdLst>
   <p:sldSz cx="9144000" cy="6858000" type="screen4x3"/>
   <p:notesSz cx="6858000" cy="9144000"/>
@@ -214,7 +223,7 @@
           <a:p>
             <a:fld id="{4F5FF8A7-4C2E-4BBC-A072-ECD1AE07239F}" type="datetimeFigureOut">
               <a:rPr lang="en-US" smtClean="0"/>
-              <a:t>10/1/2014</a:t>
+              <a:t>10/5/2014</a:t>
             </a:fld>
             <a:endParaRPr lang="en-US"/>
           </a:p>
@@ -526,52 +535,95 @@
           <a:bodyPr/>
           <a:lstStyle/>
           <a:p>
-            <a:r>
-              <a:rPr lang="de-DE" smtClean="0"/>
-              <a:t>Outline</a:t>
-            </a:r>
-          </a:p>
-          <a:p>
-            <a:r>
-              <a:rPr lang="de-DE" smtClean="0"/>
-              <a:t>-----</a:t>
-            </a:r>
-          </a:p>
-          <a:p>
-            <a:endParaRPr lang="de-DE" smtClean="0"/>
-          </a:p>
-          <a:p>
-            <a:pPr marL="171450" indent="-171450">
+            <a:pPr marL="457200" lvl="1" indent="0">
               <a:buFontTx/>
-              <a:buChar char="-"/>
+              <a:buNone/>
             </a:pPr>
-            <a:r>
-              <a:rPr lang="de-DE" baseline="0" smtClean="0"/>
-              <a:t>Constraint languages overview</a:t>
-            </a:r>
-          </a:p>
-          <a:p>
-            <a:pPr marL="171450" indent="-171450">
-              <a:buFontTx/>
-              <a:buChar char="-"/>
-            </a:pPr>
-            <a:r>
-              <a:rPr lang="de-DE" baseline="0" smtClean="0"/>
-              <a:t>Show OWL 2, DSP, ShEx example constraints (1. for each) using RDF Validator and ShEx demo </a:t>
-            </a:r>
-          </a:p>
-          <a:p>
-            <a:pPr marL="171450" indent="-171450">
-              <a:buFontTx/>
-              <a:buChar char="-"/>
-            </a:pPr>
-            <a:r>
-              <a:rPr lang="de-DE" baseline="0" smtClean="0"/>
-              <a:t>How to validate your data according to specific constraint languages?</a:t>
-            </a:r>
-          </a:p>
-          <a:p>
-            <a:pPr marL="171450" marR="0" indent="-171450" algn="l" defTabSz="914400" rtl="0" eaLnBrk="1" fontAlgn="auto" latinLnBrk="0" hangingPunct="1">
+            <a:endParaRPr lang="de-DE" baseline="0" smtClean="0"/>
+          </a:p>
+        </p:txBody>
+      </p:sp>
+      <p:sp>
+        <p:nvSpPr>
+          <p:cNvPr id="4" name="Foliennummernplatzhalter 3"/>
+          <p:cNvSpPr>
+            <a:spLocks noGrp="1"/>
+          </p:cNvSpPr>
+          <p:nvPr>
+            <p:ph type="sldNum" sz="quarter" idx="10"/>
+          </p:nvPr>
+        </p:nvSpPr>
+        <p:spPr/>
+        <p:txBody>
+          <a:bodyPr/>
+          <a:lstStyle/>
+          <a:p>
+            <a:fld id="{DE2197E9-CAEE-4794-8561-B4165D319F7A}" type="slidenum">
+              <a:rPr lang="en-US" smtClean="0"/>
+              <a:t>1</a:t>
+            </a:fld>
+            <a:endParaRPr lang="en-US"/>
+          </a:p>
+        </p:txBody>
+      </p:sp>
+    </p:spTree>
+    <p:extLst>
+      <p:ext uri="{BB962C8B-B14F-4D97-AF65-F5344CB8AC3E}">
+        <p14:creationId xmlns:p14="http://schemas.microsoft.com/office/powerpoint/2010/main" val="2292619815"/>
+      </p:ext>
+    </p:extLst>
+  </p:cSld>
+  <p:clrMapOvr>
+    <a:masterClrMapping/>
+  </p:clrMapOvr>
+</p:notes>
+</file>
+
+<file path=ppt/notesSlides/notesSlide10.xml><?xml version="1.0" encoding="utf-8"?>
+<p:notes xmlns:a="http://schemas.openxmlformats.org/drawingml/2006/main" xmlns:r="http://schemas.openxmlformats.org/officeDocument/2006/relationships" xmlns:p="http://schemas.openxmlformats.org/presentationml/2006/main">
+  <p:cSld>
+    <p:spTree>
+      <p:nvGrpSpPr>
+        <p:cNvPr id="1" name=""/>
+        <p:cNvGrpSpPr/>
+        <p:nvPr/>
+      </p:nvGrpSpPr>
+      <p:grpSpPr>
+        <a:xfrm>
+          <a:off x="0" y="0"/>
+          <a:ext cx="0" cy="0"/>
+          <a:chOff x="0" y="0"/>
+          <a:chExt cx="0" cy="0"/>
+        </a:xfrm>
+      </p:grpSpPr>
+      <p:sp>
+        <p:nvSpPr>
+          <p:cNvPr id="2" name="Folienbildplatzhalter 1"/>
+          <p:cNvSpPr>
+            <a:spLocks noGrp="1" noRot="1" noChangeAspect="1"/>
+          </p:cNvSpPr>
+          <p:nvPr>
+            <p:ph type="sldImg"/>
+          </p:nvPr>
+        </p:nvSpPr>
+        <p:spPr/>
+      </p:sp>
+      <p:sp>
+        <p:nvSpPr>
+          <p:cNvPr id="3" name="Notizenplatzhalter 2"/>
+          <p:cNvSpPr>
+            <a:spLocks noGrp="1"/>
+          </p:cNvSpPr>
+          <p:nvPr>
+            <p:ph type="body" idx="1"/>
+          </p:nvPr>
+        </p:nvSpPr>
+        <p:spPr/>
+        <p:txBody>
+          <a:bodyPr/>
+          <a:lstStyle/>
+          <a:p>
+            <a:pPr marL="457200" marR="0" lvl="1" indent="0" algn="l" defTabSz="914400" rtl="0" eaLnBrk="1" fontAlgn="auto" latinLnBrk="0" hangingPunct="1">
               <a:lnSpc>
                 <a:spcPct val="100000"/>
               </a:lnSpc>
@@ -584,17 +636,95 @@
               <a:buClrTx/>
               <a:buSzTx/>
               <a:buFontTx/>
-              <a:buChar char="-"/>
+              <a:buNone/>
               <a:tabLst/>
               <a:defRPr/>
             </a:pPr>
-            <a:r>
-              <a:rPr lang="de-DE" baseline="0" smtClean="0"/>
-              <a:t>How is  SPIN connected to your data?</a:t>
-            </a:r>
-          </a:p>
-          <a:p>
-            <a:pPr marL="171450" marR="0" indent="-171450" algn="l" defTabSz="914400" rtl="0" eaLnBrk="1" fontAlgn="auto" latinLnBrk="0" hangingPunct="1">
+            <a:endParaRPr lang="de-DE" smtClean="0"/>
+          </a:p>
+        </p:txBody>
+      </p:sp>
+      <p:sp>
+        <p:nvSpPr>
+          <p:cNvPr id="4" name="Foliennummernplatzhalter 3"/>
+          <p:cNvSpPr>
+            <a:spLocks noGrp="1"/>
+          </p:cNvSpPr>
+          <p:nvPr>
+            <p:ph type="sldNum" sz="quarter" idx="10"/>
+          </p:nvPr>
+        </p:nvSpPr>
+        <p:spPr/>
+        <p:txBody>
+          <a:bodyPr/>
+          <a:lstStyle/>
+          <a:p>
+            <a:fld id="{DE2197E9-CAEE-4794-8561-B4165D319F7A}" type="slidenum">
+              <a:rPr lang="en-US" smtClean="0"/>
+              <a:t>11</a:t>
+            </a:fld>
+            <a:endParaRPr lang="en-US"/>
+          </a:p>
+        </p:txBody>
+      </p:sp>
+    </p:spTree>
+    <p:extLst>
+      <p:ext uri="{BB962C8B-B14F-4D97-AF65-F5344CB8AC3E}">
+        <p14:creationId xmlns:p14="http://schemas.microsoft.com/office/powerpoint/2010/main" val="2956267983"/>
+      </p:ext>
+    </p:extLst>
+  </p:cSld>
+  <p:clrMapOvr>
+    <a:masterClrMapping/>
+  </p:clrMapOvr>
+</p:notes>
+</file>
+
+<file path=ppt/notesSlides/notesSlide11.xml><?xml version="1.0" encoding="utf-8"?>
+<p:notes xmlns:a="http://schemas.openxmlformats.org/drawingml/2006/main" xmlns:r="http://schemas.openxmlformats.org/officeDocument/2006/relationships" xmlns:p="http://schemas.openxmlformats.org/presentationml/2006/main">
+  <p:cSld>
+    <p:spTree>
+      <p:nvGrpSpPr>
+        <p:cNvPr id="1" name=""/>
+        <p:cNvGrpSpPr/>
+        <p:nvPr/>
+      </p:nvGrpSpPr>
+      <p:grpSpPr>
+        <a:xfrm>
+          <a:off x="0" y="0"/>
+          <a:ext cx="0" cy="0"/>
+          <a:chOff x="0" y="0"/>
+          <a:chExt cx="0" cy="0"/>
+        </a:xfrm>
+      </p:grpSpPr>
+      <p:sp>
+        <p:nvSpPr>
+          <p:cNvPr id="2" name="Folienbildplatzhalter 1"/>
+          <p:cNvSpPr>
+            <a:spLocks noGrp="1" noRot="1" noChangeAspect="1"/>
+          </p:cNvSpPr>
+          <p:nvPr>
+            <p:ph type="sldImg"/>
+          </p:nvPr>
+        </p:nvSpPr>
+        <p:spPr/>
+      </p:sp>
+      <p:sp>
+        <p:nvSpPr>
+          <p:cNvPr id="3" name="Notizenplatzhalter 2"/>
+          <p:cNvSpPr>
+            <a:spLocks noGrp="1"/>
+          </p:cNvSpPr>
+          <p:nvPr>
+            <p:ph type="body" idx="1"/>
+          </p:nvPr>
+        </p:nvSpPr>
+        <p:spPr/>
+        <p:txBody>
+          <a:bodyPr/>
+          <a:lstStyle/>
+          <a:p>
+            <a:pPr marL="457200" marR="0" lvl="1" indent="0" algn="l" defTabSz="914400" rtl="0" eaLnBrk="1" fontAlgn="auto" latinLnBrk="0" hangingPunct="1">
               <a:lnSpc>
                 <a:spcPct val="100000"/>
               </a:lnSpc>
@@ -607,17 +737,95 @@
               <a:buClrTx/>
               <a:buSzTx/>
               <a:buFontTx/>
-              <a:buChar char="-"/>
+              <a:buNone/>
               <a:tabLst/>
               <a:defRPr/>
             </a:pPr>
-            <a:r>
-              <a:rPr lang="de-DE" baseline="0" smtClean="0"/>
-              <a:t>How to map constraint languages to SPIN?</a:t>
-            </a:r>
-          </a:p>
-          <a:p>
-            <a:pPr marL="171450" marR="0" indent="-171450" algn="l" defTabSz="914400" rtl="0" eaLnBrk="1" fontAlgn="auto" latinLnBrk="0" hangingPunct="1">
+            <a:endParaRPr lang="de-DE" smtClean="0"/>
+          </a:p>
+        </p:txBody>
+      </p:sp>
+      <p:sp>
+        <p:nvSpPr>
+          <p:cNvPr id="4" name="Foliennummernplatzhalter 3"/>
+          <p:cNvSpPr>
+            <a:spLocks noGrp="1"/>
+          </p:cNvSpPr>
+          <p:nvPr>
+            <p:ph type="sldNum" sz="quarter" idx="10"/>
+          </p:nvPr>
+        </p:nvSpPr>
+        <p:spPr/>
+        <p:txBody>
+          <a:bodyPr/>
+          <a:lstStyle/>
+          <a:p>
+            <a:fld id="{DE2197E9-CAEE-4794-8561-B4165D319F7A}" type="slidenum">
+              <a:rPr lang="en-US" smtClean="0"/>
+              <a:t>12</a:t>
+            </a:fld>
+            <a:endParaRPr lang="en-US"/>
+          </a:p>
+        </p:txBody>
+      </p:sp>
+    </p:spTree>
+    <p:extLst>
+      <p:ext uri="{BB962C8B-B14F-4D97-AF65-F5344CB8AC3E}">
+        <p14:creationId xmlns:p14="http://schemas.microsoft.com/office/powerpoint/2010/main" val="2345589600"/>
+      </p:ext>
+    </p:extLst>
+  </p:cSld>
+  <p:clrMapOvr>
+    <a:masterClrMapping/>
+  </p:clrMapOvr>
+</p:notes>
+</file>
+
+<file path=ppt/notesSlides/notesSlide12.xml><?xml version="1.0" encoding="utf-8"?>
+<p:notes xmlns:a="http://schemas.openxmlformats.org/drawingml/2006/main" xmlns:r="http://schemas.openxmlformats.org/officeDocument/2006/relationships" xmlns:p="http://schemas.openxmlformats.org/presentationml/2006/main">
+  <p:cSld>
+    <p:spTree>
+      <p:nvGrpSpPr>
+        <p:cNvPr id="1" name=""/>
+        <p:cNvGrpSpPr/>
+        <p:nvPr/>
+      </p:nvGrpSpPr>
+      <p:grpSpPr>
+        <a:xfrm>
+          <a:off x="0" y="0"/>
+          <a:ext cx="0" cy="0"/>
+          <a:chOff x="0" y="0"/>
+          <a:chExt cx="0" cy="0"/>
+        </a:xfrm>
+      </p:grpSpPr>
+      <p:sp>
+        <p:nvSpPr>
+          <p:cNvPr id="2" name="Folienbildplatzhalter 1"/>
+          <p:cNvSpPr>
+            <a:spLocks noGrp="1" noRot="1" noChangeAspect="1"/>
+          </p:cNvSpPr>
+          <p:nvPr>
+            <p:ph type="sldImg"/>
+          </p:nvPr>
+        </p:nvSpPr>
+        <p:spPr/>
+      </p:sp>
+      <p:sp>
+        <p:nvSpPr>
+          <p:cNvPr id="3" name="Notizenplatzhalter 2"/>
+          <p:cNvSpPr>
+            <a:spLocks noGrp="1"/>
+          </p:cNvSpPr>
+          <p:nvPr>
+            <p:ph type="body" idx="1"/>
+          </p:nvPr>
+        </p:nvSpPr>
+        <p:spPr/>
+        <p:txBody>
+          <a:bodyPr/>
+          <a:lstStyle/>
+          <a:p>
+            <a:pPr marL="457200" marR="0" lvl="1" indent="0" algn="l" defTabSz="914400" rtl="0" eaLnBrk="1" fontAlgn="auto" latinLnBrk="0" hangingPunct="1">
               <a:lnSpc>
                 <a:spcPct val="100000"/>
               </a:lnSpc>
@@ -630,87 +838,11 @@
               <a:buClrTx/>
               <a:buSzTx/>
               <a:buFontTx/>
-              <a:buChar char="-"/>
+              <a:buNone/>
               <a:tabLst/>
               <a:defRPr/>
             </a:pPr>
-            <a:r>
-              <a:rPr lang="de-DE" baseline="0" smtClean="0"/>
-              <a:t>Validation of all DSP and OWL 2 constructs (SPIN mappings)</a:t>
-            </a:r>
-          </a:p>
-          <a:p>
-            <a:pPr marL="171450" marR="0" indent="-171450" algn="l" defTabSz="914400" rtl="0" eaLnBrk="1" fontAlgn="auto" latinLnBrk="0" hangingPunct="1">
-              <a:lnSpc>
-                <a:spcPct val="100000"/>
-              </a:lnSpc>
-              <a:spcBef>
-                <a:spcPts val="0"/>
-              </a:spcBef>
-              <a:spcAft>
-                <a:spcPts val="0"/>
-              </a:spcAft>
-              <a:buClrTx/>
-              <a:buSzTx/>
-              <a:buFontTx/>
-              <a:buChar char="-"/>
-              <a:tabLst/>
-              <a:defRPr/>
-            </a:pPr>
-            <a:r>
-              <a:rPr lang="de-DE" baseline="0" smtClean="0"/>
-              <a:t>Future work</a:t>
-            </a:r>
-            <a:r>
-              <a:rPr lang="en-US" baseline="0" smtClean="0"/>
-              <a:t> (validation of further constraint languages)</a:t>
-            </a:r>
-          </a:p>
-          <a:p>
-            <a:pPr marL="171450" marR="0" indent="-171450" algn="l" defTabSz="914400" rtl="0" eaLnBrk="1" fontAlgn="auto" latinLnBrk="0" hangingPunct="1">
-              <a:lnSpc>
-                <a:spcPct val="100000"/>
-              </a:lnSpc>
-              <a:spcBef>
-                <a:spcPts val="0"/>
-              </a:spcBef>
-              <a:spcAft>
-                <a:spcPts val="0"/>
-              </a:spcAft>
-              <a:buClrTx/>
-              <a:buSzTx/>
-              <a:buFontTx/>
-              <a:buChar char="-"/>
-              <a:tabLst/>
-              <a:defRPr/>
-            </a:pPr>
-            <a:r>
-              <a:rPr lang="de-DE" baseline="0" smtClean="0"/>
-              <a:t>Extend your own constraint language</a:t>
-            </a:r>
-          </a:p>
-          <a:p>
-            <a:pPr marL="171450" marR="0" indent="-171450" algn="l" defTabSz="914400" rtl="0" eaLnBrk="1" fontAlgn="auto" latinLnBrk="0" hangingPunct="1">
-              <a:lnSpc>
-                <a:spcPct val="100000"/>
-              </a:lnSpc>
-              <a:spcBef>
-                <a:spcPts val="0"/>
-              </a:spcBef>
-              <a:spcAft>
-                <a:spcPts val="0"/>
-              </a:spcAft>
-              <a:buClrTx/>
-              <a:buSzTx/>
-              <a:buFontTx/>
-              <a:buChar char="-"/>
-              <a:tabLst/>
-              <a:defRPr/>
-            </a:pPr>
-            <a:r>
-              <a:rPr lang="de-DE" baseline="0" smtClean="0"/>
-              <a:t>Build your own constraint language in 20 min</a:t>
-            </a:r>
+            <a:endParaRPr lang="de-DE" smtClean="0"/>
           </a:p>
         </p:txBody>
       </p:sp>
@@ -731,7 +863,7 @@
           <a:p>
             <a:fld id="{DE2197E9-CAEE-4794-8561-B4165D319F7A}" type="slidenum">
               <a:rPr lang="en-US" smtClean="0"/>
-              <a:t>1</a:t>
+              <a:t>13</a:t>
             </a:fld>
             <a:endParaRPr lang="en-US"/>
           </a:p>
@@ -740,7 +872,187 @@
     </p:spTree>
     <p:extLst>
       <p:ext uri="{BB962C8B-B14F-4D97-AF65-F5344CB8AC3E}">
-        <p14:creationId xmlns:p14="http://schemas.microsoft.com/office/powerpoint/2010/main" val="818533799"/>
+        <p14:creationId xmlns:p14="http://schemas.microsoft.com/office/powerpoint/2010/main" val="844730138"/>
+      </p:ext>
+    </p:extLst>
+  </p:cSld>
+  <p:clrMapOvr>
+    <a:masterClrMapping/>
+  </p:clrMapOvr>
+</p:notes>
+</file>
+
+<file path=ppt/notesSlides/notesSlide13.xml><?xml version="1.0" encoding="utf-8"?>
+<p:notes xmlns:a="http://schemas.openxmlformats.org/drawingml/2006/main" xmlns:r="http://schemas.openxmlformats.org/officeDocument/2006/relationships" xmlns:p="http://schemas.openxmlformats.org/presentationml/2006/main">
+  <p:cSld>
+    <p:spTree>
+      <p:nvGrpSpPr>
+        <p:cNvPr id="1" name=""/>
+        <p:cNvGrpSpPr/>
+        <p:nvPr/>
+      </p:nvGrpSpPr>
+      <p:grpSpPr>
+        <a:xfrm>
+          <a:off x="0" y="0"/>
+          <a:ext cx="0" cy="0"/>
+          <a:chOff x="0" y="0"/>
+          <a:chExt cx="0" cy="0"/>
+        </a:xfrm>
+      </p:grpSpPr>
+      <p:sp>
+        <p:nvSpPr>
+          <p:cNvPr id="2" name="Folienbildplatzhalter 1"/>
+          <p:cNvSpPr>
+            <a:spLocks noGrp="1" noRot="1" noChangeAspect="1"/>
+          </p:cNvSpPr>
+          <p:nvPr>
+            <p:ph type="sldImg"/>
+          </p:nvPr>
+        </p:nvSpPr>
+        <p:spPr/>
+      </p:sp>
+      <p:sp>
+        <p:nvSpPr>
+          <p:cNvPr id="3" name="Notizenplatzhalter 2"/>
+          <p:cNvSpPr>
+            <a:spLocks noGrp="1"/>
+          </p:cNvSpPr>
+          <p:nvPr>
+            <p:ph type="body" idx="1"/>
+          </p:nvPr>
+        </p:nvSpPr>
+        <p:spPr/>
+        <p:txBody>
+          <a:bodyPr/>
+          <a:lstStyle/>
+          <a:p>
+            <a:pPr marL="171450" indent="-171450">
+              <a:buFontTx/>
+              <a:buChar char="-"/>
+            </a:pPr>
+            <a:endParaRPr lang="de-DE" baseline="0" smtClean="0">
+              <a:sym typeface="Wingdings" panose="05000000000000000000" pitchFamily="2" charset="2"/>
+            </a:endParaRPr>
+          </a:p>
+        </p:txBody>
+      </p:sp>
+      <p:sp>
+        <p:nvSpPr>
+          <p:cNvPr id="4" name="Foliennummernplatzhalter 3"/>
+          <p:cNvSpPr>
+            <a:spLocks noGrp="1"/>
+          </p:cNvSpPr>
+          <p:nvPr>
+            <p:ph type="sldNum" sz="quarter" idx="10"/>
+          </p:nvPr>
+        </p:nvSpPr>
+        <p:spPr/>
+        <p:txBody>
+          <a:bodyPr/>
+          <a:lstStyle/>
+          <a:p>
+            <a:fld id="{DE2197E9-CAEE-4794-8561-B4165D319F7A}" type="slidenum">
+              <a:rPr lang="en-US" smtClean="0"/>
+              <a:t>14</a:t>
+            </a:fld>
+            <a:endParaRPr lang="en-US"/>
+          </a:p>
+        </p:txBody>
+      </p:sp>
+    </p:spTree>
+    <p:extLst>
+      <p:ext uri="{BB962C8B-B14F-4D97-AF65-F5344CB8AC3E}">
+        <p14:creationId xmlns:p14="http://schemas.microsoft.com/office/powerpoint/2010/main" val="2953227142"/>
+      </p:ext>
+    </p:extLst>
+  </p:cSld>
+  <p:clrMapOvr>
+    <a:masterClrMapping/>
+  </p:clrMapOvr>
+</p:notes>
+</file>
+
+<file path=ppt/notesSlides/notesSlide14.xml><?xml version="1.0" encoding="utf-8"?>
+<p:notes xmlns:a="http://schemas.openxmlformats.org/drawingml/2006/main" xmlns:r="http://schemas.openxmlformats.org/officeDocument/2006/relationships" xmlns:p="http://schemas.openxmlformats.org/presentationml/2006/main">
+  <p:cSld>
+    <p:spTree>
+      <p:nvGrpSpPr>
+        <p:cNvPr id="1" name=""/>
+        <p:cNvGrpSpPr/>
+        <p:nvPr/>
+      </p:nvGrpSpPr>
+      <p:grpSpPr>
+        <a:xfrm>
+          <a:off x="0" y="0"/>
+          <a:ext cx="0" cy="0"/>
+          <a:chOff x="0" y="0"/>
+          <a:chExt cx="0" cy="0"/>
+        </a:xfrm>
+      </p:grpSpPr>
+      <p:sp>
+        <p:nvSpPr>
+          <p:cNvPr id="2" name="Folienbildplatzhalter 1"/>
+          <p:cNvSpPr>
+            <a:spLocks noGrp="1" noRot="1" noChangeAspect="1"/>
+          </p:cNvSpPr>
+          <p:nvPr>
+            <p:ph type="sldImg"/>
+          </p:nvPr>
+        </p:nvSpPr>
+        <p:spPr/>
+      </p:sp>
+      <p:sp>
+        <p:nvSpPr>
+          <p:cNvPr id="3" name="Notizenplatzhalter 2"/>
+          <p:cNvSpPr>
+            <a:spLocks noGrp="1"/>
+          </p:cNvSpPr>
+          <p:nvPr>
+            <p:ph type="body" idx="1"/>
+          </p:nvPr>
+        </p:nvSpPr>
+        <p:spPr/>
+        <p:txBody>
+          <a:bodyPr/>
+          <a:lstStyle/>
+          <a:p>
+            <a:pPr marL="171450" indent="-171450">
+              <a:buFontTx/>
+              <a:buChar char="-"/>
+            </a:pPr>
+            <a:endParaRPr lang="de-DE" baseline="0" smtClean="0">
+              <a:sym typeface="Wingdings" panose="05000000000000000000" pitchFamily="2" charset="2"/>
+            </a:endParaRPr>
+          </a:p>
+        </p:txBody>
+      </p:sp>
+      <p:sp>
+        <p:nvSpPr>
+          <p:cNvPr id="4" name="Foliennummernplatzhalter 3"/>
+          <p:cNvSpPr>
+            <a:spLocks noGrp="1"/>
+          </p:cNvSpPr>
+          <p:nvPr>
+            <p:ph type="sldNum" sz="quarter" idx="10"/>
+          </p:nvPr>
+        </p:nvSpPr>
+        <p:spPr/>
+        <p:txBody>
+          <a:bodyPr/>
+          <a:lstStyle/>
+          <a:p>
+            <a:fld id="{DE2197E9-CAEE-4794-8561-B4165D319F7A}" type="slidenum">
+              <a:rPr lang="en-US" smtClean="0"/>
+              <a:t>15</a:t>
+            </a:fld>
+            <a:endParaRPr lang="en-US"/>
+          </a:p>
+        </p:txBody>
+      </p:sp>
+    </p:spTree>
+    <p:extLst>
+      <p:ext uri="{BB962C8B-B14F-4D97-AF65-F5344CB8AC3E}">
+        <p14:creationId xmlns:p14="http://schemas.microsoft.com/office/powerpoint/2010/main" val="2125074452"/>
       </p:ext>
     </p:extLst>
   </p:cSld>
@@ -799,12 +1111,14 @@
               <a:buChar char="-"/>
             </a:pPr>
             <a:r>
-              <a:rPr lang="de-DE" smtClean="0"/>
-              <a:t>Database on RDF validation</a:t>
-            </a:r>
-            <a:r>
               <a:rPr lang="de-DE" baseline="0" smtClean="0"/>
-              <a:t> requirements (URL)</a:t>
+              <a:t>Evaluation of constraint languages </a:t>
+            </a:r>
+            <a:r>
+              <a:rPr lang="de-DE" baseline="0" smtClean="0">
+                <a:sym typeface="Wingdings" panose="05000000000000000000" pitchFamily="2" charset="2"/>
+              </a:rPr>
+              <a:t> use different constraint languages for different use cases </a:t>
             </a:r>
           </a:p>
           <a:p>
@@ -813,14 +1127,10 @@
               <a:buChar char="-"/>
             </a:pPr>
             <a:r>
-              <a:rPr lang="de-DE" baseline="0" smtClean="0"/>
-              <a:t>Evaluation of constraint languages </a:t>
-            </a:r>
-            <a:r>
               <a:rPr lang="de-DE" baseline="0" smtClean="0">
                 <a:sym typeface="Wingdings" panose="05000000000000000000" pitchFamily="2" charset="2"/>
               </a:rPr>
-              <a:t> use different CL for different use cases </a:t>
+              <a:t>DSPconstraints can be expressed but not validated automatically</a:t>
             </a:r>
           </a:p>
           <a:p>
@@ -832,41 +1142,8 @@
               <a:rPr lang="de-DE" baseline="0" smtClean="0">
                 <a:sym typeface="Wingdings" panose="05000000000000000000" pitchFamily="2" charset="2"/>
               </a:rPr>
-              <a:t>Constraints can be expressed but not validated automatically</a:t>
-            </a:r>
-          </a:p>
-          <a:p>
-            <a:pPr marL="171450" indent="-171450">
-              <a:buFontTx/>
-              <a:buChar char="-"/>
-            </a:pPr>
-            <a:r>
-              <a:rPr lang="de-DE" baseline="0" smtClean="0">
-                <a:sym typeface="Wingdings" panose="05000000000000000000" pitchFamily="2" charset="2"/>
-              </a:rPr>
-              <a:t>Constraint formulation</a:t>
-            </a:r>
-          </a:p>
-          <a:p>
-            <a:pPr marL="171450" indent="-171450">
-              <a:buFontTx/>
-              <a:buChar char="-"/>
-            </a:pPr>
-            <a:r>
-              <a:rPr lang="de-DE" baseline="0" smtClean="0">
-                <a:sym typeface="Wingdings" panose="05000000000000000000" pitchFamily="2" charset="2"/>
-              </a:rPr>
-              <a:t>Constraint validation</a:t>
-            </a:r>
-          </a:p>
-          <a:p>
-            <a:pPr marL="171450" indent="-171450">
-              <a:buFontTx/>
-              <a:buChar char="-"/>
-            </a:pPr>
-            <a:endParaRPr lang="de-DE" baseline="0" smtClean="0">
-              <a:sym typeface="Wingdings" panose="05000000000000000000" pitchFamily="2" charset="2"/>
-            </a:endParaRPr>
+              <a:t>All constraints from DSP spec</a:t>
+            </a:r>
           </a:p>
         </p:txBody>
       </p:sp>
@@ -954,7 +1231,9 @@
               <a:buFontTx/>
               <a:buChar char="-"/>
             </a:pPr>
-            <a:endParaRPr lang="de-DE" baseline="0" smtClean="0"/>
+            <a:endParaRPr lang="de-DE" baseline="0" smtClean="0">
+              <a:sym typeface="Wingdings" panose="05000000000000000000" pitchFamily="2" charset="2"/>
+            </a:endParaRPr>
           </a:p>
         </p:txBody>
       </p:sp>
@@ -975,7 +1254,7 @@
           <a:p>
             <a:fld id="{DE2197E9-CAEE-4794-8561-B4165D319F7A}" type="slidenum">
               <a:rPr lang="en-US" smtClean="0"/>
-              <a:t>4</a:t>
+              <a:t>3</a:t>
             </a:fld>
             <a:endParaRPr lang="en-US"/>
           </a:p>
@@ -984,7 +1263,528 @@
     </p:spTree>
     <p:extLst>
       <p:ext uri="{BB962C8B-B14F-4D97-AF65-F5344CB8AC3E}">
-        <p14:creationId xmlns:p14="http://schemas.microsoft.com/office/powerpoint/2010/main" val="535270379"/>
+        <p14:creationId xmlns:p14="http://schemas.microsoft.com/office/powerpoint/2010/main" val="2964283583"/>
+      </p:ext>
+    </p:extLst>
+  </p:cSld>
+  <p:clrMapOvr>
+    <a:masterClrMapping/>
+  </p:clrMapOvr>
+</p:notes>
+</file>
+
+<file path=ppt/notesSlides/notesSlide4.xml><?xml version="1.0" encoding="utf-8"?>
+<p:notes xmlns:a="http://schemas.openxmlformats.org/drawingml/2006/main" xmlns:r="http://schemas.openxmlformats.org/officeDocument/2006/relationships" xmlns:p="http://schemas.openxmlformats.org/presentationml/2006/main">
+  <p:cSld>
+    <p:spTree>
+      <p:nvGrpSpPr>
+        <p:cNvPr id="1" name=""/>
+        <p:cNvGrpSpPr/>
+        <p:nvPr/>
+      </p:nvGrpSpPr>
+      <p:grpSpPr>
+        <a:xfrm>
+          <a:off x="0" y="0"/>
+          <a:ext cx="0" cy="0"/>
+          <a:chOff x="0" y="0"/>
+          <a:chExt cx="0" cy="0"/>
+        </a:xfrm>
+      </p:grpSpPr>
+      <p:sp>
+        <p:nvSpPr>
+          <p:cNvPr id="2" name="Folienbildplatzhalter 1"/>
+          <p:cNvSpPr>
+            <a:spLocks noGrp="1" noRot="1" noChangeAspect="1"/>
+          </p:cNvSpPr>
+          <p:nvPr>
+            <p:ph type="sldImg"/>
+          </p:nvPr>
+        </p:nvSpPr>
+        <p:spPr/>
+      </p:sp>
+      <p:sp>
+        <p:nvSpPr>
+          <p:cNvPr id="3" name="Notizenplatzhalter 2"/>
+          <p:cNvSpPr>
+            <a:spLocks noGrp="1"/>
+          </p:cNvSpPr>
+          <p:nvPr>
+            <p:ph type="body" idx="1"/>
+          </p:nvPr>
+        </p:nvSpPr>
+        <p:spPr/>
+        <p:txBody>
+          <a:bodyPr/>
+          <a:lstStyle/>
+          <a:p>
+            <a:endParaRPr lang="en-US"/>
+          </a:p>
+        </p:txBody>
+      </p:sp>
+      <p:sp>
+        <p:nvSpPr>
+          <p:cNvPr id="4" name="Foliennummernplatzhalter 3"/>
+          <p:cNvSpPr>
+            <a:spLocks noGrp="1"/>
+          </p:cNvSpPr>
+          <p:nvPr>
+            <p:ph type="sldNum" sz="quarter" idx="10"/>
+          </p:nvPr>
+        </p:nvSpPr>
+        <p:spPr/>
+        <p:txBody>
+          <a:bodyPr/>
+          <a:lstStyle/>
+          <a:p>
+            <a:fld id="{DE2197E9-CAEE-4794-8561-B4165D319F7A}" type="slidenum">
+              <a:rPr lang="en-US" smtClean="0"/>
+              <a:t>5</a:t>
+            </a:fld>
+            <a:endParaRPr lang="en-US"/>
+          </a:p>
+        </p:txBody>
+      </p:sp>
+    </p:spTree>
+    <p:extLst>
+      <p:ext uri="{BB962C8B-B14F-4D97-AF65-F5344CB8AC3E}">
+        <p14:creationId xmlns:p14="http://schemas.microsoft.com/office/powerpoint/2010/main" val="1277797189"/>
+      </p:ext>
+    </p:extLst>
+  </p:cSld>
+  <p:clrMapOvr>
+    <a:masterClrMapping/>
+  </p:clrMapOvr>
+</p:notes>
+</file>
+
+<file path=ppt/notesSlides/notesSlide5.xml><?xml version="1.0" encoding="utf-8"?>
+<p:notes xmlns:a="http://schemas.openxmlformats.org/drawingml/2006/main" xmlns:r="http://schemas.openxmlformats.org/officeDocument/2006/relationships" xmlns:p="http://schemas.openxmlformats.org/presentationml/2006/main">
+  <p:cSld>
+    <p:spTree>
+      <p:nvGrpSpPr>
+        <p:cNvPr id="1" name=""/>
+        <p:cNvGrpSpPr/>
+        <p:nvPr/>
+      </p:nvGrpSpPr>
+      <p:grpSpPr>
+        <a:xfrm>
+          <a:off x="0" y="0"/>
+          <a:ext cx="0" cy="0"/>
+          <a:chOff x="0" y="0"/>
+          <a:chExt cx="0" cy="0"/>
+        </a:xfrm>
+      </p:grpSpPr>
+      <p:sp>
+        <p:nvSpPr>
+          <p:cNvPr id="2" name="Folienbildplatzhalter 1"/>
+          <p:cNvSpPr>
+            <a:spLocks noGrp="1" noRot="1" noChangeAspect="1"/>
+          </p:cNvSpPr>
+          <p:nvPr>
+            <p:ph type="sldImg"/>
+          </p:nvPr>
+        </p:nvSpPr>
+        <p:spPr/>
+      </p:sp>
+      <p:sp>
+        <p:nvSpPr>
+          <p:cNvPr id="3" name="Notizenplatzhalter 2"/>
+          <p:cNvSpPr>
+            <a:spLocks noGrp="1"/>
+          </p:cNvSpPr>
+          <p:nvPr>
+            <p:ph type="body" idx="1"/>
+          </p:nvPr>
+        </p:nvSpPr>
+        <p:spPr/>
+        <p:txBody>
+          <a:bodyPr/>
+          <a:lstStyle/>
+          <a:p>
+            <a:endParaRPr lang="en-US"/>
+          </a:p>
+        </p:txBody>
+      </p:sp>
+      <p:sp>
+        <p:nvSpPr>
+          <p:cNvPr id="4" name="Foliennummernplatzhalter 3"/>
+          <p:cNvSpPr>
+            <a:spLocks noGrp="1"/>
+          </p:cNvSpPr>
+          <p:nvPr>
+            <p:ph type="sldNum" sz="quarter" idx="10"/>
+          </p:nvPr>
+        </p:nvSpPr>
+        <p:spPr/>
+        <p:txBody>
+          <a:bodyPr/>
+          <a:lstStyle/>
+          <a:p>
+            <a:fld id="{DE2197E9-CAEE-4794-8561-B4165D319F7A}" type="slidenum">
+              <a:rPr lang="en-US" smtClean="0"/>
+              <a:t>6</a:t>
+            </a:fld>
+            <a:endParaRPr lang="en-US"/>
+          </a:p>
+        </p:txBody>
+      </p:sp>
+    </p:spTree>
+    <p:extLst>
+      <p:ext uri="{BB962C8B-B14F-4D97-AF65-F5344CB8AC3E}">
+        <p14:creationId xmlns:p14="http://schemas.microsoft.com/office/powerpoint/2010/main" val="1986130009"/>
+      </p:ext>
+    </p:extLst>
+  </p:cSld>
+  <p:clrMapOvr>
+    <a:masterClrMapping/>
+  </p:clrMapOvr>
+</p:notes>
+</file>
+
+<file path=ppt/notesSlides/notesSlide6.xml><?xml version="1.0" encoding="utf-8"?>
+<p:notes xmlns:a="http://schemas.openxmlformats.org/drawingml/2006/main" xmlns:r="http://schemas.openxmlformats.org/officeDocument/2006/relationships" xmlns:p="http://schemas.openxmlformats.org/presentationml/2006/main">
+  <p:cSld>
+    <p:spTree>
+      <p:nvGrpSpPr>
+        <p:cNvPr id="1" name=""/>
+        <p:cNvGrpSpPr/>
+        <p:nvPr/>
+      </p:nvGrpSpPr>
+      <p:grpSpPr>
+        <a:xfrm>
+          <a:off x="0" y="0"/>
+          <a:ext cx="0" cy="0"/>
+          <a:chOff x="0" y="0"/>
+          <a:chExt cx="0" cy="0"/>
+        </a:xfrm>
+      </p:grpSpPr>
+      <p:sp>
+        <p:nvSpPr>
+          <p:cNvPr id="2" name="Folienbildplatzhalter 1"/>
+          <p:cNvSpPr>
+            <a:spLocks noGrp="1" noRot="1" noChangeAspect="1"/>
+          </p:cNvSpPr>
+          <p:nvPr>
+            <p:ph type="sldImg"/>
+          </p:nvPr>
+        </p:nvSpPr>
+        <p:spPr/>
+      </p:sp>
+      <p:sp>
+        <p:nvSpPr>
+          <p:cNvPr id="3" name="Notizenplatzhalter 2"/>
+          <p:cNvSpPr>
+            <a:spLocks noGrp="1"/>
+          </p:cNvSpPr>
+          <p:nvPr>
+            <p:ph type="body" idx="1"/>
+          </p:nvPr>
+        </p:nvSpPr>
+        <p:spPr/>
+        <p:txBody>
+          <a:bodyPr/>
+          <a:lstStyle/>
+          <a:p>
+            <a:endParaRPr lang="en-US"/>
+          </a:p>
+        </p:txBody>
+      </p:sp>
+      <p:sp>
+        <p:nvSpPr>
+          <p:cNvPr id="4" name="Foliennummernplatzhalter 3"/>
+          <p:cNvSpPr>
+            <a:spLocks noGrp="1"/>
+          </p:cNvSpPr>
+          <p:nvPr>
+            <p:ph type="sldNum" sz="quarter" idx="10"/>
+          </p:nvPr>
+        </p:nvSpPr>
+        <p:spPr/>
+        <p:txBody>
+          <a:bodyPr/>
+          <a:lstStyle/>
+          <a:p>
+            <a:fld id="{DE2197E9-CAEE-4794-8561-B4165D319F7A}" type="slidenum">
+              <a:rPr lang="en-US" smtClean="0"/>
+              <a:t>7</a:t>
+            </a:fld>
+            <a:endParaRPr lang="en-US"/>
+          </a:p>
+        </p:txBody>
+      </p:sp>
+    </p:spTree>
+    <p:extLst>
+      <p:ext uri="{BB962C8B-B14F-4D97-AF65-F5344CB8AC3E}">
+        <p14:creationId xmlns:p14="http://schemas.microsoft.com/office/powerpoint/2010/main" val="1117196815"/>
+      </p:ext>
+    </p:extLst>
+  </p:cSld>
+  <p:clrMapOvr>
+    <a:masterClrMapping/>
+  </p:clrMapOvr>
+</p:notes>
+</file>
+
+<file path=ppt/notesSlides/notesSlide7.xml><?xml version="1.0" encoding="utf-8"?>
+<p:notes xmlns:a="http://schemas.openxmlformats.org/drawingml/2006/main" xmlns:r="http://schemas.openxmlformats.org/officeDocument/2006/relationships" xmlns:p="http://schemas.openxmlformats.org/presentationml/2006/main">
+  <p:cSld>
+    <p:spTree>
+      <p:nvGrpSpPr>
+        <p:cNvPr id="1" name=""/>
+        <p:cNvGrpSpPr/>
+        <p:nvPr/>
+      </p:nvGrpSpPr>
+      <p:grpSpPr>
+        <a:xfrm>
+          <a:off x="0" y="0"/>
+          <a:ext cx="0" cy="0"/>
+          <a:chOff x="0" y="0"/>
+          <a:chExt cx="0" cy="0"/>
+        </a:xfrm>
+      </p:grpSpPr>
+      <p:sp>
+        <p:nvSpPr>
+          <p:cNvPr id="2" name="Folienbildplatzhalter 1"/>
+          <p:cNvSpPr>
+            <a:spLocks noGrp="1" noRot="1" noChangeAspect="1"/>
+          </p:cNvSpPr>
+          <p:nvPr>
+            <p:ph type="sldImg"/>
+          </p:nvPr>
+        </p:nvSpPr>
+        <p:spPr/>
+      </p:sp>
+      <p:sp>
+        <p:nvSpPr>
+          <p:cNvPr id="3" name="Notizenplatzhalter 2"/>
+          <p:cNvSpPr>
+            <a:spLocks noGrp="1"/>
+          </p:cNvSpPr>
+          <p:nvPr>
+            <p:ph type="body" idx="1"/>
+          </p:nvPr>
+        </p:nvSpPr>
+        <p:spPr/>
+        <p:txBody>
+          <a:bodyPr/>
+          <a:lstStyle/>
+          <a:p>
+            <a:endParaRPr lang="en-US"/>
+          </a:p>
+        </p:txBody>
+      </p:sp>
+      <p:sp>
+        <p:nvSpPr>
+          <p:cNvPr id="4" name="Foliennummernplatzhalter 3"/>
+          <p:cNvSpPr>
+            <a:spLocks noGrp="1"/>
+          </p:cNvSpPr>
+          <p:nvPr>
+            <p:ph type="sldNum" sz="quarter" idx="10"/>
+          </p:nvPr>
+        </p:nvSpPr>
+        <p:spPr/>
+        <p:txBody>
+          <a:bodyPr/>
+          <a:lstStyle/>
+          <a:p>
+            <a:fld id="{DE2197E9-CAEE-4794-8561-B4165D319F7A}" type="slidenum">
+              <a:rPr lang="en-US" smtClean="0"/>
+              <a:t>8</a:t>
+            </a:fld>
+            <a:endParaRPr lang="en-US"/>
+          </a:p>
+        </p:txBody>
+      </p:sp>
+    </p:spTree>
+    <p:extLst>
+      <p:ext uri="{BB962C8B-B14F-4D97-AF65-F5344CB8AC3E}">
+        <p14:creationId xmlns:p14="http://schemas.microsoft.com/office/powerpoint/2010/main" val="3160567654"/>
+      </p:ext>
+    </p:extLst>
+  </p:cSld>
+  <p:clrMapOvr>
+    <a:masterClrMapping/>
+  </p:clrMapOvr>
+</p:notes>
+</file>
+
+<file path=ppt/notesSlides/notesSlide8.xml><?xml version="1.0" encoding="utf-8"?>
+<p:notes xmlns:a="http://schemas.openxmlformats.org/drawingml/2006/main" xmlns:r="http://schemas.openxmlformats.org/officeDocument/2006/relationships" xmlns:p="http://schemas.openxmlformats.org/presentationml/2006/main">
+  <p:cSld>
+    <p:spTree>
+      <p:nvGrpSpPr>
+        <p:cNvPr id="1" name=""/>
+        <p:cNvGrpSpPr/>
+        <p:nvPr/>
+      </p:nvGrpSpPr>
+      <p:grpSpPr>
+        <a:xfrm>
+          <a:off x="0" y="0"/>
+          <a:ext cx="0" cy="0"/>
+          <a:chOff x="0" y="0"/>
+          <a:chExt cx="0" cy="0"/>
+        </a:xfrm>
+      </p:grpSpPr>
+      <p:sp>
+        <p:nvSpPr>
+          <p:cNvPr id="2" name="Folienbildplatzhalter 1"/>
+          <p:cNvSpPr>
+            <a:spLocks noGrp="1" noRot="1" noChangeAspect="1"/>
+          </p:cNvSpPr>
+          <p:nvPr>
+            <p:ph type="sldImg"/>
+          </p:nvPr>
+        </p:nvSpPr>
+        <p:spPr/>
+      </p:sp>
+      <p:sp>
+        <p:nvSpPr>
+          <p:cNvPr id="3" name="Notizenplatzhalter 2"/>
+          <p:cNvSpPr>
+            <a:spLocks noGrp="1"/>
+          </p:cNvSpPr>
+          <p:nvPr>
+            <p:ph type="body" idx="1"/>
+          </p:nvPr>
+        </p:nvSpPr>
+        <p:spPr/>
+        <p:txBody>
+          <a:bodyPr/>
+          <a:lstStyle/>
+          <a:p>
+            <a:endParaRPr lang="en-US"/>
+          </a:p>
+        </p:txBody>
+      </p:sp>
+      <p:sp>
+        <p:nvSpPr>
+          <p:cNvPr id="4" name="Foliennummernplatzhalter 3"/>
+          <p:cNvSpPr>
+            <a:spLocks noGrp="1"/>
+          </p:cNvSpPr>
+          <p:nvPr>
+            <p:ph type="sldNum" sz="quarter" idx="10"/>
+          </p:nvPr>
+        </p:nvSpPr>
+        <p:spPr/>
+        <p:txBody>
+          <a:bodyPr/>
+          <a:lstStyle/>
+          <a:p>
+            <a:fld id="{DE2197E9-CAEE-4794-8561-B4165D319F7A}" type="slidenum">
+              <a:rPr lang="en-US" smtClean="0"/>
+              <a:t>9</a:t>
+            </a:fld>
+            <a:endParaRPr lang="en-US"/>
+          </a:p>
+        </p:txBody>
+      </p:sp>
+    </p:spTree>
+    <p:extLst>
+      <p:ext uri="{BB962C8B-B14F-4D97-AF65-F5344CB8AC3E}">
+        <p14:creationId xmlns:p14="http://schemas.microsoft.com/office/powerpoint/2010/main" val="3041834960"/>
+      </p:ext>
+    </p:extLst>
+  </p:cSld>
+  <p:clrMapOvr>
+    <a:masterClrMapping/>
+  </p:clrMapOvr>
+</p:notes>
+</file>
+
+<file path=ppt/notesSlides/notesSlide9.xml><?xml version="1.0" encoding="utf-8"?>
+<p:notes xmlns:a="http://schemas.openxmlformats.org/drawingml/2006/main" xmlns:r="http://schemas.openxmlformats.org/officeDocument/2006/relationships" xmlns:p="http://schemas.openxmlformats.org/presentationml/2006/main">
+  <p:cSld>
+    <p:spTree>
+      <p:nvGrpSpPr>
+        <p:cNvPr id="1" name=""/>
+        <p:cNvGrpSpPr/>
+        <p:nvPr/>
+      </p:nvGrpSpPr>
+      <p:grpSpPr>
+        <a:xfrm>
+          <a:off x="0" y="0"/>
+          <a:ext cx="0" cy="0"/>
+          <a:chOff x="0" y="0"/>
+          <a:chExt cx="0" cy="0"/>
+        </a:xfrm>
+      </p:grpSpPr>
+      <p:sp>
+        <p:nvSpPr>
+          <p:cNvPr id="2" name="Folienbildplatzhalter 1"/>
+          <p:cNvSpPr>
+            <a:spLocks noGrp="1" noRot="1" noChangeAspect="1"/>
+          </p:cNvSpPr>
+          <p:nvPr>
+            <p:ph type="sldImg"/>
+          </p:nvPr>
+        </p:nvSpPr>
+        <p:spPr/>
+      </p:sp>
+      <p:sp>
+        <p:nvSpPr>
+          <p:cNvPr id="3" name="Notizenplatzhalter 2"/>
+          <p:cNvSpPr>
+            <a:spLocks noGrp="1"/>
+          </p:cNvSpPr>
+          <p:nvPr>
+            <p:ph type="body" idx="1"/>
+          </p:nvPr>
+        </p:nvSpPr>
+        <p:spPr/>
+        <p:txBody>
+          <a:bodyPr/>
+          <a:lstStyle/>
+          <a:p>
+            <a:pPr marL="457200" marR="0" lvl="1" indent="0" algn="l" defTabSz="914400" rtl="0" eaLnBrk="1" fontAlgn="auto" latinLnBrk="0" hangingPunct="1">
+              <a:lnSpc>
+                <a:spcPct val="100000"/>
+              </a:lnSpc>
+              <a:spcBef>
+                <a:spcPts val="0"/>
+              </a:spcBef>
+              <a:spcAft>
+                <a:spcPts val="0"/>
+              </a:spcAft>
+              <a:buClrTx/>
+              <a:buSzTx/>
+              <a:buFontTx/>
+              <a:buNone/>
+              <a:tabLst/>
+              <a:defRPr/>
+            </a:pPr>
+            <a:endParaRPr lang="de-DE" smtClean="0"/>
+          </a:p>
+        </p:txBody>
+      </p:sp>
+      <p:sp>
+        <p:nvSpPr>
+          <p:cNvPr id="4" name="Foliennummernplatzhalter 3"/>
+          <p:cNvSpPr>
+            <a:spLocks noGrp="1"/>
+          </p:cNvSpPr>
+          <p:nvPr>
+            <p:ph type="sldNum" sz="quarter" idx="10"/>
+          </p:nvPr>
+        </p:nvSpPr>
+        <p:spPr/>
+        <p:txBody>
+          <a:bodyPr/>
+          <a:lstStyle/>
+          <a:p>
+            <a:fld id="{DE2197E9-CAEE-4794-8561-B4165D319F7A}" type="slidenum">
+              <a:rPr lang="en-US" smtClean="0"/>
+              <a:t>10</a:t>
+            </a:fld>
+            <a:endParaRPr lang="en-US"/>
+          </a:p>
+        </p:txBody>
+      </p:sp>
+    </p:spTree>
+    <p:extLst>
+      <p:ext uri="{BB962C8B-B14F-4D97-AF65-F5344CB8AC3E}">
+        <p14:creationId xmlns:p14="http://schemas.microsoft.com/office/powerpoint/2010/main" val="3020462310"/>
       </p:ext>
     </p:extLst>
   </p:cSld>
@@ -1183,7 +1983,7 @@
           <a:p>
             <a:fld id="{20258719-CDB8-45E2-B905-DD706C21D5C9}" type="datetimeFigureOut">
               <a:rPr lang="de-DE" smtClean="0"/>
-              <a:t>01.10.2014</a:t>
+              <a:t>05.10.2014</a:t>
             </a:fld>
             <a:endParaRPr lang="de-DE"/>
           </a:p>
@@ -1436,7 +2236,7 @@
           <a:p>
             <a:fld id="{DCFA5B6A-1F08-4E6A-A8AE-69F589CC0F24}" type="datetimeFigureOut">
               <a:rPr lang="en-US" smtClean="0"/>
-              <a:t>10/1/2014</a:t>
+              <a:t>10/5/2014</a:t>
             </a:fld>
             <a:endParaRPr lang="en-US"/>
           </a:p>
@@ -1606,7 +2406,7 @@
           <a:p>
             <a:fld id="{DCFA5B6A-1F08-4E6A-A8AE-69F589CC0F24}" type="datetimeFigureOut">
               <a:rPr lang="en-US" smtClean="0"/>
-              <a:t>10/1/2014</a:t>
+              <a:t>10/5/2014</a:t>
             </a:fld>
             <a:endParaRPr lang="en-US"/>
           </a:p>
@@ -1852,7 +2652,7 @@
           <a:p>
             <a:fld id="{DCFA5B6A-1F08-4E6A-A8AE-69F589CC0F24}" type="datetimeFigureOut">
               <a:rPr lang="en-US" smtClean="0"/>
-              <a:t>10/1/2014</a:t>
+              <a:t>10/5/2014</a:t>
             </a:fld>
             <a:endParaRPr lang="en-US"/>
           </a:p>
@@ -2140,7 +2940,7 @@
           <a:p>
             <a:fld id="{DCFA5B6A-1F08-4E6A-A8AE-69F589CC0F24}" type="datetimeFigureOut">
               <a:rPr lang="en-US" smtClean="0"/>
-              <a:t>10/1/2014</a:t>
+              <a:t>10/5/2014</a:t>
             </a:fld>
             <a:endParaRPr lang="en-US"/>
           </a:p>
@@ -2562,7 +3362,7 @@
           <a:p>
             <a:fld id="{DCFA5B6A-1F08-4E6A-A8AE-69F589CC0F24}" type="datetimeFigureOut">
               <a:rPr lang="en-US" smtClean="0"/>
-              <a:t>10/1/2014</a:t>
+              <a:t>10/5/2014</a:t>
             </a:fld>
             <a:endParaRPr lang="en-US"/>
           </a:p>
@@ -2680,7 +3480,7 @@
           <a:p>
             <a:fld id="{DCFA5B6A-1F08-4E6A-A8AE-69F589CC0F24}" type="datetimeFigureOut">
               <a:rPr lang="en-US" smtClean="0"/>
-              <a:t>10/1/2014</a:t>
+              <a:t>10/5/2014</a:t>
             </a:fld>
             <a:endParaRPr lang="en-US"/>
           </a:p>
@@ -2775,7 +3575,7 @@
           <a:p>
             <a:fld id="{DCFA5B6A-1F08-4E6A-A8AE-69F589CC0F24}" type="datetimeFigureOut">
               <a:rPr lang="en-US" smtClean="0"/>
-              <a:t>10/1/2014</a:t>
+              <a:t>10/5/2014</a:t>
             </a:fld>
             <a:endParaRPr lang="en-US"/>
           </a:p>
@@ -3052,7 +3852,7 @@
           <a:p>
             <a:fld id="{DCFA5B6A-1F08-4E6A-A8AE-69F589CC0F24}" type="datetimeFigureOut">
               <a:rPr lang="en-US" smtClean="0"/>
-              <a:t>10/1/2014</a:t>
+              <a:t>10/5/2014</a:t>
             </a:fld>
             <a:endParaRPr lang="en-US"/>
           </a:p>
@@ -3305,7 +4105,7 @@
           <a:p>
             <a:fld id="{DCFA5B6A-1F08-4E6A-A8AE-69F589CC0F24}" type="datetimeFigureOut">
               <a:rPr lang="en-US" smtClean="0"/>
-              <a:t>10/1/2014</a:t>
+              <a:t>10/5/2014</a:t>
             </a:fld>
             <a:endParaRPr lang="en-US"/>
           </a:p>
@@ -3475,7 +4275,7 @@
           <a:p>
             <a:fld id="{DCFA5B6A-1F08-4E6A-A8AE-69F589CC0F24}" type="datetimeFigureOut">
               <a:rPr lang="en-US" smtClean="0"/>
-              <a:t>10/1/2014</a:t>
+              <a:t>10/5/2014</a:t>
             </a:fld>
             <a:endParaRPr lang="en-US"/>
           </a:p>
@@ -3685,7 +4485,7 @@
           <a:p>
             <a:fld id="{20258719-CDB8-45E2-B905-DD706C21D5C9}" type="datetimeFigureOut">
               <a:rPr lang="de-DE" smtClean="0"/>
-              <a:t>01.10.2014</a:t>
+              <a:t>05.10.2014</a:t>
             </a:fld>
             <a:endParaRPr lang="de-DE"/>
           </a:p>
@@ -3876,7 +4676,7 @@
           <a:p>
             <a:fld id="{DCFA5B6A-1F08-4E6A-A8AE-69F589CC0F24}" type="datetimeFigureOut">
               <a:rPr lang="en-US" smtClean="0"/>
-              <a:t>10/1/2014</a:t>
+              <a:t>10/5/2014</a:t>
             </a:fld>
             <a:endParaRPr lang="en-US"/>
           </a:p>
@@ -4130,7 +4930,7 @@
           <a:p>
             <a:fld id="{20258719-CDB8-45E2-B905-DD706C21D5C9}" type="datetimeFigureOut">
               <a:rPr lang="de-DE" smtClean="0"/>
-              <a:t>01.10.2014</a:t>
+              <a:t>05.10.2014</a:t>
             </a:fld>
             <a:endParaRPr lang="de-DE"/>
           </a:p>
@@ -4437,7 +5237,7 @@
           <a:p>
             <a:fld id="{20258719-CDB8-45E2-B905-DD706C21D5C9}" type="datetimeFigureOut">
               <a:rPr lang="de-DE" smtClean="0"/>
-              <a:t>01.10.2014</a:t>
+              <a:t>05.10.2014</a:t>
             </a:fld>
             <a:endParaRPr lang="de-DE"/>
           </a:p>
@@ -4878,7 +5678,7 @@
           <a:p>
             <a:fld id="{20258719-CDB8-45E2-B905-DD706C21D5C9}" type="datetimeFigureOut">
               <a:rPr lang="de-DE" smtClean="0"/>
-              <a:t>01.10.2014</a:t>
+              <a:t>05.10.2014</a:t>
             </a:fld>
             <a:endParaRPr lang="de-DE"/>
           </a:p>
@@ -5015,7 +5815,7 @@
           <a:p>
             <a:fld id="{20258719-CDB8-45E2-B905-DD706C21D5C9}" type="datetimeFigureOut">
               <a:rPr lang="de-DE" smtClean="0"/>
-              <a:t>01.10.2014</a:t>
+              <a:t>05.10.2014</a:t>
             </a:fld>
             <a:endParaRPr lang="de-DE"/>
           </a:p>
@@ -5129,7 +5929,7 @@
           <a:p>
             <a:fld id="{20258719-CDB8-45E2-B905-DD706C21D5C9}" type="datetimeFigureOut">
               <a:rPr lang="de-DE" smtClean="0"/>
-              <a:t>01.10.2014</a:t>
+              <a:t>05.10.2014</a:t>
             </a:fld>
             <a:endParaRPr lang="de-DE"/>
           </a:p>
@@ -5425,7 +6225,7 @@
           <a:p>
             <a:fld id="{20258719-CDB8-45E2-B905-DD706C21D5C9}" type="datetimeFigureOut">
               <a:rPr lang="de-DE" smtClean="0"/>
-              <a:t>01.10.2014</a:t>
+              <a:t>05.10.2014</a:t>
             </a:fld>
             <a:endParaRPr lang="de-DE"/>
           </a:p>
@@ -5697,7 +6497,7 @@
           <a:p>
             <a:fld id="{20258719-CDB8-45E2-B905-DD706C21D5C9}" type="datetimeFigureOut">
               <a:rPr lang="de-DE" smtClean="0"/>
-              <a:t>01.10.2014</a:t>
+              <a:t>05.10.2014</a:t>
             </a:fld>
             <a:endParaRPr lang="de-DE"/>
           </a:p>
@@ -6370,7 +7170,7 @@
           <a:p>
             <a:fld id="{DCFA5B6A-1F08-4E6A-A8AE-69F589CC0F24}" type="datetimeFigureOut">
               <a:rPr lang="en-US" smtClean="0"/>
-              <a:t>10/1/2014</a:t>
+              <a:t>10/5/2014</a:t>
             </a:fld>
             <a:endParaRPr lang="en-US"/>
           </a:p>
@@ -6731,6 +7531,14 @@
 <file path=ppt/slides/slide1.xml><?xml version="1.0" encoding="utf-8"?>
 <p:sld xmlns:a="http://schemas.openxmlformats.org/drawingml/2006/main" xmlns:r="http://schemas.openxmlformats.org/officeDocument/2006/relationships" xmlns:p="http://schemas.openxmlformats.org/presentationml/2006/main">
   <p:cSld>
+    <p:bg>
+      <p:bgPr>
+        <a:solidFill>
+          <a:schemeClr val="tx1"/>
+        </a:solidFill>
+        <a:effectLst/>
+      </p:bgPr>
+    </p:bg>
     <p:spTree>
       <p:nvGrpSpPr>
         <p:cNvPr id="1" name=""/>
@@ -6747,18 +7555,18 @@
       </p:grpSpPr>
       <p:sp>
         <p:nvSpPr>
-          <p:cNvPr id="6" name="Titel 5"/>
-          <p:cNvSpPr>
-            <a:spLocks noGrp="1"/>
-          </p:cNvSpPr>
-          <p:nvPr>
-            <p:ph type="ctrTitle"/>
+          <p:cNvPr id="5" name="Titel 4"/>
+          <p:cNvSpPr>
+            <a:spLocks noGrp="1"/>
+          </p:cNvSpPr>
+          <p:nvPr>
+            <p:ph type="title"/>
           </p:nvPr>
         </p:nvSpPr>
         <p:spPr>
           <a:xfrm>
-            <a:off x="0" y="1598935"/>
-            <a:ext cx="9144000" cy="1470025"/>
+            <a:off x="446856" y="1061864"/>
+            <a:ext cx="8229600" cy="1143000"/>
           </a:xfrm>
         </p:spPr>
         <p:txBody>
@@ -6767,66 +7575,49 @@
           </a:bodyPr>
           <a:lstStyle/>
           <a:p>
-            <a:r>
-              <a:rPr lang="en-US" sz="4600" b="1" smtClean="0"/>
-              <a:t>DDI-RDF </a:t>
-            </a:r>
-            <a:r>
-              <a:rPr lang="en-US" sz="4600" b="1"/>
-              <a:t>Discovery </a:t>
-            </a:r>
-            <a:r>
-              <a:rPr lang="en-US" sz="4600" b="1" smtClean="0"/>
-              <a:t>Vocabulary</a:t>
-            </a:r>
-            <a:r>
-              <a:rPr lang="en-US" b="1" smtClean="0"/>
-              <a:t/>
-            </a:r>
-            <a:br>
-              <a:rPr lang="en-US" b="1" smtClean="0"/>
-            </a:br>
-            <a:r>
-              <a:rPr lang="en-US" sz="1000" b="1" smtClean="0">
-                <a:solidFill>
-                  <a:schemeClr val="bg1"/>
-                </a:solidFill>
-              </a:rPr>
-              <a:t>_</a:t>
-            </a:r>
-            <a:r>
-              <a:rPr lang="en-US" b="1" smtClean="0"/>
-              <a:t/>
-            </a:r>
-            <a:br>
-              <a:rPr lang="en-US" b="1" smtClean="0"/>
-            </a:br>
-            <a:r>
-              <a:rPr lang="en-US" sz="3600" b="1"/>
-              <a:t>Use Cases and Vocabularies</a:t>
-            </a:r>
-            <a:r>
-              <a:rPr lang="en-US" sz="3600" b="1" smtClean="0"/>
-              <a:t> </a:t>
-            </a:r>
-            <a:endParaRPr lang="de-DE" sz="3600"/>
-          </a:p>
-        </p:txBody>
-      </p:sp>
-      <p:sp>
-        <p:nvSpPr>
-          <p:cNvPr id="7" name="Untertitel 6"/>
-          <p:cNvSpPr>
-            <a:spLocks noGrp="1"/>
-          </p:cNvSpPr>
-          <p:nvPr>
-            <p:ph type="subTitle" idx="1"/>
+            <a:pPr>
+              <a:spcBef>
+                <a:spcPts val="0"/>
+              </a:spcBef>
+              <a:defRPr/>
+            </a:pPr>
+            <a:r>
+              <a:rPr lang="de-DE" sz="5400" smtClean="0">
+                <a:solidFill>
+                  <a:srgbClr val="558ED5"/>
+                </a:solidFill>
+                <a:latin typeface="Courier New" panose="02070309020205020404" pitchFamily="49" charset="0"/>
+                <a:cs typeface="Courier New" panose="02070309020205020404" pitchFamily="49" charset="0"/>
+              </a:rPr>
+              <a:t>build </a:t>
+            </a:r>
+            <a:r>
+              <a:rPr lang="de-DE" sz="5400">
+                <a:solidFill>
+                  <a:srgbClr val="558ED5"/>
+                </a:solidFill>
+                <a:latin typeface="Courier New" panose="02070309020205020404" pitchFamily="49" charset="0"/>
+                <a:cs typeface="Courier New" panose="02070309020205020404" pitchFamily="49" charset="0"/>
+              </a:rPr>
+              <a:t>your own constraint language in 20 min</a:t>
+            </a:r>
+          </a:p>
+        </p:txBody>
+      </p:sp>
+      <p:sp>
+        <p:nvSpPr>
+          <p:cNvPr id="6" name="Inhaltsplatzhalter 5"/>
+          <p:cNvSpPr>
+            <a:spLocks noGrp="1"/>
+          </p:cNvSpPr>
+          <p:nvPr>
+            <p:ph idx="1"/>
           </p:nvPr>
         </p:nvSpPr>
         <p:spPr>
           <a:xfrm>
-            <a:off x="-36512" y="5373216"/>
-            <a:ext cx="9180512" cy="504056"/>
+            <a:off x="457200" y="3429000"/>
+            <a:ext cx="8229600" cy="3933056"/>
           </a:xfrm>
         </p:spPr>
         <p:txBody>
@@ -6835,21 +7626,222 @@
           </a:bodyPr>
           <a:lstStyle/>
           <a:p>
-            <a:r>
-              <a:rPr lang="en-US" sz="1800" smtClean="0">
-                <a:latin typeface="+mj-lt"/>
-              </a:rPr>
-              <a:t>Thomas Bosch</a:t>
-            </a:r>
-            <a:endParaRPr lang="de-DE" sz="1800">
-              <a:latin typeface="+mj-lt"/>
+            <a:pPr marL="0" indent="0" algn="ctr">
+              <a:buNone/>
+            </a:pPr>
+            <a:r>
+              <a:rPr lang="de-DE" sz="4000" smtClean="0">
+                <a:solidFill>
+                  <a:schemeClr val="bg1"/>
+                </a:solidFill>
+                <a:latin typeface="Courier New" panose="02070309020205020404" pitchFamily="49" charset="0"/>
+                <a:cs typeface="Courier New" panose="02070309020205020404" pitchFamily="49" charset="0"/>
+              </a:rPr>
+              <a:t>DC 2014</a:t>
+            </a:r>
+            <a:endParaRPr lang="de-DE" sz="2400" smtClean="0">
+              <a:solidFill>
+                <a:schemeClr val="bg1"/>
+              </a:solidFill>
+              <a:latin typeface="Courier New" panose="02070309020205020404" pitchFamily="49" charset="0"/>
+              <a:cs typeface="Courier New" panose="02070309020205020404" pitchFamily="49" charset="0"/>
             </a:endParaRPr>
           </a:p>
-        </p:txBody>
-      </p:sp>
-      <p:sp>
-        <p:nvSpPr>
-          <p:cNvPr id="4" name="Untertitel 6"/>
+          <a:p>
+            <a:pPr marL="0" indent="0" algn="ctr">
+              <a:buNone/>
+            </a:pPr>
+            <a:endParaRPr lang="en-US" sz="2400" smtClean="0">
+              <a:solidFill>
+                <a:schemeClr val="bg1"/>
+              </a:solidFill>
+              <a:latin typeface="Courier New" panose="02070309020205020404" pitchFamily="49" charset="0"/>
+              <a:cs typeface="Courier New" panose="02070309020205020404" pitchFamily="49" charset="0"/>
+            </a:endParaRPr>
+          </a:p>
+          <a:p>
+            <a:pPr marL="0" indent="0" algn="ctr">
+              <a:buNone/>
+            </a:pPr>
+            <a:r>
+              <a:rPr lang="en-US" sz="2400" smtClean="0">
+                <a:solidFill>
+                  <a:schemeClr val="bg1"/>
+                </a:solidFill>
+                <a:latin typeface="Courier New" panose="02070309020205020404" pitchFamily="49" charset="0"/>
+                <a:cs typeface="Courier New" panose="02070309020205020404" pitchFamily="49" charset="0"/>
+              </a:rPr>
+              <a:t>Thomas Bosch, Kai Eckert </a:t>
+            </a:r>
+          </a:p>
+          <a:p>
+            <a:pPr algn="ctr"/>
+            <a:endParaRPr lang="en-US" sz="2400" smtClean="0">
+              <a:solidFill>
+                <a:schemeClr val="bg1"/>
+              </a:solidFill>
+              <a:latin typeface="Courier New" panose="02070309020205020404" pitchFamily="49" charset="0"/>
+              <a:cs typeface="Courier New" panose="02070309020205020404" pitchFamily="49" charset="0"/>
+            </a:endParaRPr>
+          </a:p>
+          <a:p>
+            <a:pPr marL="0" indent="0" algn="ctr">
+              <a:buNone/>
+            </a:pPr>
+            <a:r>
+              <a:rPr lang="en-US" sz="2400" smtClean="0">
+                <a:solidFill>
+                  <a:schemeClr val="bg1"/>
+                </a:solidFill>
+                <a:latin typeface="Courier New" panose="02070309020205020404" pitchFamily="49" charset="0"/>
+                <a:cs typeface="Courier New" panose="02070309020205020404" pitchFamily="49" charset="0"/>
+              </a:rPr>
+              <a:t>thomas.bosch@gesis.org</a:t>
+            </a:r>
+          </a:p>
+          <a:p>
+            <a:pPr marL="0" indent="0" algn="ctr">
+              <a:buNone/>
+            </a:pPr>
+            <a:r>
+              <a:rPr lang="de-DE" sz="2400">
+                <a:solidFill>
+                  <a:schemeClr val="bg1"/>
+                </a:solidFill>
+                <a:latin typeface="Courier New" panose="02070309020205020404" pitchFamily="49" charset="0"/>
+                <a:cs typeface="Courier New" panose="02070309020205020404" pitchFamily="49" charset="0"/>
+              </a:rPr>
+              <a:t>kai@informatik.uni-mannheim.de</a:t>
+            </a:r>
+            <a:endParaRPr lang="de-DE">
+              <a:solidFill>
+                <a:schemeClr val="bg1"/>
+              </a:solidFill>
+              <a:latin typeface="Courier New" panose="02070309020205020404" pitchFamily="49" charset="0"/>
+              <a:cs typeface="Courier New" panose="02070309020205020404" pitchFamily="49" charset="0"/>
+            </a:endParaRPr>
+          </a:p>
+          <a:p>
+            <a:endParaRPr lang="en-US">
+              <a:solidFill>
+                <a:schemeClr val="bg1"/>
+              </a:solidFill>
+            </a:endParaRPr>
+          </a:p>
+        </p:txBody>
+      </p:sp>
+    </p:spTree>
+    <p:extLst>
+      <p:ext uri="{BB962C8B-B14F-4D97-AF65-F5344CB8AC3E}">
+        <p14:creationId xmlns:p14="http://schemas.microsoft.com/office/powerpoint/2010/main" val="3830198874"/>
+      </p:ext>
+    </p:extLst>
+  </p:cSld>
+  <p:clrMapOvr>
+    <a:masterClrMapping/>
+  </p:clrMapOvr>
+  <p:timing>
+    <p:tnLst>
+      <p:par>
+        <p:cTn id="1" dur="indefinite" restart="never" nodeType="tmRoot"/>
+      </p:par>
+    </p:tnLst>
+  </p:timing>
+</p:sld>
+</file>
+
+<file path=ppt/slides/slide10.xml><?xml version="1.0" encoding="utf-8"?>
+<p:sld xmlns:a="http://schemas.openxmlformats.org/drawingml/2006/main" xmlns:r="http://schemas.openxmlformats.org/officeDocument/2006/relationships" xmlns:p="http://schemas.openxmlformats.org/presentationml/2006/main">
+  <p:cSld>
+    <p:spTree>
+      <p:nvGrpSpPr>
+        <p:cNvPr id="1" name=""/>
+        <p:cNvGrpSpPr/>
+        <p:nvPr/>
+      </p:nvGrpSpPr>
+      <p:grpSpPr>
+        <a:xfrm>
+          <a:off x="0" y="0"/>
+          <a:ext cx="0" cy="0"/>
+          <a:chOff x="0" y="0"/>
+          <a:chExt cx="0" cy="0"/>
+        </a:xfrm>
+      </p:grpSpPr>
+      <p:sp>
+        <p:nvSpPr>
+          <p:cNvPr id="2" name="Titel 1"/>
+          <p:cNvSpPr>
+            <a:spLocks noGrp="1"/>
+          </p:cNvSpPr>
+          <p:nvPr>
+            <p:ph type="title"/>
+          </p:nvPr>
+        </p:nvSpPr>
+        <p:spPr>
+          <a:xfrm>
+            <a:off x="0" y="0"/>
+            <a:ext cx="9144000" cy="6858000"/>
+          </a:xfrm>
+          <a:solidFill>
+            <a:schemeClr val="tx1"/>
+          </a:solidFill>
+        </p:spPr>
+        <p:txBody>
+          <a:bodyPr/>
+          <a:lstStyle/>
+          <a:p>
+            <a:endParaRPr lang="en-US"/>
+          </a:p>
+        </p:txBody>
+      </p:sp>
+      <p:sp>
+        <p:nvSpPr>
+          <p:cNvPr id="6" name="Inhaltsplatzhalter 4"/>
+          <p:cNvSpPr>
+            <a:spLocks noGrp="1"/>
+          </p:cNvSpPr>
+          <p:nvPr>
+            <p:ph idx="1"/>
+          </p:nvPr>
+        </p:nvSpPr>
+        <p:spPr>
+          <a:xfrm>
+            <a:off x="179512" y="404664"/>
+            <a:ext cx="8712968" cy="4824536"/>
+          </a:xfrm>
+        </p:spPr>
+        <p:txBody>
+          <a:bodyPr>
+            <a:normAutofit/>
+          </a:bodyPr>
+          <a:lstStyle/>
+          <a:p>
+            <a:pPr marL="0" indent="0" algn="ctr">
+              <a:buNone/>
+            </a:pPr>
+            <a:r>
+              <a:rPr lang="de-DE" sz="6000" smtClean="0">
+                <a:solidFill>
+                  <a:schemeClr val="bg1"/>
+                </a:solidFill>
+                <a:latin typeface="Courier New" panose="02070309020205020404" pitchFamily="49" charset="0"/>
+                <a:cs typeface="Courier New" panose="02070309020205020404" pitchFamily="49" charset="0"/>
+              </a:rPr>
+              <a:t>SPIN template</a:t>
+            </a:r>
+            <a:endParaRPr lang="en-US" sz="6000" smtClean="0">
+              <a:solidFill>
+                <a:schemeClr val="bg1"/>
+              </a:solidFill>
+              <a:latin typeface="Courier New" panose="02070309020205020404" pitchFamily="49" charset="0"/>
+              <a:cs typeface="Courier New" panose="02070309020205020404" pitchFamily="49" charset="0"/>
+            </a:endParaRPr>
+          </a:p>
+        </p:txBody>
+      </p:sp>
+      <p:sp>
+        <p:nvSpPr>
+          <p:cNvPr id="4" name="Inhaltsplatzhalter 4"/>
           <p:cNvSpPr txBox="1">
             <a:spLocks/>
           </p:cNvSpPr>
@@ -6857,8 +7849,8 @@
         </p:nvSpPr>
         <p:spPr>
           <a:xfrm>
-            <a:off x="1331640" y="5877272"/>
-            <a:ext cx="6400800" cy="864096"/>
+            <a:off x="179512" y="1960240"/>
+            <a:ext cx="8507288" cy="5141168"/>
           </a:xfrm>
           <a:prstGeom prst="rect">
             <a:avLst/>
@@ -6866,156 +7858,138 @@
         </p:spPr>
         <p:txBody>
           <a:bodyPr vert="horz" lIns="91440" tIns="45720" rIns="91440" bIns="45720" rtlCol="0">
-            <a:normAutofit/>
+            <a:noAutofit/>
           </a:bodyPr>
           <a:lstStyle>
-            <a:lvl1pPr marL="0" indent="0" algn="ctr" defTabSz="914400" rtl="0" eaLnBrk="1" latinLnBrk="0" hangingPunct="1">
+            <a:lvl1pPr marL="342900" indent="-342900" algn="l" defTabSz="914400" rtl="0" eaLnBrk="1" latinLnBrk="0" hangingPunct="1">
               <a:spcBef>
                 <a:spcPct val="20000"/>
               </a:spcBef>
-              <a:buFont typeface="Arial" pitchFamily="34" charset="0"/>
-              <a:buNone/>
+              <a:buFont typeface="Arial" panose="020B0604020202020204" pitchFamily="34" charset="0"/>
+              <a:buChar char="•"/>
               <a:defRPr sz="3200" kern="1200">
                 <a:solidFill>
-                  <a:schemeClr val="tx1">
-                    <a:tint val="75000"/>
-                  </a:schemeClr>
-                </a:solidFill>
-                <a:latin typeface="Arial" pitchFamily="34" charset="0"/>
+                  <a:schemeClr val="tx1"/>
+                </a:solidFill>
+                <a:latin typeface="+mn-lt"/>
                 <a:ea typeface="+mn-ea"/>
                 <a:cs typeface="+mn-cs"/>
               </a:defRPr>
             </a:lvl1pPr>
-            <a:lvl2pPr marL="457200" indent="0" algn="ctr" defTabSz="914400" rtl="0" eaLnBrk="1" latinLnBrk="0" hangingPunct="1">
+            <a:lvl2pPr marL="742950" indent="-285750" algn="l" defTabSz="914400" rtl="0" eaLnBrk="1" latinLnBrk="0" hangingPunct="1">
               <a:spcBef>
                 <a:spcPct val="20000"/>
               </a:spcBef>
-              <a:buFont typeface="Arial" pitchFamily="34" charset="0"/>
-              <a:buNone/>
+              <a:buFont typeface="Arial" panose="020B0604020202020204" pitchFamily="34" charset="0"/>
+              <a:buChar char="–"/>
               <a:defRPr sz="2800" kern="1200">
                 <a:solidFill>
-                  <a:schemeClr val="tx1">
-                    <a:tint val="75000"/>
-                  </a:schemeClr>
-                </a:solidFill>
-                <a:latin typeface="Arial" pitchFamily="34" charset="0"/>
+                  <a:schemeClr val="tx1"/>
+                </a:solidFill>
+                <a:latin typeface="+mn-lt"/>
                 <a:ea typeface="+mn-ea"/>
                 <a:cs typeface="+mn-cs"/>
               </a:defRPr>
             </a:lvl2pPr>
-            <a:lvl3pPr marL="914400" indent="0" algn="ctr" defTabSz="914400" rtl="0" eaLnBrk="1" latinLnBrk="0" hangingPunct="1">
+            <a:lvl3pPr marL="1143000" indent="-228600" algn="l" defTabSz="914400" rtl="0" eaLnBrk="1" latinLnBrk="0" hangingPunct="1">
               <a:spcBef>
                 <a:spcPct val="20000"/>
               </a:spcBef>
-              <a:buFont typeface="Arial" pitchFamily="34" charset="0"/>
-              <a:buNone/>
+              <a:buFont typeface="Arial" panose="020B0604020202020204" pitchFamily="34" charset="0"/>
+              <a:buChar char="•"/>
               <a:defRPr sz="2400" kern="1200">
                 <a:solidFill>
-                  <a:schemeClr val="tx1">
-                    <a:tint val="75000"/>
-                  </a:schemeClr>
-                </a:solidFill>
-                <a:latin typeface="Arial" pitchFamily="34" charset="0"/>
+                  <a:schemeClr val="tx1"/>
+                </a:solidFill>
+                <a:latin typeface="+mn-lt"/>
                 <a:ea typeface="+mn-ea"/>
                 <a:cs typeface="+mn-cs"/>
               </a:defRPr>
             </a:lvl3pPr>
-            <a:lvl4pPr marL="1371600" indent="0" algn="ctr" defTabSz="914400" rtl="0" eaLnBrk="1" latinLnBrk="0" hangingPunct="1">
+            <a:lvl4pPr marL="1600200" indent="-228600" algn="l" defTabSz="914400" rtl="0" eaLnBrk="1" latinLnBrk="0" hangingPunct="1">
               <a:spcBef>
                 <a:spcPct val="20000"/>
               </a:spcBef>
-              <a:buFont typeface="Arial" pitchFamily="34" charset="0"/>
-              <a:buNone/>
+              <a:buFont typeface="Arial" panose="020B0604020202020204" pitchFamily="34" charset="0"/>
+              <a:buChar char="–"/>
               <a:defRPr sz="2000" kern="1200">
                 <a:solidFill>
-                  <a:schemeClr val="tx1">
-                    <a:tint val="75000"/>
-                  </a:schemeClr>
-                </a:solidFill>
-                <a:latin typeface="Arial" pitchFamily="34" charset="0"/>
+                  <a:schemeClr val="tx1"/>
+                </a:solidFill>
+                <a:latin typeface="+mn-lt"/>
                 <a:ea typeface="+mn-ea"/>
                 <a:cs typeface="+mn-cs"/>
               </a:defRPr>
             </a:lvl4pPr>
-            <a:lvl5pPr marL="1828800" indent="0" algn="ctr" defTabSz="914400" rtl="0" eaLnBrk="1" latinLnBrk="0" hangingPunct="1">
+            <a:lvl5pPr marL="2057400" indent="-228600" algn="l" defTabSz="914400" rtl="0" eaLnBrk="1" latinLnBrk="0" hangingPunct="1">
               <a:spcBef>
                 <a:spcPct val="20000"/>
               </a:spcBef>
-              <a:buFont typeface="Arial" pitchFamily="34" charset="0"/>
-              <a:buNone/>
+              <a:buFont typeface="Arial" panose="020B0604020202020204" pitchFamily="34" charset="0"/>
+              <a:buChar char="»"/>
               <a:defRPr sz="2000" kern="1200">
                 <a:solidFill>
-                  <a:schemeClr val="tx1">
-                    <a:tint val="75000"/>
-                  </a:schemeClr>
-                </a:solidFill>
-                <a:latin typeface="Arial" pitchFamily="34" charset="0"/>
+                  <a:schemeClr val="tx1"/>
+                </a:solidFill>
+                <a:latin typeface="+mn-lt"/>
                 <a:ea typeface="+mn-ea"/>
                 <a:cs typeface="+mn-cs"/>
               </a:defRPr>
             </a:lvl5pPr>
-            <a:lvl6pPr marL="2286000" indent="0" algn="ctr" defTabSz="914400" rtl="0" eaLnBrk="1" latinLnBrk="0" hangingPunct="1">
+            <a:lvl6pPr marL="2514600" indent="-228600" algn="l" defTabSz="914400" rtl="0" eaLnBrk="1" latinLnBrk="0" hangingPunct="1">
               <a:spcBef>
                 <a:spcPct val="20000"/>
               </a:spcBef>
-              <a:buFont typeface="Arial" pitchFamily="34" charset="0"/>
-              <a:buNone/>
+              <a:buFont typeface="Arial" panose="020B0604020202020204" pitchFamily="34" charset="0"/>
+              <a:buChar char="•"/>
               <a:defRPr sz="2000" kern="1200">
                 <a:solidFill>
-                  <a:schemeClr val="tx1">
-                    <a:tint val="75000"/>
-                  </a:schemeClr>
+                  <a:schemeClr val="tx1"/>
                 </a:solidFill>
                 <a:latin typeface="+mn-lt"/>
                 <a:ea typeface="+mn-ea"/>
                 <a:cs typeface="+mn-cs"/>
               </a:defRPr>
             </a:lvl6pPr>
-            <a:lvl7pPr marL="2743200" indent="0" algn="ctr" defTabSz="914400" rtl="0" eaLnBrk="1" latinLnBrk="0" hangingPunct="1">
+            <a:lvl7pPr marL="2971800" indent="-228600" algn="l" defTabSz="914400" rtl="0" eaLnBrk="1" latinLnBrk="0" hangingPunct="1">
               <a:spcBef>
                 <a:spcPct val="20000"/>
               </a:spcBef>
-              <a:buFont typeface="Arial" pitchFamily="34" charset="0"/>
-              <a:buNone/>
+              <a:buFont typeface="Arial" panose="020B0604020202020204" pitchFamily="34" charset="0"/>
+              <a:buChar char="•"/>
               <a:defRPr sz="2000" kern="1200">
                 <a:solidFill>
-                  <a:schemeClr val="tx1">
-                    <a:tint val="75000"/>
-                  </a:schemeClr>
+                  <a:schemeClr val="tx1"/>
                 </a:solidFill>
                 <a:latin typeface="+mn-lt"/>
                 <a:ea typeface="+mn-ea"/>
                 <a:cs typeface="+mn-cs"/>
               </a:defRPr>
             </a:lvl7pPr>
-            <a:lvl8pPr marL="3200400" indent="0" algn="ctr" defTabSz="914400" rtl="0" eaLnBrk="1" latinLnBrk="0" hangingPunct="1">
+            <a:lvl8pPr marL="3429000" indent="-228600" algn="l" defTabSz="914400" rtl="0" eaLnBrk="1" latinLnBrk="0" hangingPunct="1">
               <a:spcBef>
                 <a:spcPct val="20000"/>
               </a:spcBef>
-              <a:buFont typeface="Arial" pitchFamily="34" charset="0"/>
-              <a:buNone/>
+              <a:buFont typeface="Arial" panose="020B0604020202020204" pitchFamily="34" charset="0"/>
+              <a:buChar char="•"/>
               <a:defRPr sz="2000" kern="1200">
                 <a:solidFill>
-                  <a:schemeClr val="tx1">
-                    <a:tint val="75000"/>
-                  </a:schemeClr>
+                  <a:schemeClr val="tx1"/>
                 </a:solidFill>
                 <a:latin typeface="+mn-lt"/>
                 <a:ea typeface="+mn-ea"/>
                 <a:cs typeface="+mn-cs"/>
               </a:defRPr>
             </a:lvl8pPr>
-            <a:lvl9pPr marL="3657600" indent="0" algn="ctr" defTabSz="914400" rtl="0" eaLnBrk="1" latinLnBrk="0" hangingPunct="1">
+            <a:lvl9pPr marL="3886200" indent="-228600" algn="l" defTabSz="914400" rtl="0" eaLnBrk="1" latinLnBrk="0" hangingPunct="1">
               <a:spcBef>
                 <a:spcPct val="20000"/>
               </a:spcBef>
-              <a:buFont typeface="Arial" pitchFamily="34" charset="0"/>
-              <a:buNone/>
+              <a:buFont typeface="Arial" panose="020B0604020202020204" pitchFamily="34" charset="0"/>
+              <a:buChar char="•"/>
               <a:defRPr sz="2000" kern="1200">
                 <a:solidFill>
-                  <a:schemeClr val="tx1">
-                    <a:tint val="75000"/>
-                  </a:schemeClr>
+                  <a:schemeClr val="tx1"/>
                 </a:solidFill>
                 <a:latin typeface="+mn-lt"/>
                 <a:ea typeface="+mn-ea"/>
@@ -7024,54 +7998,308 @@
             </a:lvl9pPr>
           </a:lstStyle>
           <a:p>
-            <a:r>
-              <a:rPr lang="en-US" sz="1600" smtClean="0">
-                <a:latin typeface="+mj-lt"/>
-              </a:rPr>
-              <a:t> GESIS </a:t>
-            </a:r>
-            <a:r>
-              <a:rPr lang="en-US" sz="1600">
-                <a:latin typeface="+mj-lt"/>
-              </a:rPr>
-              <a:t>– Leibniz Institute for the Social Sciences, Germany </a:t>
-            </a:r>
-          </a:p>
-          <a:p>
-            <a:r>
-              <a:rPr lang="en-US" sz="1400" smtClean="0">
-                <a:latin typeface="Courier New" panose="02070309020205020404" pitchFamily="49" charset="0"/>
-                <a:cs typeface="Courier New" panose="02070309020205020404" pitchFamily="49" charset="0"/>
-              </a:rPr>
-              <a:t>thomas.bosch@gesis.org</a:t>
-            </a:r>
-          </a:p>
-          <a:p>
-            <a:r>
-              <a:rPr lang="de-DE" sz="1400" smtClean="0">
-                <a:latin typeface="Courier New" panose="02070309020205020404" pitchFamily="49" charset="0"/>
-                <a:cs typeface="Courier New" panose="02070309020205020404" pitchFamily="49" charset="0"/>
-              </a:rPr>
-              <a:t>boschthomas.blogspot.com</a:t>
-            </a:r>
-          </a:p>
-          <a:p>
-            <a:endParaRPr lang="en-US" sz="1400" smtClean="0">
+            <a:pPr marL="0" indent="0">
+              <a:buNone/>
+            </a:pPr>
+            <a:r>
+              <a:rPr lang="en-US" sz="2400" smtClean="0">
+                <a:solidFill>
+                  <a:schemeClr val="bg1"/>
+                </a:solidFill>
+                <a:latin typeface="Courier New" panose="02070309020205020404" pitchFamily="49" charset="0"/>
+                <a:cs typeface="Courier New" panose="02070309020205020404" pitchFamily="49" charset="0"/>
+              </a:rPr>
+              <a:t>:ObjectPropertyRange</a:t>
+            </a:r>
+            <a:endParaRPr lang="en-US" sz="2400">
+              <a:solidFill>
+                <a:schemeClr val="bg1"/>
+              </a:solidFill>
               <a:latin typeface="Courier New" panose="02070309020205020404" pitchFamily="49" charset="0"/>
               <a:cs typeface="Courier New" panose="02070309020205020404" pitchFamily="49" charset="0"/>
             </a:endParaRPr>
           </a:p>
           <a:p>
-            <a:endParaRPr lang="de-DE" sz="1400">
+            <a:pPr marL="0" indent="0">
+              <a:buNone/>
+            </a:pPr>
+            <a:r>
+              <a:rPr lang="en-US" sz="2400" smtClean="0">
+                <a:solidFill>
+                  <a:schemeClr val="bg1"/>
+                </a:solidFill>
+                <a:latin typeface="Courier New" panose="02070309020205020404" pitchFamily="49" charset="0"/>
+                <a:cs typeface="Courier New" panose="02070309020205020404" pitchFamily="49" charset="0"/>
+              </a:rPr>
+              <a:t>    a </a:t>
+            </a:r>
+            <a:r>
+              <a:rPr lang="en-US" sz="2400">
+                <a:solidFill>
+                  <a:srgbClr val="558ED5"/>
+                </a:solidFill>
+                <a:latin typeface="Courier New" panose="02070309020205020404" pitchFamily="49" charset="0"/>
+                <a:cs typeface="Courier New" panose="02070309020205020404" pitchFamily="49" charset="0"/>
+              </a:rPr>
+              <a:t>spin:ConstructTemplate</a:t>
+            </a:r>
+            <a:r>
+              <a:rPr lang="en-US" sz="2400">
+                <a:solidFill>
+                  <a:schemeClr val="bg1"/>
+                </a:solidFill>
+                <a:latin typeface="Courier New" panose="02070309020205020404" pitchFamily="49" charset="0"/>
+                <a:cs typeface="Courier New" panose="02070309020205020404" pitchFamily="49" charset="0"/>
+              </a:rPr>
+              <a:t> ;</a:t>
+            </a:r>
+          </a:p>
+          <a:p>
+            <a:pPr marL="0" indent="0">
+              <a:buNone/>
+            </a:pPr>
+            <a:r>
+              <a:rPr lang="en-US" sz="2400">
+                <a:solidFill>
+                  <a:schemeClr val="bg1"/>
+                </a:solidFill>
+                <a:latin typeface="Courier New" panose="02070309020205020404" pitchFamily="49" charset="0"/>
+                <a:cs typeface="Courier New" panose="02070309020205020404" pitchFamily="49" charset="0"/>
+              </a:rPr>
+              <a:t>    rdfs:subClassOf spin:ConstructTemplates ;</a:t>
+            </a:r>
+          </a:p>
+          <a:p>
+            <a:pPr marL="0" indent="0">
+              <a:buNone/>
+            </a:pPr>
+            <a:r>
+              <a:rPr lang="en-US" sz="2400">
+                <a:solidFill>
+                  <a:schemeClr val="bg1"/>
+                </a:solidFill>
+                <a:latin typeface="Courier New" panose="02070309020205020404" pitchFamily="49" charset="0"/>
+                <a:cs typeface="Courier New" panose="02070309020205020404" pitchFamily="49" charset="0"/>
+              </a:rPr>
+              <a:t>    spin:labelTemplate </a:t>
+            </a:r>
+            <a:r>
+              <a:rPr lang="en-US" sz="2400" smtClean="0">
+                <a:solidFill>
+                  <a:schemeClr val="bg1"/>
+                </a:solidFill>
+                <a:latin typeface="Courier New" panose="02070309020205020404" pitchFamily="49" charset="0"/>
+                <a:cs typeface="Courier New" panose="02070309020205020404" pitchFamily="49" charset="0"/>
+              </a:rPr>
+              <a:t>"violation source" </a:t>
+            </a:r>
+            <a:r>
+              <a:rPr lang="en-US" sz="2400">
+                <a:solidFill>
+                  <a:schemeClr val="bg1"/>
+                </a:solidFill>
+                <a:latin typeface="Courier New" panose="02070309020205020404" pitchFamily="49" charset="0"/>
+                <a:cs typeface="Courier New" panose="02070309020205020404" pitchFamily="49" charset="0"/>
+              </a:rPr>
+              <a:t>; </a:t>
+            </a:r>
+          </a:p>
+          <a:p>
+            <a:pPr marL="0" indent="0">
+              <a:buNone/>
+            </a:pPr>
+            <a:r>
+              <a:rPr lang="en-US" sz="2400">
+                <a:solidFill>
+                  <a:schemeClr val="bg1"/>
+                </a:solidFill>
+                <a:latin typeface="Courier New" panose="02070309020205020404" pitchFamily="49" charset="0"/>
+                <a:cs typeface="Courier New" panose="02070309020205020404" pitchFamily="49" charset="0"/>
+              </a:rPr>
+              <a:t>    spin:body [</a:t>
+            </a:r>
+          </a:p>
+          <a:p>
+            <a:pPr marL="0" indent="0">
+              <a:buNone/>
+            </a:pPr>
+            <a:r>
+              <a:rPr lang="en-US" sz="2400">
+                <a:solidFill>
+                  <a:schemeClr val="bg1"/>
+                </a:solidFill>
+                <a:latin typeface="Courier New" panose="02070309020205020404" pitchFamily="49" charset="0"/>
+                <a:cs typeface="Courier New" panose="02070309020205020404" pitchFamily="49" charset="0"/>
+              </a:rPr>
+              <a:t>        a sp:Construct ;</a:t>
+            </a:r>
+          </a:p>
+          <a:p>
+            <a:pPr marL="0" indent="0">
+              <a:buNone/>
+            </a:pPr>
+            <a:r>
+              <a:rPr lang="en-US" sz="2400">
+                <a:solidFill>
+                  <a:schemeClr val="bg1"/>
+                </a:solidFill>
+                <a:latin typeface="Courier New" panose="02070309020205020404" pitchFamily="49" charset="0"/>
+                <a:cs typeface="Courier New" panose="02070309020205020404" pitchFamily="49" charset="0"/>
+              </a:rPr>
+              <a:t>        sp:text """</a:t>
+            </a:r>
+          </a:p>
+          <a:p>
+            <a:pPr marL="0" indent="0">
+              <a:buNone/>
+            </a:pPr>
+            <a:r>
+              <a:rPr lang="en-US" sz="2400">
+                <a:solidFill>
+                  <a:schemeClr val="bg1"/>
+                </a:solidFill>
+                <a:latin typeface="Courier New" panose="02070309020205020404" pitchFamily="49" charset="0"/>
+                <a:cs typeface="Courier New" panose="02070309020205020404" pitchFamily="49" charset="0"/>
+              </a:rPr>
+              <a:t>            CONSTRUCT {...}</a:t>
+            </a:r>
+          </a:p>
+          <a:p>
+            <a:pPr marL="0" indent="0">
+              <a:buNone/>
+            </a:pPr>
+            <a:r>
+              <a:rPr lang="en-US" sz="2400">
+                <a:solidFill>
+                  <a:schemeClr val="bg1"/>
+                </a:solidFill>
+                <a:latin typeface="Courier New" panose="02070309020205020404" pitchFamily="49" charset="0"/>
+                <a:cs typeface="Courier New" panose="02070309020205020404" pitchFamily="49" charset="0"/>
+              </a:rPr>
+              <a:t>            WHERE {...} """ ; ] .</a:t>
+            </a:r>
+            <a:endParaRPr lang="en-US">
+              <a:solidFill>
+                <a:schemeClr val="bg1"/>
+              </a:solidFill>
               <a:latin typeface="Courier New" panose="02070309020205020404" pitchFamily="49" charset="0"/>
               <a:cs typeface="Courier New" panose="02070309020205020404" pitchFamily="49" charset="0"/>
             </a:endParaRPr>
           </a:p>
         </p:txBody>
       </p:sp>
-      <p:sp>
-        <p:nvSpPr>
-          <p:cNvPr id="5" name="Untertitel 6"/>
+    </p:spTree>
+    <p:extLst>
+      <p:ext uri="{BB962C8B-B14F-4D97-AF65-F5344CB8AC3E}">
+        <p14:creationId xmlns:p14="http://schemas.microsoft.com/office/powerpoint/2010/main" val="3670230270"/>
+      </p:ext>
+    </p:extLst>
+  </p:cSld>
+  <p:clrMapOvr>
+    <a:masterClrMapping/>
+  </p:clrMapOvr>
+  <p:timing>
+    <p:tnLst>
+      <p:par>
+        <p:cTn id="1" dur="indefinite" restart="never" nodeType="tmRoot"/>
+      </p:par>
+    </p:tnLst>
+  </p:timing>
+</p:sld>
+</file>
+
+<file path=ppt/slides/slide11.xml><?xml version="1.0" encoding="utf-8"?>
+<p:sld xmlns:a="http://schemas.openxmlformats.org/drawingml/2006/main" xmlns:r="http://schemas.openxmlformats.org/officeDocument/2006/relationships" xmlns:p="http://schemas.openxmlformats.org/presentationml/2006/main">
+  <p:cSld>
+    <p:spTree>
+      <p:nvGrpSpPr>
+        <p:cNvPr id="1" name=""/>
+        <p:cNvGrpSpPr/>
+        <p:nvPr/>
+      </p:nvGrpSpPr>
+      <p:grpSpPr>
+        <a:xfrm>
+          <a:off x="0" y="0"/>
+          <a:ext cx="0" cy="0"/>
+          <a:chOff x="0" y="0"/>
+          <a:chExt cx="0" cy="0"/>
+        </a:xfrm>
+      </p:grpSpPr>
+      <p:sp>
+        <p:nvSpPr>
+          <p:cNvPr id="2" name="Titel 1"/>
+          <p:cNvSpPr>
+            <a:spLocks noGrp="1"/>
+          </p:cNvSpPr>
+          <p:nvPr>
+            <p:ph type="title"/>
+          </p:nvPr>
+        </p:nvSpPr>
+        <p:spPr>
+          <a:xfrm>
+            <a:off x="0" y="0"/>
+            <a:ext cx="9144000" cy="6858000"/>
+          </a:xfrm>
+          <a:solidFill>
+            <a:schemeClr val="tx1"/>
+          </a:solidFill>
+        </p:spPr>
+        <p:txBody>
+          <a:bodyPr/>
+          <a:lstStyle/>
+          <a:p>
+            <a:endParaRPr lang="en-US"/>
+          </a:p>
+        </p:txBody>
+      </p:sp>
+      <p:sp>
+        <p:nvSpPr>
+          <p:cNvPr id="6" name="Inhaltsplatzhalter 4"/>
+          <p:cNvSpPr>
+            <a:spLocks noGrp="1"/>
+          </p:cNvSpPr>
+          <p:nvPr>
+            <p:ph idx="1"/>
+          </p:nvPr>
+        </p:nvSpPr>
+        <p:spPr>
+          <a:xfrm>
+            <a:off x="179512" y="404664"/>
+            <a:ext cx="8712968" cy="4824536"/>
+          </a:xfrm>
+        </p:spPr>
+        <p:txBody>
+          <a:bodyPr>
+            <a:normAutofit/>
+          </a:bodyPr>
+          <a:lstStyle/>
+          <a:p>
+            <a:pPr marL="0" indent="0" algn="ctr">
+              <a:buNone/>
+            </a:pPr>
+            <a:r>
+              <a:rPr lang="de-DE" sz="6000" smtClean="0">
+                <a:solidFill>
+                  <a:schemeClr val="bg1"/>
+                </a:solidFill>
+                <a:latin typeface="Courier New" panose="02070309020205020404" pitchFamily="49" charset="0"/>
+                <a:cs typeface="Courier New" panose="02070309020205020404" pitchFamily="49" charset="0"/>
+              </a:rPr>
+              <a:t>WHERE clause</a:t>
+            </a:r>
+            <a:endParaRPr lang="en-US" sz="6000" smtClean="0">
+              <a:solidFill>
+                <a:schemeClr val="bg1"/>
+              </a:solidFill>
+              <a:latin typeface="Courier New" panose="02070309020205020404" pitchFamily="49" charset="0"/>
+              <a:cs typeface="Courier New" panose="02070309020205020404" pitchFamily="49" charset="0"/>
+            </a:endParaRPr>
+          </a:p>
+        </p:txBody>
+      </p:sp>
+      <p:sp>
+        <p:nvSpPr>
+          <p:cNvPr id="4" name="Inhaltsplatzhalter 4"/>
           <p:cNvSpPr txBox="1">
             <a:spLocks/>
           </p:cNvSpPr>
@@ -7079,8 +8307,8 @@
         </p:nvSpPr>
         <p:spPr>
           <a:xfrm>
-            <a:off x="0" y="3868459"/>
-            <a:ext cx="9144000" cy="1216725"/>
+            <a:off x="457200" y="1816224"/>
+            <a:ext cx="8229600" cy="5141168"/>
           </a:xfrm>
           <a:prstGeom prst="rect">
             <a:avLst/>
@@ -7088,156 +8316,138 @@
         </p:spPr>
         <p:txBody>
           <a:bodyPr vert="horz" lIns="91440" tIns="45720" rIns="91440" bIns="45720" rtlCol="0">
-            <a:normAutofit/>
+            <a:noAutofit/>
           </a:bodyPr>
           <a:lstStyle>
-            <a:lvl1pPr marL="0" indent="0" algn="ctr" defTabSz="914400" rtl="0" eaLnBrk="1" latinLnBrk="0" hangingPunct="1">
+            <a:lvl1pPr marL="342900" indent="-342900" algn="l" defTabSz="914400" rtl="0" eaLnBrk="1" latinLnBrk="0" hangingPunct="1">
               <a:spcBef>
                 <a:spcPct val="20000"/>
               </a:spcBef>
-              <a:buFont typeface="Arial" pitchFamily="34" charset="0"/>
-              <a:buNone/>
+              <a:buFont typeface="Arial" panose="020B0604020202020204" pitchFamily="34" charset="0"/>
+              <a:buChar char="•"/>
               <a:defRPr sz="3200" kern="1200">
                 <a:solidFill>
-                  <a:schemeClr val="tx1">
-                    <a:tint val="75000"/>
-                  </a:schemeClr>
-                </a:solidFill>
-                <a:latin typeface="Arial" pitchFamily="34" charset="0"/>
+                  <a:schemeClr val="tx1"/>
+                </a:solidFill>
+                <a:latin typeface="+mn-lt"/>
                 <a:ea typeface="+mn-ea"/>
                 <a:cs typeface="+mn-cs"/>
               </a:defRPr>
             </a:lvl1pPr>
-            <a:lvl2pPr marL="457200" indent="0" algn="ctr" defTabSz="914400" rtl="0" eaLnBrk="1" latinLnBrk="0" hangingPunct="1">
+            <a:lvl2pPr marL="742950" indent="-285750" algn="l" defTabSz="914400" rtl="0" eaLnBrk="1" latinLnBrk="0" hangingPunct="1">
               <a:spcBef>
                 <a:spcPct val="20000"/>
               </a:spcBef>
-              <a:buFont typeface="Arial" pitchFamily="34" charset="0"/>
-              <a:buNone/>
+              <a:buFont typeface="Arial" panose="020B0604020202020204" pitchFamily="34" charset="0"/>
+              <a:buChar char="–"/>
               <a:defRPr sz="2800" kern="1200">
                 <a:solidFill>
-                  <a:schemeClr val="tx1">
-                    <a:tint val="75000"/>
-                  </a:schemeClr>
-                </a:solidFill>
-                <a:latin typeface="Arial" pitchFamily="34" charset="0"/>
+                  <a:schemeClr val="tx1"/>
+                </a:solidFill>
+                <a:latin typeface="+mn-lt"/>
                 <a:ea typeface="+mn-ea"/>
                 <a:cs typeface="+mn-cs"/>
               </a:defRPr>
             </a:lvl2pPr>
-            <a:lvl3pPr marL="914400" indent="0" algn="ctr" defTabSz="914400" rtl="0" eaLnBrk="1" latinLnBrk="0" hangingPunct="1">
+            <a:lvl3pPr marL="1143000" indent="-228600" algn="l" defTabSz="914400" rtl="0" eaLnBrk="1" latinLnBrk="0" hangingPunct="1">
               <a:spcBef>
                 <a:spcPct val="20000"/>
               </a:spcBef>
-              <a:buFont typeface="Arial" pitchFamily="34" charset="0"/>
-              <a:buNone/>
+              <a:buFont typeface="Arial" panose="020B0604020202020204" pitchFamily="34" charset="0"/>
+              <a:buChar char="•"/>
               <a:defRPr sz="2400" kern="1200">
                 <a:solidFill>
-                  <a:schemeClr val="tx1">
-                    <a:tint val="75000"/>
-                  </a:schemeClr>
-                </a:solidFill>
-                <a:latin typeface="Arial" pitchFamily="34" charset="0"/>
+                  <a:schemeClr val="tx1"/>
+                </a:solidFill>
+                <a:latin typeface="+mn-lt"/>
                 <a:ea typeface="+mn-ea"/>
                 <a:cs typeface="+mn-cs"/>
               </a:defRPr>
             </a:lvl3pPr>
-            <a:lvl4pPr marL="1371600" indent="0" algn="ctr" defTabSz="914400" rtl="0" eaLnBrk="1" latinLnBrk="0" hangingPunct="1">
+            <a:lvl4pPr marL="1600200" indent="-228600" algn="l" defTabSz="914400" rtl="0" eaLnBrk="1" latinLnBrk="0" hangingPunct="1">
               <a:spcBef>
                 <a:spcPct val="20000"/>
               </a:spcBef>
-              <a:buFont typeface="Arial" pitchFamily="34" charset="0"/>
-              <a:buNone/>
+              <a:buFont typeface="Arial" panose="020B0604020202020204" pitchFamily="34" charset="0"/>
+              <a:buChar char="–"/>
               <a:defRPr sz="2000" kern="1200">
                 <a:solidFill>
-                  <a:schemeClr val="tx1">
-                    <a:tint val="75000"/>
-                  </a:schemeClr>
-                </a:solidFill>
-                <a:latin typeface="Arial" pitchFamily="34" charset="0"/>
+                  <a:schemeClr val="tx1"/>
+                </a:solidFill>
+                <a:latin typeface="+mn-lt"/>
                 <a:ea typeface="+mn-ea"/>
                 <a:cs typeface="+mn-cs"/>
               </a:defRPr>
             </a:lvl4pPr>
-            <a:lvl5pPr marL="1828800" indent="0" algn="ctr" defTabSz="914400" rtl="0" eaLnBrk="1" latinLnBrk="0" hangingPunct="1">
+            <a:lvl5pPr marL="2057400" indent="-228600" algn="l" defTabSz="914400" rtl="0" eaLnBrk="1" latinLnBrk="0" hangingPunct="1">
               <a:spcBef>
                 <a:spcPct val="20000"/>
               </a:spcBef>
-              <a:buFont typeface="Arial" pitchFamily="34" charset="0"/>
-              <a:buNone/>
+              <a:buFont typeface="Arial" panose="020B0604020202020204" pitchFamily="34" charset="0"/>
+              <a:buChar char="»"/>
               <a:defRPr sz="2000" kern="1200">
                 <a:solidFill>
-                  <a:schemeClr val="tx1">
-                    <a:tint val="75000"/>
-                  </a:schemeClr>
-                </a:solidFill>
-                <a:latin typeface="Arial" pitchFamily="34" charset="0"/>
+                  <a:schemeClr val="tx1"/>
+                </a:solidFill>
+                <a:latin typeface="+mn-lt"/>
                 <a:ea typeface="+mn-ea"/>
                 <a:cs typeface="+mn-cs"/>
               </a:defRPr>
             </a:lvl5pPr>
-            <a:lvl6pPr marL="2286000" indent="0" algn="ctr" defTabSz="914400" rtl="0" eaLnBrk="1" latinLnBrk="0" hangingPunct="1">
+            <a:lvl6pPr marL="2514600" indent="-228600" algn="l" defTabSz="914400" rtl="0" eaLnBrk="1" latinLnBrk="0" hangingPunct="1">
               <a:spcBef>
                 <a:spcPct val="20000"/>
               </a:spcBef>
-              <a:buFont typeface="Arial" pitchFamily="34" charset="0"/>
-              <a:buNone/>
+              <a:buFont typeface="Arial" panose="020B0604020202020204" pitchFamily="34" charset="0"/>
+              <a:buChar char="•"/>
               <a:defRPr sz="2000" kern="1200">
                 <a:solidFill>
-                  <a:schemeClr val="tx1">
-                    <a:tint val="75000"/>
-                  </a:schemeClr>
+                  <a:schemeClr val="tx1"/>
                 </a:solidFill>
                 <a:latin typeface="+mn-lt"/>
                 <a:ea typeface="+mn-ea"/>
                 <a:cs typeface="+mn-cs"/>
               </a:defRPr>
             </a:lvl6pPr>
-            <a:lvl7pPr marL="2743200" indent="0" algn="ctr" defTabSz="914400" rtl="0" eaLnBrk="1" latinLnBrk="0" hangingPunct="1">
+            <a:lvl7pPr marL="2971800" indent="-228600" algn="l" defTabSz="914400" rtl="0" eaLnBrk="1" latinLnBrk="0" hangingPunct="1">
               <a:spcBef>
                 <a:spcPct val="20000"/>
               </a:spcBef>
-              <a:buFont typeface="Arial" pitchFamily="34" charset="0"/>
-              <a:buNone/>
+              <a:buFont typeface="Arial" panose="020B0604020202020204" pitchFamily="34" charset="0"/>
+              <a:buChar char="•"/>
               <a:defRPr sz="2000" kern="1200">
                 <a:solidFill>
-                  <a:schemeClr val="tx1">
-                    <a:tint val="75000"/>
-                  </a:schemeClr>
+                  <a:schemeClr val="tx1"/>
                 </a:solidFill>
                 <a:latin typeface="+mn-lt"/>
                 <a:ea typeface="+mn-ea"/>
                 <a:cs typeface="+mn-cs"/>
               </a:defRPr>
             </a:lvl7pPr>
-            <a:lvl8pPr marL="3200400" indent="0" algn="ctr" defTabSz="914400" rtl="0" eaLnBrk="1" latinLnBrk="0" hangingPunct="1">
+            <a:lvl8pPr marL="3429000" indent="-228600" algn="l" defTabSz="914400" rtl="0" eaLnBrk="1" latinLnBrk="0" hangingPunct="1">
               <a:spcBef>
                 <a:spcPct val="20000"/>
               </a:spcBef>
-              <a:buFont typeface="Arial" pitchFamily="34" charset="0"/>
-              <a:buNone/>
+              <a:buFont typeface="Arial" panose="020B0604020202020204" pitchFamily="34" charset="0"/>
+              <a:buChar char="•"/>
               <a:defRPr sz="2000" kern="1200">
                 <a:solidFill>
-                  <a:schemeClr val="tx1">
-                    <a:tint val="75000"/>
-                  </a:schemeClr>
+                  <a:schemeClr val="tx1"/>
                 </a:solidFill>
                 <a:latin typeface="+mn-lt"/>
                 <a:ea typeface="+mn-ea"/>
                 <a:cs typeface="+mn-cs"/>
               </a:defRPr>
             </a:lvl8pPr>
-            <a:lvl9pPr marL="3657600" indent="0" algn="ctr" defTabSz="914400" rtl="0" eaLnBrk="1" latinLnBrk="0" hangingPunct="1">
+            <a:lvl9pPr marL="3886200" indent="-228600" algn="l" defTabSz="914400" rtl="0" eaLnBrk="1" latinLnBrk="0" hangingPunct="1">
               <a:spcBef>
                 <a:spcPct val="20000"/>
               </a:spcBef>
-              <a:buFont typeface="Arial" pitchFamily="34" charset="0"/>
-              <a:buNone/>
+              <a:buFont typeface="Arial" panose="020B0604020202020204" pitchFamily="34" charset="0"/>
+              <a:buChar char="•"/>
               <a:defRPr sz="2000" kern="1200">
                 <a:solidFill>
-                  <a:schemeClr val="tx1">
-                    <a:tint val="75000"/>
-                  </a:schemeClr>
+                  <a:schemeClr val="tx1"/>
                 </a:solidFill>
                 <a:latin typeface="+mn-lt"/>
                 <a:ea typeface="+mn-ea"/>
@@ -7246,35 +8456,1795 @@
             </a:lvl9pPr>
           </a:lstStyle>
           <a:p>
+            <a:pPr marL="0" indent="0">
+              <a:buNone/>
+            </a:pPr>
+            <a:r>
+              <a:rPr lang="en-US" sz="2200">
+                <a:solidFill>
+                  <a:schemeClr val="bg1"/>
+                </a:solidFill>
+                <a:latin typeface="Courier New" panose="02070309020205020404" pitchFamily="49" charset="0"/>
+                <a:cs typeface="Courier New" panose="02070309020205020404" pitchFamily="49" charset="0"/>
+              </a:rPr>
+              <a:t> </a:t>
+            </a:r>
+            <a:r>
+              <a:rPr lang="en-US" sz="2800">
+                <a:solidFill>
+                  <a:schemeClr val="bg1"/>
+                </a:solidFill>
+                <a:latin typeface="Courier New" panose="02070309020205020404" pitchFamily="49" charset="0"/>
+                <a:cs typeface="Courier New" panose="02070309020205020404" pitchFamily="49" charset="0"/>
+              </a:rPr>
+              <a:t>WHERE {	  </a:t>
+            </a:r>
+          </a:p>
+          <a:p>
+            <a:pPr marL="0" indent="0">
+              <a:buNone/>
+            </a:pPr>
+            <a:r>
+              <a:rPr lang="en-US" sz="2800">
+                <a:solidFill>
+                  <a:schemeClr val="bg1"/>
+                </a:solidFill>
+                <a:latin typeface="Courier New" panose="02070309020205020404" pitchFamily="49" charset="0"/>
+                <a:cs typeface="Courier New" panose="02070309020205020404" pitchFamily="49" charset="0"/>
+              </a:rPr>
+              <a:t>    ?OPE </a:t>
+            </a:r>
+            <a:r>
+              <a:rPr lang="en-US" sz="2800">
+                <a:solidFill>
+                  <a:srgbClr val="558ED5"/>
+                </a:solidFill>
+                <a:latin typeface="Courier New" panose="02070309020205020404" pitchFamily="49" charset="0"/>
+                <a:cs typeface="Courier New" panose="02070309020205020404" pitchFamily="49" charset="0"/>
+              </a:rPr>
+              <a:t>rdfs:range</a:t>
+            </a:r>
+            <a:r>
+              <a:rPr lang="en-US" sz="2800">
+                <a:solidFill>
+                  <a:schemeClr val="bg1"/>
+                </a:solidFill>
+                <a:latin typeface="Courier New" panose="02070309020205020404" pitchFamily="49" charset="0"/>
+                <a:cs typeface="Courier New" panose="02070309020205020404" pitchFamily="49" charset="0"/>
+              </a:rPr>
+              <a:t> ?CE . </a:t>
+            </a:r>
+          </a:p>
+          <a:p>
+            <a:pPr marL="0" indent="0">
+              <a:buNone/>
+            </a:pPr>
+            <a:r>
+              <a:rPr lang="en-US" sz="2800">
+                <a:solidFill>
+                  <a:schemeClr val="bg1"/>
+                </a:solidFill>
+                <a:latin typeface="Courier New" panose="02070309020205020404" pitchFamily="49" charset="0"/>
+                <a:cs typeface="Courier New" panose="02070309020205020404" pitchFamily="49" charset="0"/>
+              </a:rPr>
+              <a:t>    ?x ?OPE ?this .</a:t>
+            </a:r>
+          </a:p>
+          <a:p>
+            <a:pPr marL="0" indent="0">
+              <a:buNone/>
+            </a:pPr>
+            <a:r>
+              <a:rPr lang="en-US" sz="2800" smtClean="0">
+                <a:solidFill>
+                  <a:schemeClr val="bg1"/>
+                </a:solidFill>
+                <a:latin typeface="Courier New" panose="02070309020205020404" pitchFamily="49" charset="0"/>
+                <a:cs typeface="Courier New" panose="02070309020205020404" pitchFamily="49" charset="0"/>
+              </a:rPr>
+              <a:t>    ?</a:t>
+            </a:r>
+            <a:r>
+              <a:rPr lang="en-US" sz="2800">
+                <a:solidFill>
+                  <a:schemeClr val="bg1"/>
+                </a:solidFill>
+                <a:latin typeface="Courier New" panose="02070309020205020404" pitchFamily="49" charset="0"/>
+                <a:cs typeface="Courier New" panose="02070309020205020404" pitchFamily="49" charset="0"/>
+              </a:rPr>
+              <a:t>this a</a:t>
+            </a:r>
+            <a:r>
+              <a:rPr lang="en-US" sz="2800" smtClean="0">
+                <a:solidFill>
+                  <a:schemeClr val="bg1"/>
+                </a:solidFill>
+                <a:latin typeface="Courier New" panose="02070309020205020404" pitchFamily="49" charset="0"/>
+                <a:cs typeface="Courier New" panose="02070309020205020404" pitchFamily="49" charset="0"/>
+              </a:rPr>
+              <a:t> </a:t>
+            </a:r>
+            <a:r>
+              <a:rPr lang="en-US" sz="2800">
+                <a:solidFill>
+                  <a:schemeClr val="bg1"/>
+                </a:solidFill>
+                <a:latin typeface="Courier New" panose="02070309020205020404" pitchFamily="49" charset="0"/>
+                <a:cs typeface="Courier New" panose="02070309020205020404" pitchFamily="49" charset="0"/>
+              </a:rPr>
+              <a:t>owl:Thing . </a:t>
+            </a:r>
+          </a:p>
+          <a:p>
+            <a:pPr marL="0" indent="0">
+              <a:buNone/>
+            </a:pPr>
+            <a:r>
+              <a:rPr lang="en-US" sz="2800" smtClean="0">
+                <a:solidFill>
+                  <a:schemeClr val="bg1"/>
+                </a:solidFill>
+                <a:latin typeface="Courier New" panose="02070309020205020404" pitchFamily="49" charset="0"/>
+                <a:cs typeface="Courier New" panose="02070309020205020404" pitchFamily="49" charset="0"/>
+              </a:rPr>
+              <a:t>    </a:t>
+            </a:r>
+            <a:r>
+              <a:rPr lang="en-US" sz="2800" smtClean="0">
+                <a:solidFill>
+                  <a:srgbClr val="558ED5"/>
+                </a:solidFill>
+                <a:latin typeface="Courier New" panose="02070309020205020404" pitchFamily="49" charset="0"/>
+                <a:cs typeface="Courier New" panose="02070309020205020404" pitchFamily="49" charset="0"/>
+              </a:rPr>
+              <a:t>FILTER </a:t>
+            </a:r>
+            <a:r>
+              <a:rPr lang="en-US" sz="2800">
+                <a:solidFill>
+                  <a:srgbClr val="558ED5"/>
+                </a:solidFill>
+                <a:latin typeface="Courier New" panose="02070309020205020404" pitchFamily="49" charset="0"/>
+                <a:cs typeface="Courier New" panose="02070309020205020404" pitchFamily="49" charset="0"/>
+              </a:rPr>
+              <a:t>NOT EXISTS</a:t>
+            </a:r>
+            <a:r>
+              <a:rPr lang="en-US" sz="2800">
+                <a:solidFill>
+                  <a:schemeClr val="bg1"/>
+                </a:solidFill>
+                <a:latin typeface="Courier New" panose="02070309020205020404" pitchFamily="49" charset="0"/>
+                <a:cs typeface="Courier New" panose="02070309020205020404" pitchFamily="49" charset="0"/>
+              </a:rPr>
+              <a:t> </a:t>
+            </a:r>
+            <a:endParaRPr lang="en-US" sz="2800" smtClean="0">
+              <a:solidFill>
+                <a:schemeClr val="bg1"/>
+              </a:solidFill>
+              <a:latin typeface="Courier New" panose="02070309020205020404" pitchFamily="49" charset="0"/>
+              <a:cs typeface="Courier New" panose="02070309020205020404" pitchFamily="49" charset="0"/>
+            </a:endParaRPr>
+          </a:p>
+          <a:p>
+            <a:pPr marL="0" indent="0">
+              <a:buNone/>
+            </a:pPr>
+            <a:r>
+              <a:rPr lang="en-US" sz="2800">
+                <a:solidFill>
+                  <a:schemeClr val="bg1"/>
+                </a:solidFill>
+                <a:latin typeface="Courier New" panose="02070309020205020404" pitchFamily="49" charset="0"/>
+                <a:cs typeface="Courier New" panose="02070309020205020404" pitchFamily="49" charset="0"/>
+              </a:rPr>
+              <a:t> </a:t>
+            </a:r>
+            <a:r>
+              <a:rPr lang="en-US" sz="2800" smtClean="0">
+                <a:solidFill>
+                  <a:schemeClr val="bg1"/>
+                </a:solidFill>
+                <a:latin typeface="Courier New" panose="02070309020205020404" pitchFamily="49" charset="0"/>
+                <a:cs typeface="Courier New" panose="02070309020205020404" pitchFamily="49" charset="0"/>
+              </a:rPr>
+              <a:t>       { </a:t>
+            </a:r>
+            <a:r>
+              <a:rPr lang="en-US" sz="2800">
+                <a:solidFill>
+                  <a:schemeClr val="bg1"/>
+                </a:solidFill>
+                <a:latin typeface="Courier New" panose="02070309020205020404" pitchFamily="49" charset="0"/>
+                <a:cs typeface="Courier New" panose="02070309020205020404" pitchFamily="49" charset="0"/>
+              </a:rPr>
+              <a:t>?this a</a:t>
+            </a:r>
+            <a:r>
+              <a:rPr lang="en-US" sz="2800" smtClean="0">
+                <a:solidFill>
+                  <a:schemeClr val="bg1"/>
+                </a:solidFill>
+                <a:latin typeface="Courier New" panose="02070309020205020404" pitchFamily="49" charset="0"/>
+                <a:cs typeface="Courier New" panose="02070309020205020404" pitchFamily="49" charset="0"/>
+              </a:rPr>
+              <a:t> </a:t>
+            </a:r>
+            <a:r>
+              <a:rPr lang="en-US" sz="2800">
+                <a:solidFill>
+                  <a:schemeClr val="bg1"/>
+                </a:solidFill>
+                <a:latin typeface="Courier New" panose="02070309020205020404" pitchFamily="49" charset="0"/>
+                <a:cs typeface="Courier New" panose="02070309020205020404" pitchFamily="49" charset="0"/>
+              </a:rPr>
+              <a:t>?CE } .           </a:t>
+            </a:r>
+          </a:p>
+          <a:p>
+            <a:pPr marL="0" indent="0">
+              <a:buNone/>
+            </a:pPr>
+            <a:r>
+              <a:rPr lang="en-US" sz="2800">
+                <a:solidFill>
+                  <a:schemeClr val="bg1"/>
+                </a:solidFill>
+                <a:latin typeface="Courier New" panose="02070309020205020404" pitchFamily="49" charset="0"/>
+                <a:cs typeface="Courier New" panose="02070309020205020404" pitchFamily="49" charset="0"/>
+              </a:rPr>
+              <a:t>    BIND </a:t>
+            </a:r>
+            <a:r>
+              <a:rPr lang="en-US" sz="2800" smtClean="0">
+                <a:solidFill>
+                  <a:schemeClr val="bg1"/>
+                </a:solidFill>
+                <a:latin typeface="Courier New" panose="02070309020205020404" pitchFamily="49" charset="0"/>
+                <a:cs typeface="Courier New" panose="02070309020205020404" pitchFamily="49" charset="0"/>
+              </a:rPr>
+              <a:t>( </a:t>
+            </a:r>
+          </a:p>
+          <a:p>
+            <a:pPr marL="0" indent="0">
+              <a:buNone/>
+            </a:pPr>
+            <a:r>
+              <a:rPr lang="en-US" sz="2800">
+                <a:solidFill>
+                  <a:schemeClr val="bg1"/>
+                </a:solidFill>
+                <a:latin typeface="Courier New" panose="02070309020205020404" pitchFamily="49" charset="0"/>
+                <a:cs typeface="Courier New" panose="02070309020205020404" pitchFamily="49" charset="0"/>
+              </a:rPr>
+              <a:t> </a:t>
+            </a:r>
+            <a:r>
+              <a:rPr lang="en-US" sz="2800" smtClean="0">
+                <a:solidFill>
+                  <a:schemeClr val="bg1"/>
+                </a:solidFill>
+                <a:latin typeface="Courier New" panose="02070309020205020404" pitchFamily="49" charset="0"/>
+                <a:cs typeface="Courier New" panose="02070309020205020404" pitchFamily="49" charset="0"/>
+              </a:rPr>
+              <a:t>       CONCAT</a:t>
+            </a:r>
+            <a:r>
+              <a:rPr lang="en-US" sz="2800">
+                <a:solidFill>
+                  <a:schemeClr val="bg1"/>
+                </a:solidFill>
+                <a:latin typeface="Courier New" panose="02070309020205020404" pitchFamily="49" charset="0"/>
+                <a:cs typeface="Courier New" panose="02070309020205020404" pitchFamily="49" charset="0"/>
+              </a:rPr>
+              <a:t>(...) </a:t>
+            </a:r>
+            <a:endParaRPr lang="en-US" sz="2800" smtClean="0">
+              <a:solidFill>
+                <a:schemeClr val="bg1"/>
+              </a:solidFill>
+              <a:latin typeface="Courier New" panose="02070309020205020404" pitchFamily="49" charset="0"/>
+              <a:cs typeface="Courier New" panose="02070309020205020404" pitchFamily="49" charset="0"/>
+            </a:endParaRPr>
+          </a:p>
+          <a:p>
+            <a:pPr marL="0" indent="0">
+              <a:buNone/>
+            </a:pPr>
+            <a:r>
+              <a:rPr lang="en-US" sz="2800">
+                <a:solidFill>
+                  <a:schemeClr val="bg1"/>
+                </a:solidFill>
+                <a:latin typeface="Courier New" panose="02070309020205020404" pitchFamily="49" charset="0"/>
+                <a:cs typeface="Courier New" panose="02070309020205020404" pitchFamily="49" charset="0"/>
+              </a:rPr>
+              <a:t> </a:t>
+            </a:r>
+            <a:r>
+              <a:rPr lang="en-US" sz="2800" smtClean="0">
+                <a:solidFill>
+                  <a:schemeClr val="bg1"/>
+                </a:solidFill>
+                <a:latin typeface="Courier New" panose="02070309020205020404" pitchFamily="49" charset="0"/>
+                <a:cs typeface="Courier New" panose="02070309020205020404" pitchFamily="49" charset="0"/>
+              </a:rPr>
+              <a:t>       AS </a:t>
+            </a:r>
+            <a:r>
+              <a:rPr lang="en-US" sz="2800">
+                <a:solidFill>
+                  <a:schemeClr val="bg1"/>
+                </a:solidFill>
+                <a:latin typeface="Courier New" panose="02070309020205020404" pitchFamily="49" charset="0"/>
+                <a:cs typeface="Courier New" panose="02070309020205020404" pitchFamily="49" charset="0"/>
+              </a:rPr>
+              <a:t>?violationMessage ) . }</a:t>
+            </a:r>
+          </a:p>
+        </p:txBody>
+      </p:sp>
+    </p:spTree>
+    <p:extLst>
+      <p:ext uri="{BB962C8B-B14F-4D97-AF65-F5344CB8AC3E}">
+        <p14:creationId xmlns:p14="http://schemas.microsoft.com/office/powerpoint/2010/main" val="3143268014"/>
+      </p:ext>
+    </p:extLst>
+  </p:cSld>
+  <p:clrMapOvr>
+    <a:masterClrMapping/>
+  </p:clrMapOvr>
+  <p:timing>
+    <p:tnLst>
+      <p:par>
+        <p:cTn id="1" dur="indefinite" restart="never" nodeType="tmRoot"/>
+      </p:par>
+    </p:tnLst>
+  </p:timing>
+</p:sld>
+</file>
+
+<file path=ppt/slides/slide12.xml><?xml version="1.0" encoding="utf-8"?>
+<p:sld xmlns:a="http://schemas.openxmlformats.org/drawingml/2006/main" xmlns:r="http://schemas.openxmlformats.org/officeDocument/2006/relationships" xmlns:p="http://schemas.openxmlformats.org/presentationml/2006/main">
+  <p:cSld>
+    <p:spTree>
+      <p:nvGrpSpPr>
+        <p:cNvPr id="1" name=""/>
+        <p:cNvGrpSpPr/>
+        <p:nvPr/>
+      </p:nvGrpSpPr>
+      <p:grpSpPr>
+        <a:xfrm>
+          <a:off x="0" y="0"/>
+          <a:ext cx="0" cy="0"/>
+          <a:chOff x="0" y="0"/>
+          <a:chExt cx="0" cy="0"/>
+        </a:xfrm>
+      </p:grpSpPr>
+      <p:sp>
+        <p:nvSpPr>
+          <p:cNvPr id="2" name="Titel 1"/>
+          <p:cNvSpPr>
+            <a:spLocks noGrp="1"/>
+          </p:cNvSpPr>
+          <p:nvPr>
+            <p:ph type="title"/>
+          </p:nvPr>
+        </p:nvSpPr>
+        <p:spPr>
+          <a:xfrm>
+            <a:off x="0" y="0"/>
+            <a:ext cx="9144000" cy="6858000"/>
+          </a:xfrm>
+          <a:solidFill>
+            <a:schemeClr val="tx1"/>
+          </a:solidFill>
+        </p:spPr>
+        <p:txBody>
+          <a:bodyPr/>
+          <a:lstStyle/>
+          <a:p>
+            <a:endParaRPr lang="en-US"/>
+          </a:p>
+        </p:txBody>
+      </p:sp>
+      <p:sp>
+        <p:nvSpPr>
+          <p:cNvPr id="6" name="Inhaltsplatzhalter 4"/>
+          <p:cNvSpPr>
+            <a:spLocks noGrp="1"/>
+          </p:cNvSpPr>
+          <p:nvPr>
+            <p:ph idx="1"/>
+          </p:nvPr>
+        </p:nvSpPr>
+        <p:spPr>
+          <a:xfrm>
+            <a:off x="179512" y="404664"/>
+            <a:ext cx="8712968" cy="4824536"/>
+          </a:xfrm>
+        </p:spPr>
+        <p:txBody>
+          <a:bodyPr>
+            <a:normAutofit/>
+          </a:bodyPr>
+          <a:lstStyle/>
+          <a:p>
+            <a:pPr marL="0" indent="0" algn="ctr">
+              <a:buNone/>
+            </a:pPr>
+            <a:r>
+              <a:rPr lang="de-DE" sz="6000" smtClean="0">
+                <a:solidFill>
+                  <a:schemeClr val="bg1"/>
+                </a:solidFill>
+                <a:latin typeface="Courier New" panose="02070309020205020404" pitchFamily="49" charset="0"/>
+                <a:cs typeface="Courier New" panose="02070309020205020404" pitchFamily="49" charset="0"/>
+              </a:rPr>
+              <a:t>CONSTRUCT query</a:t>
+            </a:r>
+            <a:endParaRPr lang="en-US" sz="6000" smtClean="0">
+              <a:solidFill>
+                <a:schemeClr val="bg1"/>
+              </a:solidFill>
+              <a:latin typeface="Courier New" panose="02070309020205020404" pitchFamily="49" charset="0"/>
+              <a:cs typeface="Courier New" panose="02070309020205020404" pitchFamily="49" charset="0"/>
+            </a:endParaRPr>
+          </a:p>
+        </p:txBody>
+      </p:sp>
+      <p:sp>
+        <p:nvSpPr>
+          <p:cNvPr id="4" name="Inhaltsplatzhalter 4"/>
+          <p:cNvSpPr txBox="1">
+            <a:spLocks/>
+          </p:cNvSpPr>
+          <p:nvPr/>
+        </p:nvSpPr>
+        <p:spPr>
+          <a:xfrm>
+            <a:off x="179512" y="2132856"/>
+            <a:ext cx="8507288" cy="5141168"/>
+          </a:xfrm>
+          <a:prstGeom prst="rect">
+            <a:avLst/>
+          </a:prstGeom>
+        </p:spPr>
+        <p:txBody>
+          <a:bodyPr vert="horz" lIns="91440" tIns="45720" rIns="91440" bIns="45720" rtlCol="0">
+            <a:noAutofit/>
+          </a:bodyPr>
+          <a:lstStyle>
+            <a:lvl1pPr marL="342900" indent="-342900" algn="l" defTabSz="914400" rtl="0" eaLnBrk="1" latinLnBrk="0" hangingPunct="1">
+              <a:spcBef>
+                <a:spcPct val="20000"/>
+              </a:spcBef>
+              <a:buFont typeface="Arial" panose="020B0604020202020204" pitchFamily="34" charset="0"/>
+              <a:buChar char="•"/>
+              <a:defRPr sz="3200" kern="1200">
+                <a:solidFill>
+                  <a:schemeClr val="tx1"/>
+                </a:solidFill>
+                <a:latin typeface="+mn-lt"/>
+                <a:ea typeface="+mn-ea"/>
+                <a:cs typeface="+mn-cs"/>
+              </a:defRPr>
+            </a:lvl1pPr>
+            <a:lvl2pPr marL="742950" indent="-285750" algn="l" defTabSz="914400" rtl="0" eaLnBrk="1" latinLnBrk="0" hangingPunct="1">
+              <a:spcBef>
+                <a:spcPct val="20000"/>
+              </a:spcBef>
+              <a:buFont typeface="Arial" panose="020B0604020202020204" pitchFamily="34" charset="0"/>
+              <a:buChar char="–"/>
+              <a:defRPr sz="2800" kern="1200">
+                <a:solidFill>
+                  <a:schemeClr val="tx1"/>
+                </a:solidFill>
+                <a:latin typeface="+mn-lt"/>
+                <a:ea typeface="+mn-ea"/>
+                <a:cs typeface="+mn-cs"/>
+              </a:defRPr>
+            </a:lvl2pPr>
+            <a:lvl3pPr marL="1143000" indent="-228600" algn="l" defTabSz="914400" rtl="0" eaLnBrk="1" latinLnBrk="0" hangingPunct="1">
+              <a:spcBef>
+                <a:spcPct val="20000"/>
+              </a:spcBef>
+              <a:buFont typeface="Arial" panose="020B0604020202020204" pitchFamily="34" charset="0"/>
+              <a:buChar char="•"/>
+              <a:defRPr sz="2400" kern="1200">
+                <a:solidFill>
+                  <a:schemeClr val="tx1"/>
+                </a:solidFill>
+                <a:latin typeface="+mn-lt"/>
+                <a:ea typeface="+mn-ea"/>
+                <a:cs typeface="+mn-cs"/>
+              </a:defRPr>
+            </a:lvl3pPr>
+            <a:lvl4pPr marL="1600200" indent="-228600" algn="l" defTabSz="914400" rtl="0" eaLnBrk="1" latinLnBrk="0" hangingPunct="1">
+              <a:spcBef>
+                <a:spcPct val="20000"/>
+              </a:spcBef>
+              <a:buFont typeface="Arial" panose="020B0604020202020204" pitchFamily="34" charset="0"/>
+              <a:buChar char="–"/>
+              <a:defRPr sz="2000" kern="1200">
+                <a:solidFill>
+                  <a:schemeClr val="tx1"/>
+                </a:solidFill>
+                <a:latin typeface="+mn-lt"/>
+                <a:ea typeface="+mn-ea"/>
+                <a:cs typeface="+mn-cs"/>
+              </a:defRPr>
+            </a:lvl4pPr>
+            <a:lvl5pPr marL="2057400" indent="-228600" algn="l" defTabSz="914400" rtl="0" eaLnBrk="1" latinLnBrk="0" hangingPunct="1">
+              <a:spcBef>
+                <a:spcPct val="20000"/>
+              </a:spcBef>
+              <a:buFont typeface="Arial" panose="020B0604020202020204" pitchFamily="34" charset="0"/>
+              <a:buChar char="»"/>
+              <a:defRPr sz="2000" kern="1200">
+                <a:solidFill>
+                  <a:schemeClr val="tx1"/>
+                </a:solidFill>
+                <a:latin typeface="+mn-lt"/>
+                <a:ea typeface="+mn-ea"/>
+                <a:cs typeface="+mn-cs"/>
+              </a:defRPr>
+            </a:lvl5pPr>
+            <a:lvl6pPr marL="2514600" indent="-228600" algn="l" defTabSz="914400" rtl="0" eaLnBrk="1" latinLnBrk="0" hangingPunct="1">
+              <a:spcBef>
+                <a:spcPct val="20000"/>
+              </a:spcBef>
+              <a:buFont typeface="Arial" panose="020B0604020202020204" pitchFamily="34" charset="0"/>
+              <a:buChar char="•"/>
+              <a:defRPr sz="2000" kern="1200">
+                <a:solidFill>
+                  <a:schemeClr val="tx1"/>
+                </a:solidFill>
+                <a:latin typeface="+mn-lt"/>
+                <a:ea typeface="+mn-ea"/>
+                <a:cs typeface="+mn-cs"/>
+              </a:defRPr>
+            </a:lvl6pPr>
+            <a:lvl7pPr marL="2971800" indent="-228600" algn="l" defTabSz="914400" rtl="0" eaLnBrk="1" latinLnBrk="0" hangingPunct="1">
+              <a:spcBef>
+                <a:spcPct val="20000"/>
+              </a:spcBef>
+              <a:buFont typeface="Arial" panose="020B0604020202020204" pitchFamily="34" charset="0"/>
+              <a:buChar char="•"/>
+              <a:defRPr sz="2000" kern="1200">
+                <a:solidFill>
+                  <a:schemeClr val="tx1"/>
+                </a:solidFill>
+                <a:latin typeface="+mn-lt"/>
+                <a:ea typeface="+mn-ea"/>
+                <a:cs typeface="+mn-cs"/>
+              </a:defRPr>
+            </a:lvl7pPr>
+            <a:lvl8pPr marL="3429000" indent="-228600" algn="l" defTabSz="914400" rtl="0" eaLnBrk="1" latinLnBrk="0" hangingPunct="1">
+              <a:spcBef>
+                <a:spcPct val="20000"/>
+              </a:spcBef>
+              <a:buFont typeface="Arial" panose="020B0604020202020204" pitchFamily="34" charset="0"/>
+              <a:buChar char="•"/>
+              <a:defRPr sz="2000" kern="1200">
+                <a:solidFill>
+                  <a:schemeClr val="tx1"/>
+                </a:solidFill>
+                <a:latin typeface="+mn-lt"/>
+                <a:ea typeface="+mn-ea"/>
+                <a:cs typeface="+mn-cs"/>
+              </a:defRPr>
+            </a:lvl8pPr>
+            <a:lvl9pPr marL="3886200" indent="-228600" algn="l" defTabSz="914400" rtl="0" eaLnBrk="1" latinLnBrk="0" hangingPunct="1">
+              <a:spcBef>
+                <a:spcPct val="20000"/>
+              </a:spcBef>
+              <a:buFont typeface="Arial" panose="020B0604020202020204" pitchFamily="34" charset="0"/>
+              <a:buChar char="•"/>
+              <a:defRPr sz="2000" kern="1200">
+                <a:solidFill>
+                  <a:schemeClr val="tx1"/>
+                </a:solidFill>
+                <a:latin typeface="+mn-lt"/>
+                <a:ea typeface="+mn-ea"/>
+                <a:cs typeface="+mn-cs"/>
+              </a:defRPr>
+            </a:lvl9pPr>
+          </a:lstStyle>
+          <a:p>
+            <a:pPr marL="0" indent="0">
+              <a:buNone/>
+            </a:pPr>
+            <a:r>
+              <a:rPr lang="en-US" sz="2800">
+                <a:solidFill>
+                  <a:srgbClr val="558ED5"/>
+                </a:solidFill>
+                <a:latin typeface="Courier New" panose="02070309020205020404" pitchFamily="49" charset="0"/>
+                <a:cs typeface="Courier New" panose="02070309020205020404" pitchFamily="49" charset="0"/>
+              </a:rPr>
+              <a:t>CONSTRUCT</a:t>
+            </a:r>
+            <a:r>
+              <a:rPr lang="en-US" sz="2800">
+                <a:solidFill>
+                  <a:schemeClr val="bg1"/>
+                </a:solidFill>
+                <a:latin typeface="Courier New" panose="02070309020205020404" pitchFamily="49" charset="0"/>
+                <a:cs typeface="Courier New" panose="02070309020205020404" pitchFamily="49" charset="0"/>
+              </a:rPr>
+              <a:t> {</a:t>
+            </a:r>
+          </a:p>
+          <a:p>
+            <a:pPr marL="0" indent="0">
+              <a:buNone/>
+            </a:pPr>
+            <a:r>
+              <a:rPr lang="en-US" sz="2800">
+                <a:solidFill>
+                  <a:schemeClr val="bg1"/>
+                </a:solidFill>
+                <a:latin typeface="Courier New" panose="02070309020205020404" pitchFamily="49" charset="0"/>
+                <a:cs typeface="Courier New" panose="02070309020205020404" pitchFamily="49" charset="0"/>
+              </a:rPr>
+              <a:t>    _:cv </a:t>
+            </a:r>
+          </a:p>
+          <a:p>
+            <a:pPr marL="0" indent="0">
+              <a:buNone/>
+            </a:pPr>
+            <a:r>
+              <a:rPr lang="en-US" sz="2800">
+                <a:solidFill>
+                  <a:schemeClr val="bg1"/>
+                </a:solidFill>
+                <a:latin typeface="Courier New" panose="02070309020205020404" pitchFamily="49" charset="0"/>
+                <a:cs typeface="Courier New" panose="02070309020205020404" pitchFamily="49" charset="0"/>
+              </a:rPr>
+              <a:t>        a </a:t>
+            </a:r>
+            <a:r>
+              <a:rPr lang="en-US" sz="2800">
+                <a:solidFill>
+                  <a:srgbClr val="558ED5"/>
+                </a:solidFill>
+                <a:latin typeface="Courier New" panose="02070309020205020404" pitchFamily="49" charset="0"/>
+                <a:cs typeface="Courier New" panose="02070309020205020404" pitchFamily="49" charset="0"/>
+              </a:rPr>
+              <a:t>spin:ConstraintViolation</a:t>
+            </a:r>
+            <a:r>
+              <a:rPr lang="en-US" sz="2800">
+                <a:solidFill>
+                  <a:schemeClr val="bg1"/>
+                </a:solidFill>
+                <a:latin typeface="Courier New" panose="02070309020205020404" pitchFamily="49" charset="0"/>
+                <a:cs typeface="Courier New" panose="02070309020205020404" pitchFamily="49" charset="0"/>
+              </a:rPr>
+              <a:t> ;</a:t>
+            </a:r>
+          </a:p>
+          <a:p>
+            <a:pPr marL="0" indent="0">
+              <a:buNone/>
+            </a:pPr>
+            <a:r>
+              <a:rPr lang="en-US" sz="2800">
+                <a:solidFill>
+                  <a:schemeClr val="bg1"/>
+                </a:solidFill>
+                <a:latin typeface="Courier New" panose="02070309020205020404" pitchFamily="49" charset="0"/>
+                <a:cs typeface="Courier New" panose="02070309020205020404" pitchFamily="49" charset="0"/>
+              </a:rPr>
+              <a:t>        spin:violationRoot ?this ;</a:t>
+            </a:r>
+          </a:p>
+          <a:p>
+            <a:pPr marL="0" indent="0">
+              <a:buNone/>
+            </a:pPr>
+            <a:r>
+              <a:rPr lang="en-US" sz="2800">
+                <a:solidFill>
+                  <a:schemeClr val="bg1"/>
+                </a:solidFill>
+                <a:latin typeface="Courier New" panose="02070309020205020404" pitchFamily="49" charset="0"/>
+                <a:cs typeface="Courier New" panose="02070309020205020404" pitchFamily="49" charset="0"/>
+              </a:rPr>
+              <a:t>        rdfs:label ?violationMessage ;</a:t>
+            </a:r>
+          </a:p>
+          <a:p>
+            <a:pPr marL="0" indent="0">
+              <a:buNone/>
+            </a:pPr>
+            <a:r>
+              <a:rPr lang="en-US" sz="2800">
+                <a:solidFill>
+                  <a:schemeClr val="bg1"/>
+                </a:solidFill>
+                <a:latin typeface="Courier New" panose="02070309020205020404" pitchFamily="49" charset="0"/>
+                <a:cs typeface="Courier New" panose="02070309020205020404" pitchFamily="49" charset="0"/>
+              </a:rPr>
+              <a:t>        spin:violationPath ?OPE . }</a:t>
+            </a:r>
+            <a:endParaRPr lang="en-US" sz="3600">
+              <a:solidFill>
+                <a:schemeClr val="bg1"/>
+              </a:solidFill>
+              <a:latin typeface="Courier New" panose="02070309020205020404" pitchFamily="49" charset="0"/>
+              <a:cs typeface="Courier New" panose="02070309020205020404" pitchFamily="49" charset="0"/>
+            </a:endParaRPr>
+          </a:p>
+        </p:txBody>
+      </p:sp>
+    </p:spTree>
+    <p:extLst>
+      <p:ext uri="{BB962C8B-B14F-4D97-AF65-F5344CB8AC3E}">
+        <p14:creationId xmlns:p14="http://schemas.microsoft.com/office/powerpoint/2010/main" val="1428875862"/>
+      </p:ext>
+    </p:extLst>
+  </p:cSld>
+  <p:clrMapOvr>
+    <a:masterClrMapping/>
+  </p:clrMapOvr>
+  <p:timing>
+    <p:tnLst>
+      <p:par>
+        <p:cTn id="1" dur="indefinite" restart="never" nodeType="tmRoot"/>
+      </p:par>
+    </p:tnLst>
+  </p:timing>
+</p:sld>
+</file>
+
+<file path=ppt/slides/slide13.xml><?xml version="1.0" encoding="utf-8"?>
+<p:sld xmlns:a="http://schemas.openxmlformats.org/drawingml/2006/main" xmlns:r="http://schemas.openxmlformats.org/officeDocument/2006/relationships" xmlns:p="http://schemas.openxmlformats.org/presentationml/2006/main">
+  <p:cSld>
+    <p:spTree>
+      <p:nvGrpSpPr>
+        <p:cNvPr id="1" name=""/>
+        <p:cNvGrpSpPr/>
+        <p:nvPr/>
+      </p:nvGrpSpPr>
+      <p:grpSpPr>
+        <a:xfrm>
+          <a:off x="0" y="0"/>
+          <a:ext cx="0" cy="0"/>
+          <a:chOff x="0" y="0"/>
+          <a:chExt cx="0" cy="0"/>
+        </a:xfrm>
+      </p:grpSpPr>
+      <p:sp>
+        <p:nvSpPr>
+          <p:cNvPr id="2" name="Titel 1"/>
+          <p:cNvSpPr>
+            <a:spLocks noGrp="1"/>
+          </p:cNvSpPr>
+          <p:nvPr>
+            <p:ph type="title"/>
+          </p:nvPr>
+        </p:nvSpPr>
+        <p:spPr>
+          <a:xfrm>
+            <a:off x="0" y="0"/>
+            <a:ext cx="9144000" cy="6858000"/>
+          </a:xfrm>
+          <a:solidFill>
+            <a:schemeClr val="tx1"/>
+          </a:solidFill>
+        </p:spPr>
+        <p:txBody>
+          <a:bodyPr/>
+          <a:lstStyle/>
+          <a:p>
+            <a:endParaRPr lang="en-US"/>
+          </a:p>
+        </p:txBody>
+      </p:sp>
+      <p:sp>
+        <p:nvSpPr>
+          <p:cNvPr id="6" name="Inhaltsplatzhalter 4"/>
+          <p:cNvSpPr>
+            <a:spLocks noGrp="1"/>
+          </p:cNvSpPr>
+          <p:nvPr>
+            <p:ph idx="1"/>
+          </p:nvPr>
+        </p:nvSpPr>
+        <p:spPr>
+          <a:xfrm>
+            <a:off x="179512" y="404664"/>
+            <a:ext cx="8712968" cy="4824536"/>
+          </a:xfrm>
+        </p:spPr>
+        <p:txBody>
+          <a:bodyPr>
+            <a:normAutofit/>
+          </a:bodyPr>
+          <a:lstStyle/>
+          <a:p>
+            <a:pPr marL="0" indent="0" algn="ctr">
+              <a:buNone/>
+            </a:pPr>
+            <a:r>
+              <a:rPr lang="de-DE" sz="4800">
+                <a:solidFill>
+                  <a:schemeClr val="bg1"/>
+                </a:solidFill>
+                <a:latin typeface="Courier New" panose="02070309020205020404" pitchFamily="49" charset="0"/>
+                <a:cs typeface="Courier New" panose="02070309020205020404" pitchFamily="49" charset="0"/>
+              </a:rPr>
+              <a:t>h</a:t>
+            </a:r>
+            <a:r>
+              <a:rPr lang="de-DE" sz="4800" smtClean="0">
+                <a:solidFill>
+                  <a:schemeClr val="bg1"/>
+                </a:solidFill>
+                <a:latin typeface="Courier New" panose="02070309020205020404" pitchFamily="49" charset="0"/>
+                <a:cs typeface="Courier New" panose="02070309020205020404" pitchFamily="49" charset="0"/>
+              </a:rPr>
+              <a:t>ow to connect your data to SPIN ? </a:t>
+            </a:r>
+            <a:endParaRPr lang="de-DE" sz="4800">
+              <a:solidFill>
+                <a:schemeClr val="bg1"/>
+              </a:solidFill>
+              <a:latin typeface="Courier New" panose="02070309020205020404" pitchFamily="49" charset="0"/>
+              <a:cs typeface="Courier New" panose="02070309020205020404" pitchFamily="49" charset="0"/>
+            </a:endParaRPr>
+          </a:p>
+          <a:p>
+            <a:pPr marL="0" indent="0" algn="ctr">
+              <a:buNone/>
+            </a:pPr>
+            <a:r>
+              <a:rPr lang="de-DE" sz="4800" smtClean="0">
+                <a:solidFill>
+                  <a:schemeClr val="bg1"/>
+                </a:solidFill>
+                <a:latin typeface="Courier New" panose="02070309020205020404" pitchFamily="49" charset="0"/>
+                <a:cs typeface="Courier New" panose="02070309020205020404" pitchFamily="49" charset="0"/>
+              </a:rPr>
+              <a:t> </a:t>
+            </a:r>
+            <a:endParaRPr lang="en-US" sz="4800" smtClean="0">
+              <a:solidFill>
+                <a:schemeClr val="bg1"/>
+              </a:solidFill>
+              <a:latin typeface="Courier New" panose="02070309020205020404" pitchFamily="49" charset="0"/>
+              <a:cs typeface="Courier New" panose="02070309020205020404" pitchFamily="49" charset="0"/>
+            </a:endParaRPr>
+          </a:p>
+        </p:txBody>
+      </p:sp>
+      <p:sp>
+        <p:nvSpPr>
+          <p:cNvPr id="4" name="Inhaltsplatzhalter 4"/>
+          <p:cNvSpPr txBox="1">
+            <a:spLocks/>
+          </p:cNvSpPr>
+          <p:nvPr/>
+        </p:nvSpPr>
+        <p:spPr>
+          <a:xfrm>
+            <a:off x="179512" y="2608312"/>
+            <a:ext cx="8507288" cy="5141168"/>
+          </a:xfrm>
+          <a:prstGeom prst="rect">
+            <a:avLst/>
+          </a:prstGeom>
+        </p:spPr>
+        <p:txBody>
+          <a:bodyPr vert="horz" lIns="91440" tIns="45720" rIns="91440" bIns="45720" rtlCol="0">
+            <a:noAutofit/>
+          </a:bodyPr>
+          <a:lstStyle>
+            <a:lvl1pPr marL="342900" indent="-342900" algn="l" defTabSz="914400" rtl="0" eaLnBrk="1" latinLnBrk="0" hangingPunct="1">
+              <a:spcBef>
+                <a:spcPct val="20000"/>
+              </a:spcBef>
+              <a:buFont typeface="Arial" panose="020B0604020202020204" pitchFamily="34" charset="0"/>
+              <a:buChar char="•"/>
+              <a:defRPr sz="3200" kern="1200">
+                <a:solidFill>
+                  <a:schemeClr val="tx1"/>
+                </a:solidFill>
+                <a:latin typeface="+mn-lt"/>
+                <a:ea typeface="+mn-ea"/>
+                <a:cs typeface="+mn-cs"/>
+              </a:defRPr>
+            </a:lvl1pPr>
+            <a:lvl2pPr marL="742950" indent="-285750" algn="l" defTabSz="914400" rtl="0" eaLnBrk="1" latinLnBrk="0" hangingPunct="1">
+              <a:spcBef>
+                <a:spcPct val="20000"/>
+              </a:spcBef>
+              <a:buFont typeface="Arial" panose="020B0604020202020204" pitchFamily="34" charset="0"/>
+              <a:buChar char="–"/>
+              <a:defRPr sz="2800" kern="1200">
+                <a:solidFill>
+                  <a:schemeClr val="tx1"/>
+                </a:solidFill>
+                <a:latin typeface="+mn-lt"/>
+                <a:ea typeface="+mn-ea"/>
+                <a:cs typeface="+mn-cs"/>
+              </a:defRPr>
+            </a:lvl2pPr>
+            <a:lvl3pPr marL="1143000" indent="-228600" algn="l" defTabSz="914400" rtl="0" eaLnBrk="1" latinLnBrk="0" hangingPunct="1">
+              <a:spcBef>
+                <a:spcPct val="20000"/>
+              </a:spcBef>
+              <a:buFont typeface="Arial" panose="020B0604020202020204" pitchFamily="34" charset="0"/>
+              <a:buChar char="•"/>
+              <a:defRPr sz="2400" kern="1200">
+                <a:solidFill>
+                  <a:schemeClr val="tx1"/>
+                </a:solidFill>
+                <a:latin typeface="+mn-lt"/>
+                <a:ea typeface="+mn-ea"/>
+                <a:cs typeface="+mn-cs"/>
+              </a:defRPr>
+            </a:lvl3pPr>
+            <a:lvl4pPr marL="1600200" indent="-228600" algn="l" defTabSz="914400" rtl="0" eaLnBrk="1" latinLnBrk="0" hangingPunct="1">
+              <a:spcBef>
+                <a:spcPct val="20000"/>
+              </a:spcBef>
+              <a:buFont typeface="Arial" panose="020B0604020202020204" pitchFamily="34" charset="0"/>
+              <a:buChar char="–"/>
+              <a:defRPr sz="2000" kern="1200">
+                <a:solidFill>
+                  <a:schemeClr val="tx1"/>
+                </a:solidFill>
+                <a:latin typeface="+mn-lt"/>
+                <a:ea typeface="+mn-ea"/>
+                <a:cs typeface="+mn-cs"/>
+              </a:defRPr>
+            </a:lvl4pPr>
+            <a:lvl5pPr marL="2057400" indent="-228600" algn="l" defTabSz="914400" rtl="0" eaLnBrk="1" latinLnBrk="0" hangingPunct="1">
+              <a:spcBef>
+                <a:spcPct val="20000"/>
+              </a:spcBef>
+              <a:buFont typeface="Arial" panose="020B0604020202020204" pitchFamily="34" charset="0"/>
+              <a:buChar char="»"/>
+              <a:defRPr sz="2000" kern="1200">
+                <a:solidFill>
+                  <a:schemeClr val="tx1"/>
+                </a:solidFill>
+                <a:latin typeface="+mn-lt"/>
+                <a:ea typeface="+mn-ea"/>
+                <a:cs typeface="+mn-cs"/>
+              </a:defRPr>
+            </a:lvl5pPr>
+            <a:lvl6pPr marL="2514600" indent="-228600" algn="l" defTabSz="914400" rtl="0" eaLnBrk="1" latinLnBrk="0" hangingPunct="1">
+              <a:spcBef>
+                <a:spcPct val="20000"/>
+              </a:spcBef>
+              <a:buFont typeface="Arial" panose="020B0604020202020204" pitchFamily="34" charset="0"/>
+              <a:buChar char="•"/>
+              <a:defRPr sz="2000" kern="1200">
+                <a:solidFill>
+                  <a:schemeClr val="tx1"/>
+                </a:solidFill>
+                <a:latin typeface="+mn-lt"/>
+                <a:ea typeface="+mn-ea"/>
+                <a:cs typeface="+mn-cs"/>
+              </a:defRPr>
+            </a:lvl6pPr>
+            <a:lvl7pPr marL="2971800" indent="-228600" algn="l" defTabSz="914400" rtl="0" eaLnBrk="1" latinLnBrk="0" hangingPunct="1">
+              <a:spcBef>
+                <a:spcPct val="20000"/>
+              </a:spcBef>
+              <a:buFont typeface="Arial" panose="020B0604020202020204" pitchFamily="34" charset="0"/>
+              <a:buChar char="•"/>
+              <a:defRPr sz="2000" kern="1200">
+                <a:solidFill>
+                  <a:schemeClr val="tx1"/>
+                </a:solidFill>
+                <a:latin typeface="+mn-lt"/>
+                <a:ea typeface="+mn-ea"/>
+                <a:cs typeface="+mn-cs"/>
+              </a:defRPr>
+            </a:lvl7pPr>
+            <a:lvl8pPr marL="3429000" indent="-228600" algn="l" defTabSz="914400" rtl="0" eaLnBrk="1" latinLnBrk="0" hangingPunct="1">
+              <a:spcBef>
+                <a:spcPct val="20000"/>
+              </a:spcBef>
+              <a:buFont typeface="Arial" panose="020B0604020202020204" pitchFamily="34" charset="0"/>
+              <a:buChar char="•"/>
+              <a:defRPr sz="2000" kern="1200">
+                <a:solidFill>
+                  <a:schemeClr val="tx1"/>
+                </a:solidFill>
+                <a:latin typeface="+mn-lt"/>
+                <a:ea typeface="+mn-ea"/>
+                <a:cs typeface="+mn-cs"/>
+              </a:defRPr>
+            </a:lvl8pPr>
+            <a:lvl9pPr marL="3886200" indent="-228600" algn="l" defTabSz="914400" rtl="0" eaLnBrk="1" latinLnBrk="0" hangingPunct="1">
+              <a:spcBef>
+                <a:spcPct val="20000"/>
+              </a:spcBef>
+              <a:buFont typeface="Arial" panose="020B0604020202020204" pitchFamily="34" charset="0"/>
+              <a:buChar char="•"/>
+              <a:defRPr sz="2000" kern="1200">
+                <a:solidFill>
+                  <a:schemeClr val="tx1"/>
+                </a:solidFill>
+                <a:latin typeface="+mn-lt"/>
+                <a:ea typeface="+mn-ea"/>
+                <a:cs typeface="+mn-cs"/>
+              </a:defRPr>
+            </a:lvl9pPr>
+          </a:lstStyle>
+          <a:p>
+            <a:pPr marL="0" indent="0">
+              <a:buNone/>
+            </a:pPr>
+            <a:r>
+              <a:rPr lang="en-US">
+                <a:solidFill>
+                  <a:srgbClr val="558ED5"/>
+                </a:solidFill>
+                <a:latin typeface="Courier New" panose="02070309020205020404" pitchFamily="49" charset="0"/>
+                <a:cs typeface="Courier New" panose="02070309020205020404" pitchFamily="49" charset="0"/>
+              </a:rPr>
+              <a:t>owl:Thing</a:t>
+            </a:r>
+            <a:r>
+              <a:rPr lang="en-US">
+                <a:solidFill>
+                  <a:schemeClr val="bg1"/>
+                </a:solidFill>
+                <a:latin typeface="Courier New" panose="02070309020205020404" pitchFamily="49" charset="0"/>
+                <a:cs typeface="Courier New" panose="02070309020205020404" pitchFamily="49" charset="0"/>
+              </a:rPr>
+              <a:t> </a:t>
+            </a:r>
+          </a:p>
+          <a:p>
+            <a:pPr marL="0" indent="0">
+              <a:buNone/>
+            </a:pPr>
+            <a:r>
+              <a:rPr lang="en-US" smtClean="0">
+                <a:solidFill>
+                  <a:schemeClr val="bg1"/>
+                </a:solidFill>
+                <a:latin typeface="Courier New" panose="02070309020205020404" pitchFamily="49" charset="0"/>
+                <a:cs typeface="Courier New" panose="02070309020205020404" pitchFamily="49" charset="0"/>
+              </a:rPr>
+              <a:t>  spin:constraint </a:t>
+            </a:r>
+            <a:endParaRPr lang="en-US">
+              <a:solidFill>
+                <a:schemeClr val="bg1"/>
+              </a:solidFill>
+              <a:latin typeface="Courier New" panose="02070309020205020404" pitchFamily="49" charset="0"/>
+              <a:cs typeface="Courier New" panose="02070309020205020404" pitchFamily="49" charset="0"/>
+            </a:endParaRPr>
+          </a:p>
+          <a:p>
+            <a:pPr marL="0" indent="0">
+              <a:buNone/>
+            </a:pPr>
+            <a:r>
+              <a:rPr lang="en-US" smtClean="0">
+                <a:solidFill>
+                  <a:schemeClr val="bg1"/>
+                </a:solidFill>
+                <a:latin typeface="Courier New" panose="02070309020205020404" pitchFamily="49" charset="0"/>
+                <a:cs typeface="Courier New" panose="02070309020205020404" pitchFamily="49" charset="0"/>
+              </a:rPr>
+              <a:t>  [ a :ObjectPropertyRange </a:t>
+            </a:r>
+            <a:r>
+              <a:rPr lang="en-US">
+                <a:solidFill>
+                  <a:schemeClr val="bg1"/>
+                </a:solidFill>
+                <a:latin typeface="Courier New" panose="02070309020205020404" pitchFamily="49" charset="0"/>
+                <a:cs typeface="Courier New" panose="02070309020205020404" pitchFamily="49" charset="0"/>
+              </a:rPr>
+              <a:t>] .</a:t>
+            </a:r>
+            <a:endParaRPr lang="en-US" sz="4000">
+              <a:solidFill>
+                <a:schemeClr val="bg1"/>
+              </a:solidFill>
+              <a:latin typeface="Courier New" panose="02070309020205020404" pitchFamily="49" charset="0"/>
+              <a:cs typeface="Courier New" panose="02070309020205020404" pitchFamily="49" charset="0"/>
+            </a:endParaRPr>
+          </a:p>
+        </p:txBody>
+      </p:sp>
+    </p:spTree>
+    <p:extLst>
+      <p:ext uri="{BB962C8B-B14F-4D97-AF65-F5344CB8AC3E}">
+        <p14:creationId xmlns:p14="http://schemas.microsoft.com/office/powerpoint/2010/main" val="745335234"/>
+      </p:ext>
+    </p:extLst>
+  </p:cSld>
+  <p:clrMapOvr>
+    <a:masterClrMapping/>
+  </p:clrMapOvr>
+  <p:timing>
+    <p:tnLst>
+      <p:par>
+        <p:cTn id="1" dur="indefinite" restart="never" nodeType="tmRoot"/>
+      </p:par>
+    </p:tnLst>
+  </p:timing>
+</p:sld>
+</file>
+
+<file path=ppt/slides/slide14.xml><?xml version="1.0" encoding="utf-8"?>
+<p:sld xmlns:a="http://schemas.openxmlformats.org/drawingml/2006/main" xmlns:r="http://schemas.openxmlformats.org/officeDocument/2006/relationships" xmlns:p="http://schemas.openxmlformats.org/presentationml/2006/main">
+  <p:cSld>
+    <p:bg>
+      <p:bgPr>
+        <a:solidFill>
+          <a:schemeClr val="tx1"/>
+        </a:solidFill>
+        <a:effectLst/>
+      </p:bgPr>
+    </p:bg>
+    <p:spTree>
+      <p:nvGrpSpPr>
+        <p:cNvPr id="1" name=""/>
+        <p:cNvGrpSpPr/>
+        <p:nvPr/>
+      </p:nvGrpSpPr>
+      <p:grpSpPr>
+        <a:xfrm>
+          <a:off x="0" y="0"/>
+          <a:ext cx="0" cy="0"/>
+          <a:chOff x="0" y="0"/>
+          <a:chExt cx="0" cy="0"/>
+        </a:xfrm>
+      </p:grpSpPr>
+      <p:sp>
+        <p:nvSpPr>
+          <p:cNvPr id="4" name="Titel 3"/>
+          <p:cNvSpPr>
+            <a:spLocks noGrp="1"/>
+          </p:cNvSpPr>
+          <p:nvPr>
+            <p:ph type="title"/>
+          </p:nvPr>
+        </p:nvSpPr>
+        <p:spPr/>
+        <p:txBody>
+          <a:bodyPr/>
+          <a:lstStyle/>
+          <a:p>
+            <a:endParaRPr lang="en-US"/>
+          </a:p>
+        </p:txBody>
+      </p:sp>
+      <p:sp>
+        <p:nvSpPr>
+          <p:cNvPr id="6" name="Inhaltsplatzhalter 4"/>
+          <p:cNvSpPr txBox="1">
+            <a:spLocks/>
+          </p:cNvSpPr>
+          <p:nvPr/>
+        </p:nvSpPr>
+        <p:spPr>
+          <a:xfrm>
+            <a:off x="179512" y="404664"/>
+            <a:ext cx="8712968" cy="4824536"/>
+          </a:xfrm>
+          <a:prstGeom prst="rect">
+            <a:avLst/>
+          </a:prstGeom>
+        </p:spPr>
+        <p:txBody>
+          <a:bodyPr vert="horz" lIns="91440" tIns="45720" rIns="91440" bIns="45720" rtlCol="0">
+            <a:normAutofit/>
+          </a:bodyPr>
+          <a:lstStyle>
+            <a:lvl1pPr marL="342900" indent="-342900" algn="l" defTabSz="914400" rtl="0" eaLnBrk="1" latinLnBrk="0" hangingPunct="1">
+              <a:spcBef>
+                <a:spcPct val="20000"/>
+              </a:spcBef>
+              <a:buFont typeface="Arial" panose="020B0604020202020204" pitchFamily="34" charset="0"/>
+              <a:buChar char="•"/>
+              <a:defRPr sz="3200" kern="1200">
+                <a:solidFill>
+                  <a:schemeClr val="tx1"/>
+                </a:solidFill>
+                <a:latin typeface="+mn-lt"/>
+                <a:ea typeface="+mn-ea"/>
+                <a:cs typeface="+mn-cs"/>
+              </a:defRPr>
+            </a:lvl1pPr>
+            <a:lvl2pPr marL="742950" indent="-285750" algn="l" defTabSz="914400" rtl="0" eaLnBrk="1" latinLnBrk="0" hangingPunct="1">
+              <a:spcBef>
+                <a:spcPct val="20000"/>
+              </a:spcBef>
+              <a:buFont typeface="Arial" panose="020B0604020202020204" pitchFamily="34" charset="0"/>
+              <a:buChar char="–"/>
+              <a:defRPr sz="2800" kern="1200">
+                <a:solidFill>
+                  <a:schemeClr val="tx1"/>
+                </a:solidFill>
+                <a:latin typeface="+mn-lt"/>
+                <a:ea typeface="+mn-ea"/>
+                <a:cs typeface="+mn-cs"/>
+              </a:defRPr>
+            </a:lvl2pPr>
+            <a:lvl3pPr marL="1143000" indent="-228600" algn="l" defTabSz="914400" rtl="0" eaLnBrk="1" latinLnBrk="0" hangingPunct="1">
+              <a:spcBef>
+                <a:spcPct val="20000"/>
+              </a:spcBef>
+              <a:buFont typeface="Arial" panose="020B0604020202020204" pitchFamily="34" charset="0"/>
+              <a:buChar char="•"/>
+              <a:defRPr sz="2400" kern="1200">
+                <a:solidFill>
+                  <a:schemeClr val="tx1"/>
+                </a:solidFill>
+                <a:latin typeface="+mn-lt"/>
+                <a:ea typeface="+mn-ea"/>
+                <a:cs typeface="+mn-cs"/>
+              </a:defRPr>
+            </a:lvl3pPr>
+            <a:lvl4pPr marL="1600200" indent="-228600" algn="l" defTabSz="914400" rtl="0" eaLnBrk="1" latinLnBrk="0" hangingPunct="1">
+              <a:spcBef>
+                <a:spcPct val="20000"/>
+              </a:spcBef>
+              <a:buFont typeface="Arial" panose="020B0604020202020204" pitchFamily="34" charset="0"/>
+              <a:buChar char="–"/>
+              <a:defRPr sz="2000" kern="1200">
+                <a:solidFill>
+                  <a:schemeClr val="tx1"/>
+                </a:solidFill>
+                <a:latin typeface="+mn-lt"/>
+                <a:ea typeface="+mn-ea"/>
+                <a:cs typeface="+mn-cs"/>
+              </a:defRPr>
+            </a:lvl4pPr>
+            <a:lvl5pPr marL="2057400" indent="-228600" algn="l" defTabSz="914400" rtl="0" eaLnBrk="1" latinLnBrk="0" hangingPunct="1">
+              <a:spcBef>
+                <a:spcPct val="20000"/>
+              </a:spcBef>
+              <a:buFont typeface="Arial" panose="020B0604020202020204" pitchFamily="34" charset="0"/>
+              <a:buChar char="»"/>
+              <a:defRPr sz="2000" kern="1200">
+                <a:solidFill>
+                  <a:schemeClr val="tx1"/>
+                </a:solidFill>
+                <a:latin typeface="+mn-lt"/>
+                <a:ea typeface="+mn-ea"/>
+                <a:cs typeface="+mn-cs"/>
+              </a:defRPr>
+            </a:lvl5pPr>
+            <a:lvl6pPr marL="2514600" indent="-228600" algn="l" defTabSz="914400" rtl="0" eaLnBrk="1" latinLnBrk="0" hangingPunct="1">
+              <a:spcBef>
+                <a:spcPct val="20000"/>
+              </a:spcBef>
+              <a:buFont typeface="Arial" panose="020B0604020202020204" pitchFamily="34" charset="0"/>
+              <a:buChar char="•"/>
+              <a:defRPr sz="2000" kern="1200">
+                <a:solidFill>
+                  <a:schemeClr val="tx1"/>
+                </a:solidFill>
+                <a:latin typeface="+mn-lt"/>
+                <a:ea typeface="+mn-ea"/>
+                <a:cs typeface="+mn-cs"/>
+              </a:defRPr>
+            </a:lvl6pPr>
+            <a:lvl7pPr marL="2971800" indent="-228600" algn="l" defTabSz="914400" rtl="0" eaLnBrk="1" latinLnBrk="0" hangingPunct="1">
+              <a:spcBef>
+                <a:spcPct val="20000"/>
+              </a:spcBef>
+              <a:buFont typeface="Arial" panose="020B0604020202020204" pitchFamily="34" charset="0"/>
+              <a:buChar char="•"/>
+              <a:defRPr sz="2000" kern="1200">
+                <a:solidFill>
+                  <a:schemeClr val="tx1"/>
+                </a:solidFill>
+                <a:latin typeface="+mn-lt"/>
+                <a:ea typeface="+mn-ea"/>
+                <a:cs typeface="+mn-cs"/>
+              </a:defRPr>
+            </a:lvl7pPr>
+            <a:lvl8pPr marL="3429000" indent="-228600" algn="l" defTabSz="914400" rtl="0" eaLnBrk="1" latinLnBrk="0" hangingPunct="1">
+              <a:spcBef>
+                <a:spcPct val="20000"/>
+              </a:spcBef>
+              <a:buFont typeface="Arial" panose="020B0604020202020204" pitchFamily="34" charset="0"/>
+              <a:buChar char="•"/>
+              <a:defRPr sz="2000" kern="1200">
+                <a:solidFill>
+                  <a:schemeClr val="tx1"/>
+                </a:solidFill>
+                <a:latin typeface="+mn-lt"/>
+                <a:ea typeface="+mn-ea"/>
+                <a:cs typeface="+mn-cs"/>
+              </a:defRPr>
+            </a:lvl8pPr>
+            <a:lvl9pPr marL="3886200" indent="-228600" algn="l" defTabSz="914400" rtl="0" eaLnBrk="1" latinLnBrk="0" hangingPunct="1">
+              <a:spcBef>
+                <a:spcPct val="20000"/>
+              </a:spcBef>
+              <a:buFont typeface="Arial" panose="020B0604020202020204" pitchFamily="34" charset="0"/>
+              <a:buChar char="•"/>
+              <a:defRPr sz="2000" kern="1200">
+                <a:solidFill>
+                  <a:schemeClr val="tx1"/>
+                </a:solidFill>
+                <a:latin typeface="+mn-lt"/>
+                <a:ea typeface="+mn-ea"/>
+                <a:cs typeface="+mn-cs"/>
+              </a:defRPr>
+            </a:lvl9pPr>
+          </a:lstStyle>
+          <a:p>
+            <a:pPr marL="0" indent="0" algn="ctr">
+              <a:buFont typeface="Arial" panose="020B0604020202020204" pitchFamily="34" charset="0"/>
+              <a:buNone/>
+            </a:pPr>
+            <a:r>
+              <a:rPr lang="de-DE" sz="5400" smtClean="0">
+                <a:solidFill>
+                  <a:schemeClr val="bg1"/>
+                </a:solidFill>
+                <a:latin typeface="Courier New" panose="02070309020205020404" pitchFamily="49" charset="0"/>
+                <a:cs typeface="Courier New" panose="02070309020205020404" pitchFamily="49" charset="0"/>
+              </a:rPr>
+              <a:t>limitations</a:t>
+            </a:r>
+            <a:endParaRPr lang="en-US" sz="5400" smtClean="0">
+              <a:solidFill>
+                <a:schemeClr val="bg1"/>
+              </a:solidFill>
+              <a:latin typeface="Courier New" panose="02070309020205020404" pitchFamily="49" charset="0"/>
+              <a:cs typeface="Courier New" panose="02070309020205020404" pitchFamily="49" charset="0"/>
+            </a:endParaRPr>
+          </a:p>
+        </p:txBody>
+      </p:sp>
+      <p:sp>
+        <p:nvSpPr>
+          <p:cNvPr id="7" name="Inhaltsplatzhalter 2"/>
+          <p:cNvSpPr>
+            <a:spLocks noGrp="1"/>
+          </p:cNvSpPr>
+          <p:nvPr>
+            <p:ph idx="1"/>
+          </p:nvPr>
+        </p:nvSpPr>
+        <p:spPr>
+          <a:xfrm>
+            <a:off x="457200" y="2503437"/>
+            <a:ext cx="8229600" cy="4525963"/>
+          </a:xfrm>
+        </p:spPr>
+        <p:txBody>
+          <a:bodyPr>
+            <a:normAutofit/>
+          </a:bodyPr>
+          <a:lstStyle/>
+          <a:p>
+            <a:pPr marL="0" indent="0" algn="ctr">
+              <a:buNone/>
+            </a:pPr>
+            <a:r>
+              <a:rPr lang="de-DE" smtClean="0">
+                <a:solidFill>
+                  <a:schemeClr val="bg1"/>
+                </a:solidFill>
+                <a:latin typeface="Courier New" panose="02070309020205020404" pitchFamily="49" charset="0"/>
+                <a:cs typeface="Courier New" panose="02070309020205020404" pitchFamily="49" charset="0"/>
+              </a:rPr>
+              <a:t>RDF representation (constraints, data)</a:t>
+            </a:r>
+          </a:p>
+          <a:p>
+            <a:pPr marL="0" indent="0" algn="ctr">
+              <a:buNone/>
+            </a:pPr>
+            <a:endParaRPr lang="de-DE">
+              <a:solidFill>
+                <a:schemeClr val="bg1"/>
+              </a:solidFill>
+              <a:latin typeface="Courier New" panose="02070309020205020404" pitchFamily="49" charset="0"/>
+              <a:cs typeface="Courier New" panose="02070309020205020404" pitchFamily="49" charset="0"/>
+            </a:endParaRPr>
+          </a:p>
+          <a:p>
+            <a:pPr marL="0" indent="0" algn="ctr">
+              <a:buNone/>
+            </a:pPr>
+            <a:endParaRPr lang="en-US" smtClean="0">
+              <a:solidFill>
+                <a:schemeClr val="bg1"/>
+              </a:solidFill>
+              <a:latin typeface="Courier New" panose="02070309020205020404" pitchFamily="49" charset="0"/>
+              <a:cs typeface="Courier New" panose="02070309020205020404" pitchFamily="49" charset="0"/>
+            </a:endParaRPr>
+          </a:p>
+        </p:txBody>
+      </p:sp>
+    </p:spTree>
+    <p:extLst>
+      <p:ext uri="{BB962C8B-B14F-4D97-AF65-F5344CB8AC3E}">
+        <p14:creationId xmlns:p14="http://schemas.microsoft.com/office/powerpoint/2010/main" val="3660938121"/>
+      </p:ext>
+    </p:extLst>
+  </p:cSld>
+  <p:clrMapOvr>
+    <a:masterClrMapping/>
+  </p:clrMapOvr>
+  <p:timing>
+    <p:tnLst>
+      <p:par>
+        <p:cTn id="1" dur="indefinite" restart="never" nodeType="tmRoot"/>
+      </p:par>
+    </p:tnLst>
+  </p:timing>
+</p:sld>
+</file>
+
+<file path=ppt/slides/slide15.xml><?xml version="1.0" encoding="utf-8"?>
+<p:sld xmlns:a="http://schemas.openxmlformats.org/drawingml/2006/main" xmlns:r="http://schemas.openxmlformats.org/officeDocument/2006/relationships" xmlns:p="http://schemas.openxmlformats.org/presentationml/2006/main">
+  <p:cSld>
+    <p:bg>
+      <p:bgPr>
+        <a:solidFill>
+          <a:schemeClr val="tx1"/>
+        </a:solidFill>
+        <a:effectLst/>
+      </p:bgPr>
+    </p:bg>
+    <p:spTree>
+      <p:nvGrpSpPr>
+        <p:cNvPr id="1" name=""/>
+        <p:cNvGrpSpPr/>
+        <p:nvPr/>
+      </p:nvGrpSpPr>
+      <p:grpSpPr>
+        <a:xfrm>
+          <a:off x="0" y="0"/>
+          <a:ext cx="0" cy="0"/>
+          <a:chOff x="0" y="0"/>
+          <a:chExt cx="0" cy="0"/>
+        </a:xfrm>
+      </p:grpSpPr>
+      <p:sp>
+        <p:nvSpPr>
+          <p:cNvPr id="4" name="Titel 3"/>
+          <p:cNvSpPr>
+            <a:spLocks noGrp="1"/>
+          </p:cNvSpPr>
+          <p:nvPr>
+            <p:ph type="title"/>
+          </p:nvPr>
+        </p:nvSpPr>
+        <p:spPr/>
+        <p:txBody>
+          <a:bodyPr/>
+          <a:lstStyle/>
+          <a:p>
+            <a:endParaRPr lang="en-US"/>
+          </a:p>
+        </p:txBody>
+      </p:sp>
+      <p:sp>
+        <p:nvSpPr>
+          <p:cNvPr id="6" name="Inhaltsplatzhalter 4"/>
+          <p:cNvSpPr txBox="1">
+            <a:spLocks/>
+          </p:cNvSpPr>
+          <p:nvPr/>
+        </p:nvSpPr>
+        <p:spPr>
+          <a:xfrm>
+            <a:off x="179512" y="404664"/>
+            <a:ext cx="8712968" cy="4824536"/>
+          </a:xfrm>
+          <a:prstGeom prst="rect">
+            <a:avLst/>
+          </a:prstGeom>
+        </p:spPr>
+        <p:txBody>
+          <a:bodyPr vert="horz" lIns="91440" tIns="45720" rIns="91440" bIns="45720" rtlCol="0">
+            <a:normAutofit/>
+          </a:bodyPr>
+          <a:lstStyle>
+            <a:lvl1pPr marL="342900" indent="-342900" algn="l" defTabSz="914400" rtl="0" eaLnBrk="1" latinLnBrk="0" hangingPunct="1">
+              <a:spcBef>
+                <a:spcPct val="20000"/>
+              </a:spcBef>
+              <a:buFont typeface="Arial" panose="020B0604020202020204" pitchFamily="34" charset="0"/>
+              <a:buChar char="•"/>
+              <a:defRPr sz="3200" kern="1200">
+                <a:solidFill>
+                  <a:schemeClr val="tx1"/>
+                </a:solidFill>
+                <a:latin typeface="+mn-lt"/>
+                <a:ea typeface="+mn-ea"/>
+                <a:cs typeface="+mn-cs"/>
+              </a:defRPr>
+            </a:lvl1pPr>
+            <a:lvl2pPr marL="742950" indent="-285750" algn="l" defTabSz="914400" rtl="0" eaLnBrk="1" latinLnBrk="0" hangingPunct="1">
+              <a:spcBef>
+                <a:spcPct val="20000"/>
+              </a:spcBef>
+              <a:buFont typeface="Arial" panose="020B0604020202020204" pitchFamily="34" charset="0"/>
+              <a:buChar char="–"/>
+              <a:defRPr sz="2800" kern="1200">
+                <a:solidFill>
+                  <a:schemeClr val="tx1"/>
+                </a:solidFill>
+                <a:latin typeface="+mn-lt"/>
+                <a:ea typeface="+mn-ea"/>
+                <a:cs typeface="+mn-cs"/>
+              </a:defRPr>
+            </a:lvl2pPr>
+            <a:lvl3pPr marL="1143000" indent="-228600" algn="l" defTabSz="914400" rtl="0" eaLnBrk="1" latinLnBrk="0" hangingPunct="1">
+              <a:spcBef>
+                <a:spcPct val="20000"/>
+              </a:spcBef>
+              <a:buFont typeface="Arial" panose="020B0604020202020204" pitchFamily="34" charset="0"/>
+              <a:buChar char="•"/>
+              <a:defRPr sz="2400" kern="1200">
+                <a:solidFill>
+                  <a:schemeClr val="tx1"/>
+                </a:solidFill>
+                <a:latin typeface="+mn-lt"/>
+                <a:ea typeface="+mn-ea"/>
+                <a:cs typeface="+mn-cs"/>
+              </a:defRPr>
+            </a:lvl3pPr>
+            <a:lvl4pPr marL="1600200" indent="-228600" algn="l" defTabSz="914400" rtl="0" eaLnBrk="1" latinLnBrk="0" hangingPunct="1">
+              <a:spcBef>
+                <a:spcPct val="20000"/>
+              </a:spcBef>
+              <a:buFont typeface="Arial" panose="020B0604020202020204" pitchFamily="34" charset="0"/>
+              <a:buChar char="–"/>
+              <a:defRPr sz="2000" kern="1200">
+                <a:solidFill>
+                  <a:schemeClr val="tx1"/>
+                </a:solidFill>
+                <a:latin typeface="+mn-lt"/>
+                <a:ea typeface="+mn-ea"/>
+                <a:cs typeface="+mn-cs"/>
+              </a:defRPr>
+            </a:lvl4pPr>
+            <a:lvl5pPr marL="2057400" indent="-228600" algn="l" defTabSz="914400" rtl="0" eaLnBrk="1" latinLnBrk="0" hangingPunct="1">
+              <a:spcBef>
+                <a:spcPct val="20000"/>
+              </a:spcBef>
+              <a:buFont typeface="Arial" panose="020B0604020202020204" pitchFamily="34" charset="0"/>
+              <a:buChar char="»"/>
+              <a:defRPr sz="2000" kern="1200">
+                <a:solidFill>
+                  <a:schemeClr val="tx1"/>
+                </a:solidFill>
+                <a:latin typeface="+mn-lt"/>
+                <a:ea typeface="+mn-ea"/>
+                <a:cs typeface="+mn-cs"/>
+              </a:defRPr>
+            </a:lvl5pPr>
+            <a:lvl6pPr marL="2514600" indent="-228600" algn="l" defTabSz="914400" rtl="0" eaLnBrk="1" latinLnBrk="0" hangingPunct="1">
+              <a:spcBef>
+                <a:spcPct val="20000"/>
+              </a:spcBef>
+              <a:buFont typeface="Arial" panose="020B0604020202020204" pitchFamily="34" charset="0"/>
+              <a:buChar char="•"/>
+              <a:defRPr sz="2000" kern="1200">
+                <a:solidFill>
+                  <a:schemeClr val="tx1"/>
+                </a:solidFill>
+                <a:latin typeface="+mn-lt"/>
+                <a:ea typeface="+mn-ea"/>
+                <a:cs typeface="+mn-cs"/>
+              </a:defRPr>
+            </a:lvl6pPr>
+            <a:lvl7pPr marL="2971800" indent="-228600" algn="l" defTabSz="914400" rtl="0" eaLnBrk="1" latinLnBrk="0" hangingPunct="1">
+              <a:spcBef>
+                <a:spcPct val="20000"/>
+              </a:spcBef>
+              <a:buFont typeface="Arial" panose="020B0604020202020204" pitchFamily="34" charset="0"/>
+              <a:buChar char="•"/>
+              <a:defRPr sz="2000" kern="1200">
+                <a:solidFill>
+                  <a:schemeClr val="tx1"/>
+                </a:solidFill>
+                <a:latin typeface="+mn-lt"/>
+                <a:ea typeface="+mn-ea"/>
+                <a:cs typeface="+mn-cs"/>
+              </a:defRPr>
+            </a:lvl7pPr>
+            <a:lvl8pPr marL="3429000" indent="-228600" algn="l" defTabSz="914400" rtl="0" eaLnBrk="1" latinLnBrk="0" hangingPunct="1">
+              <a:spcBef>
+                <a:spcPct val="20000"/>
+              </a:spcBef>
+              <a:buFont typeface="Arial" panose="020B0604020202020204" pitchFamily="34" charset="0"/>
+              <a:buChar char="•"/>
+              <a:defRPr sz="2000" kern="1200">
+                <a:solidFill>
+                  <a:schemeClr val="tx1"/>
+                </a:solidFill>
+                <a:latin typeface="+mn-lt"/>
+                <a:ea typeface="+mn-ea"/>
+                <a:cs typeface="+mn-cs"/>
+              </a:defRPr>
+            </a:lvl8pPr>
+            <a:lvl9pPr marL="3886200" indent="-228600" algn="l" defTabSz="914400" rtl="0" eaLnBrk="1" latinLnBrk="0" hangingPunct="1">
+              <a:spcBef>
+                <a:spcPct val="20000"/>
+              </a:spcBef>
+              <a:buFont typeface="Arial" panose="020B0604020202020204" pitchFamily="34" charset="0"/>
+              <a:buChar char="•"/>
+              <a:defRPr sz="2000" kern="1200">
+                <a:solidFill>
+                  <a:schemeClr val="tx1"/>
+                </a:solidFill>
+                <a:latin typeface="+mn-lt"/>
+                <a:ea typeface="+mn-ea"/>
+                <a:cs typeface="+mn-cs"/>
+              </a:defRPr>
+            </a:lvl9pPr>
+          </a:lstStyle>
+          <a:p>
+            <a:pPr marL="0" indent="0" algn="ctr">
+              <a:buFont typeface="Arial" panose="020B0604020202020204" pitchFamily="34" charset="0"/>
+              <a:buNone/>
+            </a:pPr>
+            <a:r>
+              <a:rPr lang="de-DE" sz="5400">
+                <a:solidFill>
+                  <a:schemeClr val="bg1"/>
+                </a:solidFill>
+                <a:latin typeface="Courier New" panose="02070309020205020404" pitchFamily="49" charset="0"/>
+                <a:cs typeface="Courier New" panose="02070309020205020404" pitchFamily="49" charset="0"/>
+              </a:rPr>
+              <a:t>f</a:t>
+            </a:r>
+            <a:r>
+              <a:rPr lang="de-DE" sz="5400" smtClean="0">
+                <a:solidFill>
+                  <a:schemeClr val="bg1"/>
+                </a:solidFill>
+                <a:latin typeface="Courier New" panose="02070309020205020404" pitchFamily="49" charset="0"/>
+                <a:cs typeface="Courier New" panose="02070309020205020404" pitchFamily="49" charset="0"/>
+              </a:rPr>
+              <a:t>uture work</a:t>
+            </a:r>
+            <a:endParaRPr lang="en-US" sz="5400" smtClean="0">
+              <a:solidFill>
+                <a:schemeClr val="bg1"/>
+              </a:solidFill>
+              <a:latin typeface="Courier New" panose="02070309020205020404" pitchFamily="49" charset="0"/>
+              <a:cs typeface="Courier New" panose="02070309020205020404" pitchFamily="49" charset="0"/>
+            </a:endParaRPr>
+          </a:p>
+        </p:txBody>
+      </p:sp>
+      <p:sp>
+        <p:nvSpPr>
+          <p:cNvPr id="7" name="Inhaltsplatzhalter 2"/>
+          <p:cNvSpPr>
+            <a:spLocks noGrp="1"/>
+          </p:cNvSpPr>
+          <p:nvPr>
+            <p:ph idx="1"/>
+          </p:nvPr>
+        </p:nvSpPr>
+        <p:spPr>
+          <a:xfrm>
+            <a:off x="457200" y="2060848"/>
+            <a:ext cx="8229600" cy="4525963"/>
+          </a:xfrm>
+        </p:spPr>
+        <p:txBody>
+          <a:bodyPr>
+            <a:normAutofit/>
+          </a:bodyPr>
+          <a:lstStyle/>
+          <a:p>
+            <a:pPr marL="0" indent="0" algn="ctr">
+              <a:buNone/>
+            </a:pPr>
+            <a:endParaRPr lang="de-DE" sz="3600" smtClean="0">
+              <a:solidFill>
+                <a:schemeClr val="bg1"/>
+              </a:solidFill>
+              <a:latin typeface="Courier New" panose="02070309020205020404" pitchFamily="49" charset="0"/>
+              <a:cs typeface="Courier New" panose="02070309020205020404" pitchFamily="49" charset="0"/>
+            </a:endParaRPr>
+          </a:p>
+          <a:p>
+            <a:pPr marL="0" indent="0" algn="ctr">
+              <a:buNone/>
+            </a:pPr>
             <a:r>
               <a:rPr lang="de-DE" sz="3600" smtClean="0">
                 <a:solidFill>
-                  <a:srgbClr val="979797"/>
-                </a:solidFill>
-                <a:latin typeface="+mn-lt"/>
-              </a:rPr>
-              <a:t>5th European DDI User Conference </a:t>
-            </a:r>
-          </a:p>
-          <a:p>
-            <a:r>
-              <a:rPr lang="de-DE" sz="2200" smtClean="0">
-                <a:solidFill>
-                  <a:srgbClr val="979797"/>
-                </a:solidFill>
-                <a:latin typeface="+mn-lt"/>
-              </a:rPr>
-              <a:t>04 December 2013, Paris, France</a:t>
-            </a:r>
-            <a:endParaRPr lang="de-DE" sz="1200" smtClean="0">
+                  <a:schemeClr val="bg1"/>
+                </a:solidFill>
+                <a:latin typeface="Courier New" panose="02070309020205020404" pitchFamily="49" charset="0"/>
+                <a:cs typeface="Courier New" panose="02070309020205020404" pitchFamily="49" charset="0"/>
+              </a:rPr>
+              <a:t>validate further constraint languages (e.g ShEx)</a:t>
+            </a:r>
+          </a:p>
+          <a:p>
+            <a:pPr marL="0" indent="0" algn="ctr">
+              <a:buNone/>
+            </a:pPr>
+            <a:endParaRPr lang="de-DE" sz="3600">
               <a:solidFill>
-                <a:srgbClr val="979797"/>
+                <a:schemeClr val="bg1"/>
               </a:solidFill>
+              <a:latin typeface="Courier New" panose="02070309020205020404" pitchFamily="49" charset="0"/>
+              <a:cs typeface="Courier New" panose="02070309020205020404" pitchFamily="49" charset="0"/>
             </a:endParaRPr>
           </a:p>
+          <a:p>
+            <a:pPr marL="0" indent="0" algn="ctr">
+              <a:buNone/>
+            </a:pPr>
+            <a:r>
+              <a:rPr lang="de-DE" sz="3600">
+                <a:solidFill>
+                  <a:schemeClr val="bg1"/>
+                </a:solidFill>
+                <a:latin typeface="Courier New" panose="02070309020205020404" pitchFamily="49" charset="0"/>
+                <a:cs typeface="Courier New" panose="02070309020205020404" pitchFamily="49" charset="0"/>
+              </a:rPr>
+              <a:t>e</a:t>
+            </a:r>
+            <a:r>
+              <a:rPr lang="de-DE" sz="3600" smtClean="0">
+                <a:solidFill>
+                  <a:schemeClr val="bg1"/>
+                </a:solidFill>
+                <a:latin typeface="Courier New" panose="02070309020205020404" pitchFamily="49" charset="0"/>
+                <a:cs typeface="Courier New" panose="02070309020205020404" pitchFamily="49" charset="0"/>
+              </a:rPr>
+              <a:t>xtend existing constraint languages (DSP)</a:t>
+            </a:r>
+          </a:p>
+          <a:p>
+            <a:pPr marL="0" indent="0" algn="ctr">
+              <a:buNone/>
+            </a:pPr>
+            <a:endParaRPr lang="de-DE" sz="3600">
+              <a:solidFill>
+                <a:schemeClr val="bg1"/>
+              </a:solidFill>
+              <a:latin typeface="Courier New" panose="02070309020205020404" pitchFamily="49" charset="0"/>
+              <a:cs typeface="Courier New" panose="02070309020205020404" pitchFamily="49" charset="0"/>
+            </a:endParaRPr>
+          </a:p>
+          <a:p>
+            <a:pPr marL="0" indent="0" algn="ctr">
+              <a:buNone/>
+            </a:pPr>
+            <a:endParaRPr lang="en-US" sz="3600" smtClean="0">
+              <a:solidFill>
+                <a:schemeClr val="bg1"/>
+              </a:solidFill>
+              <a:latin typeface="Courier New" panose="02070309020205020404" pitchFamily="49" charset="0"/>
+              <a:cs typeface="Courier New" panose="02070309020205020404" pitchFamily="49" charset="0"/>
+            </a:endParaRPr>
+          </a:p>
         </p:txBody>
       </p:sp>
     </p:spTree>
+    <p:extLst>
+      <p:ext uri="{BB962C8B-B14F-4D97-AF65-F5344CB8AC3E}">
+        <p14:creationId xmlns:p14="http://schemas.microsoft.com/office/powerpoint/2010/main" val="257731924"/>
+      </p:ext>
+    </p:extLst>
   </p:cSld>
   <p:clrMapOvr>
     <a:masterClrMapping/>
@@ -7292,6 +10262,14 @@
 <file path=ppt/slides/slide2.xml><?xml version="1.0" encoding="utf-8"?>
 <p:sld xmlns:a="http://schemas.openxmlformats.org/drawingml/2006/main" xmlns:r="http://schemas.openxmlformats.org/officeDocument/2006/relationships" xmlns:p="http://schemas.openxmlformats.org/presentationml/2006/main">
   <p:cSld>
+    <p:bg>
+      <p:bgPr>
+        <a:solidFill>
+          <a:schemeClr val="tx1"/>
+        </a:solidFill>
+        <a:effectLst/>
+      </p:bgPr>
+    </p:bg>
     <p:spTree>
       <p:nvGrpSpPr>
         <p:cNvPr id="1" name=""/>
@@ -7327,7 +10305,190 @@
       </p:sp>
       <p:sp>
         <p:nvSpPr>
-          <p:cNvPr id="5" name="Inhaltsplatzhalter 4"/>
+          <p:cNvPr id="6" name="Inhaltsplatzhalter 4"/>
+          <p:cNvSpPr txBox="1">
+            <a:spLocks/>
+          </p:cNvSpPr>
+          <p:nvPr/>
+        </p:nvSpPr>
+        <p:spPr>
+          <a:xfrm>
+            <a:off x="179512" y="404664"/>
+            <a:ext cx="8712968" cy="4824536"/>
+          </a:xfrm>
+          <a:prstGeom prst="rect">
+            <a:avLst/>
+          </a:prstGeom>
+        </p:spPr>
+        <p:txBody>
+          <a:bodyPr vert="horz" lIns="91440" tIns="45720" rIns="91440" bIns="45720" rtlCol="0">
+            <a:normAutofit/>
+          </a:bodyPr>
+          <a:lstStyle>
+            <a:lvl1pPr marL="342900" indent="-342900" algn="l" defTabSz="914400" rtl="0" eaLnBrk="1" latinLnBrk="0" hangingPunct="1">
+              <a:spcBef>
+                <a:spcPct val="20000"/>
+              </a:spcBef>
+              <a:buFont typeface="Arial" panose="020B0604020202020204" pitchFamily="34" charset="0"/>
+              <a:buChar char="•"/>
+              <a:defRPr sz="3200" kern="1200">
+                <a:solidFill>
+                  <a:schemeClr val="tx1"/>
+                </a:solidFill>
+                <a:latin typeface="+mn-lt"/>
+                <a:ea typeface="+mn-ea"/>
+                <a:cs typeface="+mn-cs"/>
+              </a:defRPr>
+            </a:lvl1pPr>
+            <a:lvl2pPr marL="742950" indent="-285750" algn="l" defTabSz="914400" rtl="0" eaLnBrk="1" latinLnBrk="0" hangingPunct="1">
+              <a:spcBef>
+                <a:spcPct val="20000"/>
+              </a:spcBef>
+              <a:buFont typeface="Arial" panose="020B0604020202020204" pitchFamily="34" charset="0"/>
+              <a:buChar char="–"/>
+              <a:defRPr sz="2800" kern="1200">
+                <a:solidFill>
+                  <a:schemeClr val="tx1"/>
+                </a:solidFill>
+                <a:latin typeface="+mn-lt"/>
+                <a:ea typeface="+mn-ea"/>
+                <a:cs typeface="+mn-cs"/>
+              </a:defRPr>
+            </a:lvl2pPr>
+            <a:lvl3pPr marL="1143000" indent="-228600" algn="l" defTabSz="914400" rtl="0" eaLnBrk="1" latinLnBrk="0" hangingPunct="1">
+              <a:spcBef>
+                <a:spcPct val="20000"/>
+              </a:spcBef>
+              <a:buFont typeface="Arial" panose="020B0604020202020204" pitchFamily="34" charset="0"/>
+              <a:buChar char="•"/>
+              <a:defRPr sz="2400" kern="1200">
+                <a:solidFill>
+                  <a:schemeClr val="tx1"/>
+                </a:solidFill>
+                <a:latin typeface="+mn-lt"/>
+                <a:ea typeface="+mn-ea"/>
+                <a:cs typeface="+mn-cs"/>
+              </a:defRPr>
+            </a:lvl3pPr>
+            <a:lvl4pPr marL="1600200" indent="-228600" algn="l" defTabSz="914400" rtl="0" eaLnBrk="1" latinLnBrk="0" hangingPunct="1">
+              <a:spcBef>
+                <a:spcPct val="20000"/>
+              </a:spcBef>
+              <a:buFont typeface="Arial" panose="020B0604020202020204" pitchFamily="34" charset="0"/>
+              <a:buChar char="–"/>
+              <a:defRPr sz="2000" kern="1200">
+                <a:solidFill>
+                  <a:schemeClr val="tx1"/>
+                </a:solidFill>
+                <a:latin typeface="+mn-lt"/>
+                <a:ea typeface="+mn-ea"/>
+                <a:cs typeface="+mn-cs"/>
+              </a:defRPr>
+            </a:lvl4pPr>
+            <a:lvl5pPr marL="2057400" indent="-228600" algn="l" defTabSz="914400" rtl="0" eaLnBrk="1" latinLnBrk="0" hangingPunct="1">
+              <a:spcBef>
+                <a:spcPct val="20000"/>
+              </a:spcBef>
+              <a:buFont typeface="Arial" panose="020B0604020202020204" pitchFamily="34" charset="0"/>
+              <a:buChar char="»"/>
+              <a:defRPr sz="2000" kern="1200">
+                <a:solidFill>
+                  <a:schemeClr val="tx1"/>
+                </a:solidFill>
+                <a:latin typeface="+mn-lt"/>
+                <a:ea typeface="+mn-ea"/>
+                <a:cs typeface="+mn-cs"/>
+              </a:defRPr>
+            </a:lvl5pPr>
+            <a:lvl6pPr marL="2514600" indent="-228600" algn="l" defTabSz="914400" rtl="0" eaLnBrk="1" latinLnBrk="0" hangingPunct="1">
+              <a:spcBef>
+                <a:spcPct val="20000"/>
+              </a:spcBef>
+              <a:buFont typeface="Arial" panose="020B0604020202020204" pitchFamily="34" charset="0"/>
+              <a:buChar char="•"/>
+              <a:defRPr sz="2000" kern="1200">
+                <a:solidFill>
+                  <a:schemeClr val="tx1"/>
+                </a:solidFill>
+                <a:latin typeface="+mn-lt"/>
+                <a:ea typeface="+mn-ea"/>
+                <a:cs typeface="+mn-cs"/>
+              </a:defRPr>
+            </a:lvl6pPr>
+            <a:lvl7pPr marL="2971800" indent="-228600" algn="l" defTabSz="914400" rtl="0" eaLnBrk="1" latinLnBrk="0" hangingPunct="1">
+              <a:spcBef>
+                <a:spcPct val="20000"/>
+              </a:spcBef>
+              <a:buFont typeface="Arial" panose="020B0604020202020204" pitchFamily="34" charset="0"/>
+              <a:buChar char="•"/>
+              <a:defRPr sz="2000" kern="1200">
+                <a:solidFill>
+                  <a:schemeClr val="tx1"/>
+                </a:solidFill>
+                <a:latin typeface="+mn-lt"/>
+                <a:ea typeface="+mn-ea"/>
+                <a:cs typeface="+mn-cs"/>
+              </a:defRPr>
+            </a:lvl7pPr>
+            <a:lvl8pPr marL="3429000" indent="-228600" algn="l" defTabSz="914400" rtl="0" eaLnBrk="1" latinLnBrk="0" hangingPunct="1">
+              <a:spcBef>
+                <a:spcPct val="20000"/>
+              </a:spcBef>
+              <a:buFont typeface="Arial" panose="020B0604020202020204" pitchFamily="34" charset="0"/>
+              <a:buChar char="•"/>
+              <a:defRPr sz="2000" kern="1200">
+                <a:solidFill>
+                  <a:schemeClr val="tx1"/>
+                </a:solidFill>
+                <a:latin typeface="+mn-lt"/>
+                <a:ea typeface="+mn-ea"/>
+                <a:cs typeface="+mn-cs"/>
+              </a:defRPr>
+            </a:lvl8pPr>
+            <a:lvl9pPr marL="3886200" indent="-228600" algn="l" defTabSz="914400" rtl="0" eaLnBrk="1" latinLnBrk="0" hangingPunct="1">
+              <a:spcBef>
+                <a:spcPct val="20000"/>
+              </a:spcBef>
+              <a:buFont typeface="Arial" panose="020B0604020202020204" pitchFamily="34" charset="0"/>
+              <a:buChar char="•"/>
+              <a:defRPr sz="2000" kern="1200">
+                <a:solidFill>
+                  <a:schemeClr val="tx1"/>
+                </a:solidFill>
+                <a:latin typeface="+mn-lt"/>
+                <a:ea typeface="+mn-ea"/>
+                <a:cs typeface="+mn-cs"/>
+              </a:defRPr>
+            </a:lvl9pPr>
+          </a:lstStyle>
+          <a:p>
+            <a:pPr marL="0" indent="0" algn="ctr">
+              <a:buFont typeface="Arial" panose="020B0604020202020204" pitchFamily="34" charset="0"/>
+              <a:buNone/>
+            </a:pPr>
+            <a:r>
+              <a:rPr lang="de-DE" sz="5400" smtClean="0">
+                <a:solidFill>
+                  <a:schemeClr val="bg1"/>
+                </a:solidFill>
+                <a:latin typeface="Courier New" panose="02070309020205020404" pitchFamily="49" charset="0"/>
+                <a:cs typeface="Courier New" panose="02070309020205020404" pitchFamily="49" charset="0"/>
+              </a:rPr>
+              <a:t>DSP validation</a:t>
+            </a:r>
+            <a:endParaRPr lang="en-US" sz="5400" smtClean="0">
+              <a:solidFill>
+                <a:schemeClr val="bg1"/>
+              </a:solidFill>
+              <a:latin typeface="Courier New" panose="02070309020205020404" pitchFamily="49" charset="0"/>
+              <a:cs typeface="Courier New" panose="02070309020205020404" pitchFamily="49" charset="0"/>
+            </a:endParaRPr>
+          </a:p>
+        </p:txBody>
+      </p:sp>
+      <p:sp>
+        <p:nvSpPr>
+          <p:cNvPr id="7" name="Inhaltsplatzhalter 2"/>
           <p:cNvSpPr>
             <a:spLocks noGrp="1"/>
           </p:cNvSpPr>
@@ -7335,12 +10496,193 @@
             <p:ph idx="1"/>
           </p:nvPr>
         </p:nvSpPr>
-        <p:spPr/>
-        <p:txBody>
-          <a:bodyPr/>
+        <p:spPr>
+          <a:xfrm>
+            <a:off x="457200" y="2215405"/>
+            <a:ext cx="8229600" cy="4525963"/>
+          </a:xfrm>
+        </p:spPr>
+        <p:txBody>
+          <a:bodyPr>
+            <a:normAutofit fontScale="92500" lnSpcReduction="20000"/>
+          </a:bodyPr>
           <a:lstStyle/>
           <a:p>
-            <a:endParaRPr lang="en-US"/>
+            <a:pPr marL="0" indent="0" algn="ctr">
+              <a:buNone/>
+            </a:pPr>
+            <a:r>
+              <a:rPr lang="de-DE" smtClean="0">
+                <a:solidFill>
+                  <a:schemeClr val="bg1"/>
+                </a:solidFill>
+                <a:latin typeface="Courier New" panose="02070309020205020404" pitchFamily="49" charset="0"/>
+                <a:cs typeface="Courier New" panose="02070309020205020404" pitchFamily="49" charset="0"/>
+              </a:rPr>
+              <a:t>DSP specification</a:t>
+            </a:r>
+          </a:p>
+          <a:p>
+            <a:pPr marL="0" indent="0" algn="ctr">
+              <a:buNone/>
+            </a:pPr>
+            <a:r>
+              <a:rPr lang="de-DE">
+                <a:solidFill>
+                  <a:schemeClr val="bg1"/>
+                </a:solidFill>
+                <a:latin typeface="Courier New" panose="02070309020205020404" pitchFamily="49" charset="0"/>
+                <a:cs typeface="Courier New" panose="02070309020205020404" pitchFamily="49" charset="0"/>
+                <a:hlinkClick r:id="rId3"/>
+              </a:rPr>
+              <a:t>http://dublincore.org/documents/2008/03/31/dc-dsp/</a:t>
+            </a:r>
+            <a:endParaRPr lang="de-DE">
+              <a:solidFill>
+                <a:schemeClr val="bg1"/>
+              </a:solidFill>
+              <a:latin typeface="Courier New" panose="02070309020205020404" pitchFamily="49" charset="0"/>
+              <a:cs typeface="Courier New" panose="02070309020205020404" pitchFamily="49" charset="0"/>
+            </a:endParaRPr>
+          </a:p>
+          <a:p>
+            <a:pPr marL="0" indent="0" algn="ctr">
+              <a:buNone/>
+            </a:pPr>
+            <a:endParaRPr lang="de-DE">
+              <a:solidFill>
+                <a:schemeClr val="bg1"/>
+              </a:solidFill>
+              <a:latin typeface="Courier New" panose="02070309020205020404" pitchFamily="49" charset="0"/>
+              <a:cs typeface="Courier New" panose="02070309020205020404" pitchFamily="49" charset="0"/>
+            </a:endParaRPr>
+          </a:p>
+          <a:p>
+            <a:pPr marL="0" indent="0" algn="ctr">
+              <a:buNone/>
+            </a:pPr>
+            <a:r>
+              <a:rPr lang="de-DE" smtClean="0">
+                <a:solidFill>
+                  <a:schemeClr val="bg1"/>
+                </a:solidFill>
+                <a:latin typeface="Courier New" panose="02070309020205020404" pitchFamily="49" charset="0"/>
+                <a:cs typeface="Courier New" panose="02070309020205020404" pitchFamily="49" charset="0"/>
+              </a:rPr>
+              <a:t>SPIN mapping</a:t>
+            </a:r>
+            <a:endParaRPr lang="en-US" smtClean="0">
+              <a:solidFill>
+                <a:schemeClr val="bg1"/>
+              </a:solidFill>
+              <a:latin typeface="Courier New" panose="02070309020205020404" pitchFamily="49" charset="0"/>
+              <a:cs typeface="Courier New" panose="02070309020205020404" pitchFamily="49" charset="0"/>
+            </a:endParaRPr>
+          </a:p>
+          <a:p>
+            <a:pPr marL="0" indent="0" algn="ctr">
+              <a:buNone/>
+            </a:pPr>
+            <a:r>
+              <a:rPr lang="en-US" smtClean="0">
+                <a:solidFill>
+                  <a:schemeClr val="bg1"/>
+                </a:solidFill>
+                <a:latin typeface="Courier New" panose="02070309020205020404" pitchFamily="49" charset="0"/>
+                <a:cs typeface="Courier New" panose="02070309020205020404" pitchFamily="49" charset="0"/>
+                <a:hlinkClick r:id="rId4"/>
+              </a:rPr>
+              <a:t>https</a:t>
+            </a:r>
+            <a:r>
+              <a:rPr lang="en-US">
+                <a:solidFill>
+                  <a:schemeClr val="bg1"/>
+                </a:solidFill>
+                <a:latin typeface="Courier New" panose="02070309020205020404" pitchFamily="49" charset="0"/>
+                <a:cs typeface="Courier New" panose="02070309020205020404" pitchFamily="49" charset="0"/>
+                <a:hlinkClick r:id="rId4"/>
+              </a:rPr>
+              <a:t>://</a:t>
+            </a:r>
+            <a:r>
+              <a:rPr lang="en-US" smtClean="0">
+                <a:solidFill>
+                  <a:schemeClr val="bg1"/>
+                </a:solidFill>
+                <a:latin typeface="Courier New" panose="02070309020205020404" pitchFamily="49" charset="0"/>
+                <a:cs typeface="Courier New" panose="02070309020205020404" pitchFamily="49" charset="0"/>
+                <a:hlinkClick r:id="rId4"/>
+              </a:rPr>
+              <a:t>github.com/dcmi/DSP-SPIN-Mapping</a:t>
+            </a:r>
+            <a:endParaRPr lang="en-US" smtClean="0">
+              <a:solidFill>
+                <a:schemeClr val="bg1"/>
+              </a:solidFill>
+              <a:latin typeface="Courier New" panose="02070309020205020404" pitchFamily="49" charset="0"/>
+              <a:cs typeface="Courier New" panose="02070309020205020404" pitchFamily="49" charset="0"/>
+            </a:endParaRPr>
+          </a:p>
+          <a:p>
+            <a:pPr marL="0" indent="0" algn="ctr">
+              <a:buNone/>
+            </a:pPr>
+            <a:endParaRPr lang="de-DE">
+              <a:solidFill>
+                <a:schemeClr val="bg1"/>
+              </a:solidFill>
+              <a:latin typeface="Courier New" panose="02070309020205020404" pitchFamily="49" charset="0"/>
+              <a:cs typeface="Courier New" panose="02070309020205020404" pitchFamily="49" charset="0"/>
+            </a:endParaRPr>
+          </a:p>
+          <a:p>
+            <a:pPr marL="0" indent="0" algn="ctr">
+              <a:buNone/>
+            </a:pPr>
+            <a:r>
+              <a:rPr lang="de-DE" smtClean="0">
+                <a:solidFill>
+                  <a:schemeClr val="bg1"/>
+                </a:solidFill>
+                <a:latin typeface="Courier New" panose="02070309020205020404" pitchFamily="49" charset="0"/>
+                <a:cs typeface="Courier New" panose="02070309020205020404" pitchFamily="49" charset="0"/>
+              </a:rPr>
+              <a:t>RDF Validator</a:t>
+            </a:r>
+          </a:p>
+          <a:p>
+            <a:pPr marL="0" indent="0" algn="ctr">
+              <a:buNone/>
+            </a:pPr>
+            <a:r>
+              <a:rPr lang="en-US" smtClean="0">
+                <a:solidFill>
+                  <a:schemeClr val="bg1"/>
+                </a:solidFill>
+                <a:latin typeface="Courier New" panose="02070309020205020404" pitchFamily="49" charset="0"/>
+                <a:cs typeface="Courier New" panose="02070309020205020404" pitchFamily="49" charset="0"/>
+                <a:hlinkClick r:id="rId5" action="ppaction://hlinkfile"/>
+              </a:rPr>
+              <a:t>purl.org/net/rdfval-demo</a:t>
+            </a:r>
+            <a:r>
+              <a:rPr lang="en-US" smtClean="0">
+                <a:solidFill>
+                  <a:schemeClr val="bg1"/>
+                </a:solidFill>
+                <a:latin typeface="Courier New" panose="02070309020205020404" pitchFamily="49" charset="0"/>
+                <a:cs typeface="Courier New" panose="02070309020205020404" pitchFamily="49" charset="0"/>
+              </a:rPr>
+              <a:t> </a:t>
+            </a:r>
+            <a:endParaRPr lang="en-US">
+              <a:solidFill>
+                <a:schemeClr val="bg1"/>
+              </a:solidFill>
+              <a:latin typeface="Courier New" panose="02070309020205020404" pitchFamily="49" charset="0"/>
+              <a:cs typeface="Courier New" panose="02070309020205020404" pitchFamily="49" charset="0"/>
+            </a:endParaRPr>
           </a:p>
         </p:txBody>
       </p:sp>
@@ -7354,12 +10696,27 @@
   <p:clrMapOvr>
     <a:masterClrMapping/>
   </p:clrMapOvr>
+  <p:timing>
+    <p:tnLst>
+      <p:par>
+        <p:cTn id="1" dur="indefinite" restart="never" nodeType="tmRoot"/>
+      </p:par>
+    </p:tnLst>
+  </p:timing>
 </p:sld>
 </file>
 
 <file path=ppt/slides/slide3.xml><?xml version="1.0" encoding="utf-8"?>
 <p:sld xmlns:a="http://schemas.openxmlformats.org/drawingml/2006/main" xmlns:r="http://schemas.openxmlformats.org/officeDocument/2006/relationships" xmlns:p="http://schemas.openxmlformats.org/presentationml/2006/main">
   <p:cSld>
+    <p:bg>
+      <p:bgPr>
+        <a:solidFill>
+          <a:schemeClr val="tx1"/>
+        </a:solidFill>
+        <a:effectLst/>
+      </p:bgPr>
+    </p:bg>
     <p:spTree>
       <p:nvGrpSpPr>
         <p:cNvPr id="1" name=""/>
@@ -7376,7 +10733,7 @@
       </p:grpSpPr>
       <p:sp>
         <p:nvSpPr>
-          <p:cNvPr id="2" name="Titel 1"/>
+          <p:cNvPr id="4" name="Titel 3"/>
           <p:cNvSpPr>
             <a:spLocks noGrp="1"/>
           </p:cNvSpPr>
@@ -7389,17 +10746,196 @@
           <a:bodyPr/>
           <a:lstStyle/>
           <a:p>
-            <a:r>
-              <a:rPr lang="de-DE" smtClean="0"/>
-              <a:t>Constraint Languages</a:t>
-            </a:r>
             <a:endParaRPr lang="en-US"/>
           </a:p>
         </p:txBody>
       </p:sp>
       <p:sp>
         <p:nvSpPr>
-          <p:cNvPr id="3" name="Inhaltsplatzhalter 2"/>
+          <p:cNvPr id="6" name="Inhaltsplatzhalter 4"/>
+          <p:cNvSpPr txBox="1">
+            <a:spLocks/>
+          </p:cNvSpPr>
+          <p:nvPr/>
+        </p:nvSpPr>
+        <p:spPr>
+          <a:xfrm>
+            <a:off x="179512" y="404664"/>
+            <a:ext cx="8712968" cy="4824536"/>
+          </a:xfrm>
+          <a:prstGeom prst="rect">
+            <a:avLst/>
+          </a:prstGeom>
+        </p:spPr>
+        <p:txBody>
+          <a:bodyPr vert="horz" lIns="91440" tIns="45720" rIns="91440" bIns="45720" rtlCol="0">
+            <a:normAutofit/>
+          </a:bodyPr>
+          <a:lstStyle>
+            <a:lvl1pPr marL="342900" indent="-342900" algn="l" defTabSz="914400" rtl="0" eaLnBrk="1" latinLnBrk="0" hangingPunct="1">
+              <a:spcBef>
+                <a:spcPct val="20000"/>
+              </a:spcBef>
+              <a:buFont typeface="Arial" panose="020B0604020202020204" pitchFamily="34" charset="0"/>
+              <a:buChar char="•"/>
+              <a:defRPr sz="3200" kern="1200">
+                <a:solidFill>
+                  <a:schemeClr val="tx1"/>
+                </a:solidFill>
+                <a:latin typeface="+mn-lt"/>
+                <a:ea typeface="+mn-ea"/>
+                <a:cs typeface="+mn-cs"/>
+              </a:defRPr>
+            </a:lvl1pPr>
+            <a:lvl2pPr marL="742950" indent="-285750" algn="l" defTabSz="914400" rtl="0" eaLnBrk="1" latinLnBrk="0" hangingPunct="1">
+              <a:spcBef>
+                <a:spcPct val="20000"/>
+              </a:spcBef>
+              <a:buFont typeface="Arial" panose="020B0604020202020204" pitchFamily="34" charset="0"/>
+              <a:buChar char="–"/>
+              <a:defRPr sz="2800" kern="1200">
+                <a:solidFill>
+                  <a:schemeClr val="tx1"/>
+                </a:solidFill>
+                <a:latin typeface="+mn-lt"/>
+                <a:ea typeface="+mn-ea"/>
+                <a:cs typeface="+mn-cs"/>
+              </a:defRPr>
+            </a:lvl2pPr>
+            <a:lvl3pPr marL="1143000" indent="-228600" algn="l" defTabSz="914400" rtl="0" eaLnBrk="1" latinLnBrk="0" hangingPunct="1">
+              <a:spcBef>
+                <a:spcPct val="20000"/>
+              </a:spcBef>
+              <a:buFont typeface="Arial" panose="020B0604020202020204" pitchFamily="34" charset="0"/>
+              <a:buChar char="•"/>
+              <a:defRPr sz="2400" kern="1200">
+                <a:solidFill>
+                  <a:schemeClr val="tx1"/>
+                </a:solidFill>
+                <a:latin typeface="+mn-lt"/>
+                <a:ea typeface="+mn-ea"/>
+                <a:cs typeface="+mn-cs"/>
+              </a:defRPr>
+            </a:lvl3pPr>
+            <a:lvl4pPr marL="1600200" indent="-228600" algn="l" defTabSz="914400" rtl="0" eaLnBrk="1" latinLnBrk="0" hangingPunct="1">
+              <a:spcBef>
+                <a:spcPct val="20000"/>
+              </a:spcBef>
+              <a:buFont typeface="Arial" panose="020B0604020202020204" pitchFamily="34" charset="0"/>
+              <a:buChar char="–"/>
+              <a:defRPr sz="2000" kern="1200">
+                <a:solidFill>
+                  <a:schemeClr val="tx1"/>
+                </a:solidFill>
+                <a:latin typeface="+mn-lt"/>
+                <a:ea typeface="+mn-ea"/>
+                <a:cs typeface="+mn-cs"/>
+              </a:defRPr>
+            </a:lvl4pPr>
+            <a:lvl5pPr marL="2057400" indent="-228600" algn="l" defTabSz="914400" rtl="0" eaLnBrk="1" latinLnBrk="0" hangingPunct="1">
+              <a:spcBef>
+                <a:spcPct val="20000"/>
+              </a:spcBef>
+              <a:buFont typeface="Arial" panose="020B0604020202020204" pitchFamily="34" charset="0"/>
+              <a:buChar char="»"/>
+              <a:defRPr sz="2000" kern="1200">
+                <a:solidFill>
+                  <a:schemeClr val="tx1"/>
+                </a:solidFill>
+                <a:latin typeface="+mn-lt"/>
+                <a:ea typeface="+mn-ea"/>
+                <a:cs typeface="+mn-cs"/>
+              </a:defRPr>
+            </a:lvl5pPr>
+            <a:lvl6pPr marL="2514600" indent="-228600" algn="l" defTabSz="914400" rtl="0" eaLnBrk="1" latinLnBrk="0" hangingPunct="1">
+              <a:spcBef>
+                <a:spcPct val="20000"/>
+              </a:spcBef>
+              <a:buFont typeface="Arial" panose="020B0604020202020204" pitchFamily="34" charset="0"/>
+              <a:buChar char="•"/>
+              <a:defRPr sz="2000" kern="1200">
+                <a:solidFill>
+                  <a:schemeClr val="tx1"/>
+                </a:solidFill>
+                <a:latin typeface="+mn-lt"/>
+                <a:ea typeface="+mn-ea"/>
+                <a:cs typeface="+mn-cs"/>
+              </a:defRPr>
+            </a:lvl6pPr>
+            <a:lvl7pPr marL="2971800" indent="-228600" algn="l" defTabSz="914400" rtl="0" eaLnBrk="1" latinLnBrk="0" hangingPunct="1">
+              <a:spcBef>
+                <a:spcPct val="20000"/>
+              </a:spcBef>
+              <a:buFont typeface="Arial" panose="020B0604020202020204" pitchFamily="34" charset="0"/>
+              <a:buChar char="•"/>
+              <a:defRPr sz="2000" kern="1200">
+                <a:solidFill>
+                  <a:schemeClr val="tx1"/>
+                </a:solidFill>
+                <a:latin typeface="+mn-lt"/>
+                <a:ea typeface="+mn-ea"/>
+                <a:cs typeface="+mn-cs"/>
+              </a:defRPr>
+            </a:lvl7pPr>
+            <a:lvl8pPr marL="3429000" indent="-228600" algn="l" defTabSz="914400" rtl="0" eaLnBrk="1" latinLnBrk="0" hangingPunct="1">
+              <a:spcBef>
+                <a:spcPct val="20000"/>
+              </a:spcBef>
+              <a:buFont typeface="Arial" panose="020B0604020202020204" pitchFamily="34" charset="0"/>
+              <a:buChar char="•"/>
+              <a:defRPr sz="2000" kern="1200">
+                <a:solidFill>
+                  <a:schemeClr val="tx1"/>
+                </a:solidFill>
+                <a:latin typeface="+mn-lt"/>
+                <a:ea typeface="+mn-ea"/>
+                <a:cs typeface="+mn-cs"/>
+              </a:defRPr>
+            </a:lvl8pPr>
+            <a:lvl9pPr marL="3886200" indent="-228600" algn="l" defTabSz="914400" rtl="0" eaLnBrk="1" latinLnBrk="0" hangingPunct="1">
+              <a:spcBef>
+                <a:spcPct val="20000"/>
+              </a:spcBef>
+              <a:buFont typeface="Arial" panose="020B0604020202020204" pitchFamily="34" charset="0"/>
+              <a:buChar char="•"/>
+              <a:defRPr sz="2000" kern="1200">
+                <a:solidFill>
+                  <a:schemeClr val="tx1"/>
+                </a:solidFill>
+                <a:latin typeface="+mn-lt"/>
+                <a:ea typeface="+mn-ea"/>
+                <a:cs typeface="+mn-cs"/>
+              </a:defRPr>
+            </a:lvl9pPr>
+          </a:lstStyle>
+          <a:p>
+            <a:pPr marL="0" indent="0" algn="ctr">
+              <a:buFont typeface="Arial" panose="020B0604020202020204" pitchFamily="34" charset="0"/>
+              <a:buNone/>
+            </a:pPr>
+            <a:r>
+              <a:rPr lang="de-DE" sz="5400" smtClean="0">
+                <a:solidFill>
+                  <a:schemeClr val="bg1"/>
+                </a:solidFill>
+                <a:latin typeface="Courier New" panose="02070309020205020404" pitchFamily="49" charset="0"/>
+                <a:cs typeface="Courier New" panose="02070309020205020404" pitchFamily="49" charset="0"/>
+              </a:rPr>
+              <a:t>OWL 2 validation</a:t>
+            </a:r>
+            <a:endParaRPr lang="en-US" sz="5400" smtClean="0">
+              <a:solidFill>
+                <a:schemeClr val="bg1"/>
+              </a:solidFill>
+              <a:latin typeface="Courier New" panose="02070309020205020404" pitchFamily="49" charset="0"/>
+              <a:cs typeface="Courier New" panose="02070309020205020404" pitchFamily="49" charset="0"/>
+            </a:endParaRPr>
+          </a:p>
+        </p:txBody>
+      </p:sp>
+      <p:sp>
+        <p:nvSpPr>
+          <p:cNvPr id="7" name="Inhaltsplatzhalter 2"/>
           <p:cNvSpPr>
             <a:spLocks noGrp="1"/>
           </p:cNvSpPr>
@@ -7407,31 +10943,205 @@
             <p:ph idx="1"/>
           </p:nvPr>
         </p:nvSpPr>
-        <p:spPr/>
-        <p:txBody>
-          <a:bodyPr/>
+        <p:spPr>
+          <a:xfrm>
+            <a:off x="457200" y="2215405"/>
+            <a:ext cx="8229600" cy="4525963"/>
+          </a:xfrm>
+        </p:spPr>
+        <p:txBody>
+          <a:bodyPr>
+            <a:normAutofit fontScale="92500" lnSpcReduction="10000"/>
+          </a:bodyPr>
           <a:lstStyle/>
           <a:p>
-            <a:endParaRPr lang="en-US"/>
+            <a:pPr marL="0" indent="0" algn="ctr">
+              <a:buNone/>
+            </a:pPr>
+            <a:r>
+              <a:rPr lang="de-DE" smtClean="0">
+                <a:solidFill>
+                  <a:schemeClr val="bg1"/>
+                </a:solidFill>
+                <a:latin typeface="Courier New" panose="02070309020205020404" pitchFamily="49" charset="0"/>
+                <a:cs typeface="Courier New" panose="02070309020205020404" pitchFamily="49" charset="0"/>
+              </a:rPr>
+              <a:t>OWL 2 specification</a:t>
+            </a:r>
+          </a:p>
+          <a:p>
+            <a:pPr marL="0" indent="0" algn="ctr">
+              <a:buNone/>
+            </a:pPr>
+            <a:r>
+              <a:rPr lang="de-DE" smtClean="0">
+                <a:solidFill>
+                  <a:schemeClr val="bg1"/>
+                </a:solidFill>
+                <a:latin typeface="Courier New" panose="02070309020205020404" pitchFamily="49" charset="0"/>
+                <a:cs typeface="Courier New" panose="02070309020205020404" pitchFamily="49" charset="0"/>
+                <a:hlinkClick r:id="rId3"/>
+              </a:rPr>
+              <a:t>http://www.w3.org/TR/owl2-syntax</a:t>
+            </a:r>
+            <a:endParaRPr lang="de-DE">
+              <a:solidFill>
+                <a:schemeClr val="bg1"/>
+              </a:solidFill>
+              <a:latin typeface="Courier New" panose="02070309020205020404" pitchFamily="49" charset="0"/>
+              <a:cs typeface="Courier New" panose="02070309020205020404" pitchFamily="49" charset="0"/>
+            </a:endParaRPr>
+          </a:p>
+          <a:p>
+            <a:pPr marL="0" indent="0" algn="ctr">
+              <a:buNone/>
+            </a:pPr>
+            <a:endParaRPr lang="de-DE">
+              <a:solidFill>
+                <a:schemeClr val="bg1"/>
+              </a:solidFill>
+              <a:latin typeface="Courier New" panose="02070309020205020404" pitchFamily="49" charset="0"/>
+              <a:cs typeface="Courier New" panose="02070309020205020404" pitchFamily="49" charset="0"/>
+            </a:endParaRPr>
+          </a:p>
+          <a:p>
+            <a:pPr marL="0" indent="0" algn="ctr">
+              <a:buNone/>
+            </a:pPr>
+            <a:r>
+              <a:rPr lang="de-DE" smtClean="0">
+                <a:solidFill>
+                  <a:schemeClr val="bg1"/>
+                </a:solidFill>
+                <a:latin typeface="Courier New" panose="02070309020205020404" pitchFamily="49" charset="0"/>
+                <a:cs typeface="Courier New" panose="02070309020205020404" pitchFamily="49" charset="0"/>
+              </a:rPr>
+              <a:t>SPIN mapping</a:t>
+            </a:r>
+            <a:endParaRPr lang="en-US" smtClean="0">
+              <a:solidFill>
+                <a:schemeClr val="bg1"/>
+              </a:solidFill>
+              <a:latin typeface="Courier New" panose="02070309020205020404" pitchFamily="49" charset="0"/>
+              <a:cs typeface="Courier New" panose="02070309020205020404" pitchFamily="49" charset="0"/>
+            </a:endParaRPr>
+          </a:p>
+          <a:p>
+            <a:pPr marL="0" indent="0" algn="ctr">
+              <a:buNone/>
+            </a:pPr>
+            <a:r>
+              <a:rPr lang="en-US" smtClean="0">
+                <a:solidFill>
+                  <a:schemeClr val="bg1"/>
+                </a:solidFill>
+                <a:latin typeface="Courier New" panose="02070309020205020404" pitchFamily="49" charset="0"/>
+                <a:cs typeface="Courier New" panose="02070309020205020404" pitchFamily="49" charset="0"/>
+                <a:hlinkClick r:id="rId4"/>
+              </a:rPr>
+              <a:t>https://github.com/boschthomas/OWL2-SPIN-Mapping</a:t>
+            </a:r>
+            <a:endParaRPr lang="en-US" smtClean="0">
+              <a:solidFill>
+                <a:schemeClr val="bg1"/>
+              </a:solidFill>
+              <a:latin typeface="Courier New" panose="02070309020205020404" pitchFamily="49" charset="0"/>
+              <a:cs typeface="Courier New" panose="02070309020205020404" pitchFamily="49" charset="0"/>
+            </a:endParaRPr>
+          </a:p>
+          <a:p>
+            <a:pPr marL="0" indent="0" algn="ctr">
+              <a:buNone/>
+            </a:pPr>
+            <a:endParaRPr lang="de-DE">
+              <a:solidFill>
+                <a:schemeClr val="bg1"/>
+              </a:solidFill>
+              <a:latin typeface="Courier New" panose="02070309020205020404" pitchFamily="49" charset="0"/>
+              <a:cs typeface="Courier New" panose="02070309020205020404" pitchFamily="49" charset="0"/>
+            </a:endParaRPr>
+          </a:p>
+          <a:p>
+            <a:pPr marL="0" indent="0" algn="ctr">
+              <a:buNone/>
+            </a:pPr>
+            <a:r>
+              <a:rPr lang="de-DE" smtClean="0">
+                <a:solidFill>
+                  <a:schemeClr val="bg1"/>
+                </a:solidFill>
+                <a:latin typeface="Courier New" panose="02070309020205020404" pitchFamily="49" charset="0"/>
+                <a:cs typeface="Courier New" panose="02070309020205020404" pitchFamily="49" charset="0"/>
+              </a:rPr>
+              <a:t>RDF Validator</a:t>
+            </a:r>
+          </a:p>
+          <a:p>
+            <a:pPr marL="0" indent="0" algn="ctr">
+              <a:buNone/>
+            </a:pPr>
+            <a:r>
+              <a:rPr lang="en-US" smtClean="0">
+                <a:solidFill>
+                  <a:schemeClr val="bg1"/>
+                </a:solidFill>
+                <a:latin typeface="Courier New" panose="02070309020205020404" pitchFamily="49" charset="0"/>
+                <a:cs typeface="Courier New" panose="02070309020205020404" pitchFamily="49" charset="0"/>
+                <a:hlinkClick r:id="rId5" action="ppaction://hlinkfile"/>
+              </a:rPr>
+              <a:t>purl.org/net/rdfval-demo</a:t>
+            </a:r>
+            <a:r>
+              <a:rPr lang="en-US" smtClean="0">
+                <a:solidFill>
+                  <a:schemeClr val="bg1"/>
+                </a:solidFill>
+                <a:latin typeface="Courier New" panose="02070309020205020404" pitchFamily="49" charset="0"/>
+                <a:cs typeface="Courier New" panose="02070309020205020404" pitchFamily="49" charset="0"/>
+              </a:rPr>
+              <a:t> </a:t>
+            </a:r>
+            <a:endParaRPr lang="en-US">
+              <a:solidFill>
+                <a:schemeClr val="bg1"/>
+              </a:solidFill>
+              <a:latin typeface="Courier New" panose="02070309020205020404" pitchFamily="49" charset="0"/>
+              <a:cs typeface="Courier New" panose="02070309020205020404" pitchFamily="49" charset="0"/>
+            </a:endParaRPr>
           </a:p>
         </p:txBody>
       </p:sp>
     </p:spTree>
     <p:extLst>
       <p:ext uri="{BB962C8B-B14F-4D97-AF65-F5344CB8AC3E}">
-        <p14:creationId xmlns:p14="http://schemas.microsoft.com/office/powerpoint/2010/main" val="941829138"/>
+        <p14:creationId xmlns:p14="http://schemas.microsoft.com/office/powerpoint/2010/main" val="2670413305"/>
       </p:ext>
     </p:extLst>
   </p:cSld>
   <p:clrMapOvr>
     <a:masterClrMapping/>
   </p:clrMapOvr>
+  <p:timing>
+    <p:tnLst>
+      <p:par>
+        <p:cTn id="1" dur="indefinite" restart="never" nodeType="tmRoot"/>
+      </p:par>
+    </p:tnLst>
+  </p:timing>
 </p:sld>
 </file>
 
 <file path=ppt/slides/slide4.xml><?xml version="1.0" encoding="utf-8"?>
 <p:sld xmlns:a="http://schemas.openxmlformats.org/drawingml/2006/main" xmlns:r="http://schemas.openxmlformats.org/officeDocument/2006/relationships" xmlns:p="http://schemas.openxmlformats.org/presentationml/2006/main">
   <p:cSld>
+    <p:bg>
+      <p:bgPr>
+        <a:solidFill>
+          <a:schemeClr val="tx1"/>
+        </a:solidFill>
+        <a:effectLst/>
+      </p:bgPr>
+    </p:bg>
     <p:spTree>
       <p:nvGrpSpPr>
         <p:cNvPr id="1" name=""/>
@@ -7456,66 +11166,113 @@
             <p:ph type="title"/>
           </p:nvPr>
         </p:nvSpPr>
-        <p:spPr/>
+        <p:spPr>
+          <a:xfrm>
+            <a:off x="457200" y="1637928"/>
+            <a:ext cx="8229600" cy="1143000"/>
+          </a:xfrm>
+        </p:spPr>
         <p:txBody>
           <a:bodyPr>
-            <a:normAutofit/>
+            <a:noAutofit/>
           </a:bodyPr>
           <a:lstStyle/>
           <a:p>
             <a:r>
-              <a:rPr lang="de-DE" sz="6000" b="1" smtClean="0"/>
-              <a:t>Why DDI as Linked Data?</a:t>
-            </a:r>
-            <a:endParaRPr lang="en-US" sz="6000" b="1"/>
-          </a:p>
-        </p:txBody>
-      </p:sp>
-      <p:pic>
-        <p:nvPicPr>
-          <p:cNvPr id="4" name="Picture 2" descr="C:\Daten\Studium\Promotion\workshops\2013\SemStats\presentation\figures\Why DDI as Linked Data_200dpi.png"/>
-          <p:cNvPicPr>
-            <a:picLocks noChangeAspect="1" noChangeArrowheads="1"/>
-          </p:cNvPicPr>
-          <p:nvPr/>
-        </p:nvPicPr>
-        <p:blipFill>
-          <a:blip r:embed="rId3">
-            <a:extLst>
-              <a:ext uri="{28A0092B-C50C-407E-A947-70E740481C1C}">
-                <a14:useLocalDpi xmlns:a14="http://schemas.microsoft.com/office/drawing/2010/main" val="0"/>
-              </a:ext>
-            </a:extLst>
-          </a:blip>
-          <a:srcRect/>
-          <a:stretch>
-            <a:fillRect/>
-          </a:stretch>
-        </p:blipFill>
-        <p:spPr bwMode="auto">
+              <a:rPr lang="en-US" sz="6000" smtClean="0">
+                <a:latin typeface="Courier New" panose="02070309020205020404" pitchFamily="49" charset="0"/>
+                <a:cs typeface="Courier New" panose="02070309020205020404" pitchFamily="49" charset="0"/>
+                <a:hlinkClick r:id="rId2"/>
+              </a:rPr>
+              <a:t>R-28-OBJECT-PROPERTY-RANGE</a:t>
+            </a:r>
+            <a:endParaRPr lang="en-US" sz="5400">
+              <a:latin typeface="Courier New" panose="02070309020205020404" pitchFamily="49" charset="0"/>
+              <a:cs typeface="Courier New" panose="02070309020205020404" pitchFamily="49" charset="0"/>
+            </a:endParaRPr>
+          </a:p>
+        </p:txBody>
+      </p:sp>
+      <p:sp>
+        <p:nvSpPr>
+          <p:cNvPr id="3" name="Inhaltsplatzhalter 2"/>
+          <p:cNvSpPr>
+            <a:spLocks noGrp="1"/>
+          </p:cNvSpPr>
+          <p:nvPr>
+            <p:ph idx="1"/>
+          </p:nvPr>
+        </p:nvSpPr>
+        <p:spPr>
           <a:xfrm>
-            <a:off x="0" y="1577619"/>
-            <a:ext cx="9144000" cy="5163749"/>
+            <a:off x="457200" y="4476253"/>
+            <a:ext cx="8229600" cy="2193107"/>
           </a:xfrm>
-          <a:prstGeom prst="rect">
-            <a:avLst/>
-          </a:prstGeom>
-          <a:noFill/>
-          <a:extLst>
-            <a:ext uri="{909E8E84-426E-40DD-AFC4-6F175D3DCCD1}">
-              <a14:hiddenFill xmlns:a14="http://schemas.microsoft.com/office/drawing/2010/main">
-                <a:solidFill>
-                  <a:srgbClr val="FFFFFF"/>
-                </a:solidFill>
-              </a14:hiddenFill>
-            </a:ext>
-          </a:extLst>
         </p:spPr>
-      </p:pic>
+        <p:txBody>
+          <a:bodyPr/>
+          <a:lstStyle/>
+          <a:p>
+            <a:pPr marL="0" indent="0" algn="ctr">
+              <a:buNone/>
+            </a:pPr>
+            <a:r>
+              <a:rPr lang="en-US" smtClean="0">
+                <a:solidFill>
+                  <a:srgbClr val="558ED5"/>
+                </a:solidFill>
+                <a:latin typeface="Courier New" panose="02070309020205020404" pitchFamily="49" charset="0"/>
+                <a:cs typeface="Courier New" panose="02070309020205020404" pitchFamily="49" charset="0"/>
+              </a:rPr>
+              <a:t>DSP</a:t>
+            </a:r>
+            <a:r>
+              <a:rPr lang="en-US" smtClean="0">
+                <a:solidFill>
+                  <a:schemeClr val="bg1"/>
+                </a:solidFill>
+                <a:latin typeface="Courier New" panose="02070309020205020404" pitchFamily="49" charset="0"/>
+                <a:cs typeface="Courier New" panose="02070309020205020404" pitchFamily="49" charset="0"/>
+              </a:rPr>
+              <a:t>, </a:t>
+            </a:r>
+            <a:r>
+              <a:rPr lang="en-US" smtClean="0">
+                <a:solidFill>
+                  <a:srgbClr val="558ED5"/>
+                </a:solidFill>
+                <a:latin typeface="Courier New" panose="02070309020205020404" pitchFamily="49" charset="0"/>
+                <a:cs typeface="Courier New" panose="02070309020205020404" pitchFamily="49" charset="0"/>
+              </a:rPr>
+              <a:t>OWL 2</a:t>
+            </a:r>
+            <a:r>
+              <a:rPr lang="en-US" smtClean="0">
+                <a:solidFill>
+                  <a:schemeClr val="bg1"/>
+                </a:solidFill>
+                <a:latin typeface="Courier New" panose="02070309020205020404" pitchFamily="49" charset="0"/>
+                <a:cs typeface="Courier New" panose="02070309020205020404" pitchFamily="49" charset="0"/>
+              </a:rPr>
+              <a:t>, SPIN</a:t>
+            </a:r>
+            <a:r>
+              <a:rPr lang="en-US">
+                <a:solidFill>
+                  <a:schemeClr val="bg1"/>
+                </a:solidFill>
+                <a:latin typeface="Courier New" panose="02070309020205020404" pitchFamily="49" charset="0"/>
+                <a:cs typeface="Courier New" panose="02070309020205020404" pitchFamily="49" charset="0"/>
+              </a:rPr>
+              <a:t>, SPARQL</a:t>
+            </a:r>
+          </a:p>
+        </p:txBody>
+      </p:sp>
     </p:spTree>
     <p:extLst>
       <p:ext uri="{BB962C8B-B14F-4D97-AF65-F5344CB8AC3E}">
-        <p14:creationId xmlns:p14="http://schemas.microsoft.com/office/powerpoint/2010/main" val="3256918215"/>
+        <p14:creationId xmlns:p14="http://schemas.microsoft.com/office/powerpoint/2010/main" val="587688337"/>
       </p:ext>
     </p:extLst>
   </p:cSld>
@@ -7535,6 +11292,14 @@
 <file path=ppt/slides/slide5.xml><?xml version="1.0" encoding="utf-8"?>
 <p:sld xmlns:a="http://schemas.openxmlformats.org/drawingml/2006/main" xmlns:r="http://schemas.openxmlformats.org/officeDocument/2006/relationships" xmlns:p="http://schemas.openxmlformats.org/presentationml/2006/main">
   <p:cSld>
+    <p:bg>
+      <p:bgPr>
+        <a:solidFill>
+          <a:schemeClr val="tx1"/>
+        </a:solidFill>
+        <a:effectLst/>
+      </p:bgPr>
+    </p:bg>
     <p:spTree>
       <p:nvGrpSpPr>
         <p:cNvPr id="1" name=""/>
@@ -7551,7 +11316,7 @@
       </p:grpSpPr>
       <p:sp>
         <p:nvSpPr>
-          <p:cNvPr id="2" name="Titel 1"/>
+          <p:cNvPr id="4" name="Titel 3"/>
           <p:cNvSpPr>
             <a:spLocks noGrp="1"/>
           </p:cNvSpPr>
@@ -7561,8 +11326,8 @@
         </p:nvSpPr>
         <p:spPr>
           <a:xfrm>
-            <a:off x="0" y="0"/>
-            <a:ext cx="9144000" cy="6858000"/>
+            <a:off x="457200" y="188640"/>
+            <a:ext cx="8229600" cy="1143000"/>
           </a:xfrm>
         </p:spPr>
         <p:txBody>
@@ -7572,67 +11337,559 @@
           <a:lstStyle/>
           <a:p>
             <a:r>
-              <a:rPr lang="de-DE" sz="6000"/>
-              <a:t>Where</a:t>
-            </a:r>
-            <a:r>
-              <a:rPr lang="de-DE" sz="6000" b="1"/>
+              <a:rPr lang="de-DE" sz="5400">
+                <a:solidFill>
+                  <a:schemeClr val="bg1"/>
+                </a:solidFill>
+                <a:latin typeface="Courier New" panose="02070309020205020404" pitchFamily="49" charset="0"/>
+                <a:cs typeface="Courier New" panose="02070309020205020404" pitchFamily="49" charset="0"/>
+              </a:rPr>
+              <a:t>c</a:t>
+            </a:r>
+            <a:r>
+              <a:rPr lang="de-DE" sz="5400" smtClean="0">
+                <a:solidFill>
+                  <a:schemeClr val="bg1"/>
+                </a:solidFill>
+                <a:latin typeface="Courier New" panose="02070309020205020404" pitchFamily="49" charset="0"/>
+                <a:cs typeface="Courier New" panose="02070309020205020404" pitchFamily="49" charset="0"/>
+              </a:rPr>
+              <a:t>onstraint (DSP)</a:t>
+            </a:r>
+            <a:endParaRPr lang="en-US" sz="5400">
+              <a:solidFill>
+                <a:schemeClr val="bg1"/>
+              </a:solidFill>
+              <a:latin typeface="Courier New" panose="02070309020205020404" pitchFamily="49" charset="0"/>
+              <a:cs typeface="Courier New" panose="02070309020205020404" pitchFamily="49" charset="0"/>
+            </a:endParaRPr>
+          </a:p>
+        </p:txBody>
+      </p:sp>
+      <p:sp>
+        <p:nvSpPr>
+          <p:cNvPr id="5" name="Inhaltsplatzhalter 4"/>
+          <p:cNvSpPr>
+            <a:spLocks noGrp="1"/>
+          </p:cNvSpPr>
+          <p:nvPr>
+            <p:ph idx="1"/>
+          </p:nvPr>
+        </p:nvSpPr>
+        <p:spPr>
+          <a:xfrm>
+            <a:off x="457200" y="1484784"/>
+            <a:ext cx="8229600" cy="5141168"/>
+          </a:xfrm>
+        </p:spPr>
+        <p:txBody>
+          <a:bodyPr>
+            <a:noAutofit/>
+          </a:bodyPr>
+          <a:lstStyle/>
+          <a:p>
+            <a:pPr marL="0" indent="0">
+              <a:buNone/>
+            </a:pPr>
+            <a:r>
+              <a:rPr lang="en-US" sz="2200">
+                <a:solidFill>
+                  <a:schemeClr val="bg1"/>
+                </a:solidFill>
+              </a:rPr>
               <a:t> </a:t>
             </a:r>
             <a:r>
-              <a:rPr lang="de-DE" smtClean="0"/>
-              <a:t/>
-            </a:r>
-            <a:br>
-              <a:rPr lang="de-DE" smtClean="0"/>
-            </a:br>
-            <a:r>
-              <a:rPr lang="de-DE" smtClean="0"/>
-              <a:t>to </a:t>
-            </a:r>
-            <a:r>
-              <a:rPr lang="de-DE" sz="8000" b="1"/>
-              <a:t>search</a:t>
-            </a:r>
-            <a:r>
-              <a:rPr lang="de-DE"/>
-              <a:t> for </a:t>
-            </a:r>
-            <a:r>
-              <a:rPr lang="de-DE" smtClean="0"/>
+              <a:rPr lang="en-US" sz="2200">
+                <a:solidFill>
+                  <a:schemeClr val="bg1"/>
+                </a:solidFill>
+                <a:latin typeface="Courier New" panose="02070309020205020404" pitchFamily="49" charset="0"/>
+                <a:cs typeface="Courier New" panose="02070309020205020404" pitchFamily="49" charset="0"/>
+              </a:rPr>
+              <a:t>:postalAddress</a:t>
+            </a:r>
+          </a:p>
+          <a:p>
+            <a:pPr marL="0" indent="0">
+              <a:buNone/>
+            </a:pPr>
+            <a:r>
+              <a:rPr lang="en-US" sz="2200">
+                <a:solidFill>
+                  <a:schemeClr val="bg1"/>
+                </a:solidFill>
+                <a:latin typeface="Courier New" panose="02070309020205020404" pitchFamily="49" charset="0"/>
+                <a:cs typeface="Courier New" panose="02070309020205020404" pitchFamily="49" charset="0"/>
+              </a:rPr>
               <a:t> </a:t>
             </a:r>
-            <a:br>
-              <a:rPr lang="de-DE" smtClean="0"/>
-            </a:br>
-            <a:r>
-              <a:rPr lang="de-DE" sz="13800" b="1" smtClean="0">
-                <a:solidFill>
-                  <a:srgbClr val="0000CC"/>
-                </a:solidFill>
-              </a:rPr>
-              <a:t>data</a:t>
-            </a:r>
-            <a:r>
-              <a:rPr lang="de-DE" sz="13800" b="1">
-                <a:solidFill>
-                  <a:srgbClr val="0000CC"/>
-                </a:solidFill>
-              </a:rPr>
-              <a:t>?</a:t>
-            </a:r>
-            <a:endParaRPr lang="en-US" sz="13800" b="1">
+            <a:r>
+              <a:rPr lang="en-US" sz="2200" smtClean="0">
+                <a:solidFill>
+                  <a:schemeClr val="bg1"/>
+                </a:solidFill>
+                <a:latin typeface="Courier New" panose="02070309020205020404" pitchFamily="49" charset="0"/>
+                <a:cs typeface="Courier New" panose="02070309020205020404" pitchFamily="49" charset="0"/>
+              </a:rPr>
+              <a:t>    a </a:t>
+            </a:r>
+            <a:r>
+              <a:rPr lang="en-US" sz="2200">
+                <a:solidFill>
+                  <a:schemeClr val="bg1"/>
+                </a:solidFill>
+                <a:latin typeface="Courier New" panose="02070309020205020404" pitchFamily="49" charset="0"/>
+                <a:cs typeface="Courier New" panose="02070309020205020404" pitchFamily="49" charset="0"/>
+              </a:rPr>
+              <a:t>dsp:DescriptionTemplate ;</a:t>
+            </a:r>
+          </a:p>
+          <a:p>
+            <a:pPr marL="0" indent="0">
+              <a:buNone/>
+            </a:pPr>
+            <a:r>
+              <a:rPr lang="en-US" sz="2200">
+                <a:solidFill>
+                  <a:schemeClr val="bg1"/>
+                </a:solidFill>
+                <a:latin typeface="Courier New" panose="02070309020205020404" pitchFamily="49" charset="0"/>
+                <a:cs typeface="Courier New" panose="02070309020205020404" pitchFamily="49" charset="0"/>
+              </a:rPr>
+              <a:t>     </a:t>
+            </a:r>
+            <a:r>
+              <a:rPr lang="en-US" sz="2200" smtClean="0">
+                <a:solidFill>
+                  <a:schemeClr val="bg1"/>
+                </a:solidFill>
+                <a:latin typeface="Courier New" panose="02070309020205020404" pitchFamily="49" charset="0"/>
+                <a:cs typeface="Courier New" panose="02070309020205020404" pitchFamily="49" charset="0"/>
+              </a:rPr>
+              <a:t>dsp:minOccur 1 ; </a:t>
+            </a:r>
+            <a:endParaRPr lang="en-US" sz="2200">
               <a:solidFill>
-                <a:srgbClr val="0000CC"/>
+                <a:schemeClr val="bg1"/>
               </a:solidFill>
+              <a:latin typeface="Courier New" panose="02070309020205020404" pitchFamily="49" charset="0"/>
+              <a:cs typeface="Courier New" panose="02070309020205020404" pitchFamily="49" charset="0"/>
             </a:endParaRPr>
+          </a:p>
+          <a:p>
+            <a:pPr marL="0" indent="0">
+              <a:buNone/>
+            </a:pPr>
+            <a:r>
+              <a:rPr lang="en-US" sz="2200">
+                <a:solidFill>
+                  <a:schemeClr val="bg1"/>
+                </a:solidFill>
+                <a:latin typeface="Courier New" panose="02070309020205020404" pitchFamily="49" charset="0"/>
+                <a:cs typeface="Courier New" panose="02070309020205020404" pitchFamily="49" charset="0"/>
+              </a:rPr>
+              <a:t>     </a:t>
+            </a:r>
+            <a:r>
+              <a:rPr lang="en-US" sz="2200" smtClean="0">
+                <a:solidFill>
+                  <a:schemeClr val="bg1"/>
+                </a:solidFill>
+                <a:latin typeface="Courier New" panose="02070309020205020404" pitchFamily="49" charset="0"/>
+                <a:cs typeface="Courier New" panose="02070309020205020404" pitchFamily="49" charset="0"/>
+              </a:rPr>
+              <a:t>dsp:maxOccur </a:t>
+            </a:r>
+            <a:r>
+              <a:rPr lang="en-US" sz="2200">
+                <a:solidFill>
+                  <a:schemeClr val="bg1"/>
+                </a:solidFill>
+                <a:latin typeface="Courier New" panose="02070309020205020404" pitchFamily="49" charset="0"/>
+                <a:cs typeface="Courier New" panose="02070309020205020404" pitchFamily="49" charset="0"/>
+              </a:rPr>
+              <a:t>"</a:t>
+            </a:r>
+            <a:r>
+              <a:rPr lang="en-US" sz="2200" smtClean="0">
+                <a:solidFill>
+                  <a:schemeClr val="bg1"/>
+                </a:solidFill>
+                <a:latin typeface="Courier New" panose="02070309020205020404" pitchFamily="49" charset="0"/>
+                <a:cs typeface="Courier New" panose="02070309020205020404" pitchFamily="49" charset="0"/>
+              </a:rPr>
+              <a:t>infinity” ; </a:t>
+            </a:r>
+            <a:endParaRPr lang="en-US" sz="2200">
+              <a:solidFill>
+                <a:schemeClr val="bg1"/>
+              </a:solidFill>
+              <a:latin typeface="Courier New" panose="02070309020205020404" pitchFamily="49" charset="0"/>
+              <a:cs typeface="Courier New" panose="02070309020205020404" pitchFamily="49" charset="0"/>
+            </a:endParaRPr>
+          </a:p>
+          <a:p>
+            <a:pPr marL="0" indent="0">
+              <a:buNone/>
+            </a:pPr>
+            <a:r>
+              <a:rPr lang="en-US" sz="2200">
+                <a:solidFill>
+                  <a:schemeClr val="bg1"/>
+                </a:solidFill>
+                <a:latin typeface="Courier New" panose="02070309020205020404" pitchFamily="49" charset="0"/>
+                <a:cs typeface="Courier New" panose="02070309020205020404" pitchFamily="49" charset="0"/>
+              </a:rPr>
+              <a:t>     </a:t>
+            </a:r>
+            <a:r>
+              <a:rPr lang="en-US" sz="2200" smtClean="0">
+                <a:solidFill>
+                  <a:schemeClr val="bg1"/>
+                </a:solidFill>
+                <a:latin typeface="Courier New" panose="02070309020205020404" pitchFamily="49" charset="0"/>
+                <a:cs typeface="Courier New" panose="02070309020205020404" pitchFamily="49" charset="0"/>
+              </a:rPr>
+              <a:t>dsp:resourceClass :PostalAddress </a:t>
+            </a:r>
+            <a:r>
+              <a:rPr lang="en-US" sz="2200">
+                <a:solidFill>
+                  <a:schemeClr val="bg1"/>
+                </a:solidFill>
+                <a:latin typeface="Courier New" panose="02070309020205020404" pitchFamily="49" charset="0"/>
+                <a:cs typeface="Courier New" panose="02070309020205020404" pitchFamily="49" charset="0"/>
+              </a:rPr>
+              <a:t>; </a:t>
+            </a:r>
+          </a:p>
+          <a:p>
+            <a:pPr marL="0" indent="0">
+              <a:buNone/>
+            </a:pPr>
+            <a:r>
+              <a:rPr lang="en-US" sz="2200">
+                <a:solidFill>
+                  <a:schemeClr val="bg1"/>
+                </a:solidFill>
+                <a:latin typeface="Courier New" panose="02070309020205020404" pitchFamily="49" charset="0"/>
+                <a:cs typeface="Courier New" panose="02070309020205020404" pitchFamily="49" charset="0"/>
+              </a:rPr>
+              <a:t>     </a:t>
+            </a:r>
+            <a:r>
+              <a:rPr lang="en-US" sz="2200" smtClean="0">
+                <a:solidFill>
+                  <a:schemeClr val="bg1"/>
+                </a:solidFill>
+                <a:latin typeface="Courier New" panose="02070309020205020404" pitchFamily="49" charset="0"/>
+                <a:cs typeface="Courier New" panose="02070309020205020404" pitchFamily="49" charset="0"/>
+              </a:rPr>
+              <a:t>dsp:statementTemplate </a:t>
+            </a:r>
+            <a:r>
+              <a:rPr lang="en-US" sz="2200">
+                <a:solidFill>
+                  <a:schemeClr val="bg1"/>
+                </a:solidFill>
+                <a:latin typeface="Courier New" panose="02070309020205020404" pitchFamily="49" charset="0"/>
+                <a:cs typeface="Courier New" panose="02070309020205020404" pitchFamily="49" charset="0"/>
+              </a:rPr>
+              <a:t>[</a:t>
+            </a:r>
+          </a:p>
+          <a:p>
+            <a:pPr marL="0" indent="0">
+              <a:buNone/>
+            </a:pPr>
+            <a:r>
+              <a:rPr lang="en-US" sz="2200">
+                <a:solidFill>
+                  <a:schemeClr val="bg1"/>
+                </a:solidFill>
+                <a:latin typeface="Courier New" panose="02070309020205020404" pitchFamily="49" charset="0"/>
+                <a:cs typeface="Courier New" panose="02070309020205020404" pitchFamily="49" charset="0"/>
+              </a:rPr>
+              <a:t>     </a:t>
+            </a:r>
+            <a:r>
+              <a:rPr lang="en-US" sz="2200" smtClean="0">
+                <a:solidFill>
+                  <a:schemeClr val="bg1"/>
+                </a:solidFill>
+                <a:latin typeface="Courier New" panose="02070309020205020404" pitchFamily="49" charset="0"/>
+                <a:cs typeface="Courier New" panose="02070309020205020404" pitchFamily="49" charset="0"/>
+              </a:rPr>
+              <a:t>    a </a:t>
+            </a:r>
+            <a:r>
+              <a:rPr lang="en-US" sz="2200">
+                <a:solidFill>
+                  <a:schemeClr val="bg1"/>
+                </a:solidFill>
+                <a:latin typeface="Courier New" panose="02070309020205020404" pitchFamily="49" charset="0"/>
+                <a:cs typeface="Courier New" panose="02070309020205020404" pitchFamily="49" charset="0"/>
+              </a:rPr>
+              <a:t>dsp:NonLiteralStatementTemplate ;</a:t>
+            </a:r>
+          </a:p>
+          <a:p>
+            <a:pPr marL="0" indent="0">
+              <a:buNone/>
+            </a:pPr>
+            <a:r>
+              <a:rPr lang="en-US" sz="2200">
+                <a:solidFill>
+                  <a:schemeClr val="bg1"/>
+                </a:solidFill>
+                <a:latin typeface="Courier New" panose="02070309020205020404" pitchFamily="49" charset="0"/>
+                <a:cs typeface="Courier New" panose="02070309020205020404" pitchFamily="49" charset="0"/>
+              </a:rPr>
+              <a:t>         </a:t>
+            </a:r>
+            <a:r>
+              <a:rPr lang="en-US" sz="2200" smtClean="0">
+                <a:solidFill>
+                  <a:schemeClr val="bg1"/>
+                </a:solidFill>
+                <a:latin typeface="Courier New" panose="02070309020205020404" pitchFamily="49" charset="0"/>
+                <a:cs typeface="Courier New" panose="02070309020205020404" pitchFamily="49" charset="0"/>
+              </a:rPr>
+              <a:t>dsp:minOccur 1 </a:t>
+            </a:r>
+            <a:r>
+              <a:rPr lang="en-US" sz="2200">
+                <a:solidFill>
+                  <a:schemeClr val="bg1"/>
+                </a:solidFill>
+                <a:latin typeface="Courier New" panose="02070309020205020404" pitchFamily="49" charset="0"/>
+                <a:cs typeface="Courier New" panose="02070309020205020404" pitchFamily="49" charset="0"/>
+              </a:rPr>
+              <a:t>; </a:t>
+            </a:r>
+          </a:p>
+          <a:p>
+            <a:pPr marL="0" indent="0">
+              <a:buNone/>
+            </a:pPr>
+            <a:r>
+              <a:rPr lang="en-US" sz="2200">
+                <a:solidFill>
+                  <a:schemeClr val="bg1"/>
+                </a:solidFill>
+                <a:latin typeface="Courier New" panose="02070309020205020404" pitchFamily="49" charset="0"/>
+                <a:cs typeface="Courier New" panose="02070309020205020404" pitchFamily="49" charset="0"/>
+              </a:rPr>
+              <a:t>         </a:t>
+            </a:r>
+            <a:r>
+              <a:rPr lang="en-US" sz="2200" smtClean="0">
+                <a:solidFill>
+                  <a:schemeClr val="bg1"/>
+                </a:solidFill>
+                <a:latin typeface="Courier New" panose="02070309020205020404" pitchFamily="49" charset="0"/>
+                <a:cs typeface="Courier New" panose="02070309020205020404" pitchFamily="49" charset="0"/>
+              </a:rPr>
+              <a:t>dsp:maxOccur </a:t>
+            </a:r>
+            <a:r>
+              <a:rPr lang="en-US" sz="2200">
+                <a:solidFill>
+                  <a:schemeClr val="bg1"/>
+                </a:solidFill>
+                <a:latin typeface="Courier New" panose="02070309020205020404" pitchFamily="49" charset="0"/>
+                <a:cs typeface="Courier New" panose="02070309020205020404" pitchFamily="49" charset="0"/>
+              </a:rPr>
+              <a:t>"infinity</a:t>
+            </a:r>
+            <a:r>
+              <a:rPr lang="en-US" sz="2200" smtClean="0">
+                <a:solidFill>
+                  <a:schemeClr val="bg1"/>
+                </a:solidFill>
+                <a:latin typeface="Courier New" panose="02070309020205020404" pitchFamily="49" charset="0"/>
+                <a:cs typeface="Courier New" panose="02070309020205020404" pitchFamily="49" charset="0"/>
+              </a:rPr>
+              <a:t>" </a:t>
+            </a:r>
+            <a:r>
+              <a:rPr lang="en-US" sz="2200">
+                <a:solidFill>
+                  <a:schemeClr val="bg1"/>
+                </a:solidFill>
+                <a:latin typeface="Courier New" panose="02070309020205020404" pitchFamily="49" charset="0"/>
+                <a:cs typeface="Courier New" panose="02070309020205020404" pitchFamily="49" charset="0"/>
+              </a:rPr>
+              <a:t>; </a:t>
+            </a:r>
+          </a:p>
+          <a:p>
+            <a:pPr marL="0" indent="0">
+              <a:buNone/>
+            </a:pPr>
+            <a:r>
+              <a:rPr lang="en-US" sz="2200">
+                <a:solidFill>
+                  <a:schemeClr val="bg1"/>
+                </a:solidFill>
+                <a:latin typeface="Courier New" panose="02070309020205020404" pitchFamily="49" charset="0"/>
+                <a:cs typeface="Courier New" panose="02070309020205020404" pitchFamily="49" charset="0"/>
+              </a:rPr>
+              <a:t>         </a:t>
+            </a:r>
+            <a:r>
+              <a:rPr lang="en-US" sz="2200" smtClean="0">
+                <a:solidFill>
+                  <a:schemeClr val="bg1"/>
+                </a:solidFill>
+                <a:latin typeface="Courier New" panose="02070309020205020404" pitchFamily="49" charset="0"/>
+                <a:cs typeface="Courier New" panose="02070309020205020404" pitchFamily="49" charset="0"/>
+              </a:rPr>
+              <a:t>dsp:property </a:t>
+            </a:r>
+            <a:r>
+              <a:rPr lang="en-US" sz="2200" smtClean="0">
+                <a:solidFill>
+                  <a:srgbClr val="558ED5"/>
+                </a:solidFill>
+                <a:latin typeface="Courier New" panose="02070309020205020404" pitchFamily="49" charset="0"/>
+                <a:cs typeface="Courier New" panose="02070309020205020404" pitchFamily="49" charset="0"/>
+              </a:rPr>
+              <a:t>:addressCountry </a:t>
+            </a:r>
+            <a:r>
+              <a:rPr lang="en-US" sz="2200">
+                <a:solidFill>
+                  <a:schemeClr val="bg1"/>
+                </a:solidFill>
+                <a:latin typeface="Courier New" panose="02070309020205020404" pitchFamily="49" charset="0"/>
+                <a:cs typeface="Courier New" panose="02070309020205020404" pitchFamily="49" charset="0"/>
+              </a:rPr>
+              <a:t>; </a:t>
+            </a:r>
+          </a:p>
+          <a:p>
+            <a:pPr marL="0" indent="0">
+              <a:buNone/>
+            </a:pPr>
+            <a:r>
+              <a:rPr lang="en-US" sz="2200">
+                <a:solidFill>
+                  <a:schemeClr val="bg1"/>
+                </a:solidFill>
+                <a:latin typeface="Courier New" panose="02070309020205020404" pitchFamily="49" charset="0"/>
+                <a:cs typeface="Courier New" panose="02070309020205020404" pitchFamily="49" charset="0"/>
+              </a:rPr>
+              <a:t>        </a:t>
+            </a:r>
+            <a:r>
+              <a:rPr lang="en-US" sz="2200" smtClean="0">
+                <a:solidFill>
+                  <a:schemeClr val="bg1"/>
+                </a:solidFill>
+                <a:latin typeface="Courier New" panose="02070309020205020404" pitchFamily="49" charset="0"/>
+                <a:cs typeface="Courier New" panose="02070309020205020404" pitchFamily="49" charset="0"/>
+              </a:rPr>
+              <a:t> dsp:nonLiteralConstraint </a:t>
+            </a:r>
+            <a:r>
+              <a:rPr lang="en-US" sz="2200">
+                <a:solidFill>
+                  <a:schemeClr val="bg1"/>
+                </a:solidFill>
+                <a:latin typeface="Courier New" panose="02070309020205020404" pitchFamily="49" charset="0"/>
+                <a:cs typeface="Courier New" panose="02070309020205020404" pitchFamily="49" charset="0"/>
+              </a:rPr>
+              <a:t>[ </a:t>
+            </a:r>
+          </a:p>
+          <a:p>
+            <a:pPr marL="0" indent="0">
+              <a:buNone/>
+            </a:pPr>
+            <a:r>
+              <a:rPr lang="en-US" sz="2200">
+                <a:solidFill>
+                  <a:schemeClr val="bg1"/>
+                </a:solidFill>
+                <a:latin typeface="Courier New" panose="02070309020205020404" pitchFamily="49" charset="0"/>
+                <a:cs typeface="Courier New" panose="02070309020205020404" pitchFamily="49" charset="0"/>
+              </a:rPr>
+              <a:t>         </a:t>
+            </a:r>
+            <a:r>
+              <a:rPr lang="en-US" sz="2200" smtClean="0">
+                <a:solidFill>
+                  <a:schemeClr val="bg1"/>
+                </a:solidFill>
+                <a:latin typeface="Courier New" panose="02070309020205020404" pitchFamily="49" charset="0"/>
+                <a:cs typeface="Courier New" panose="02070309020205020404" pitchFamily="49" charset="0"/>
+              </a:rPr>
+              <a:t>    a </a:t>
+            </a:r>
+            <a:r>
+              <a:rPr lang="en-US" sz="2200">
+                <a:solidFill>
+                  <a:schemeClr val="bg1"/>
+                </a:solidFill>
+                <a:latin typeface="Courier New" panose="02070309020205020404" pitchFamily="49" charset="0"/>
+                <a:cs typeface="Courier New" panose="02070309020205020404" pitchFamily="49" charset="0"/>
+              </a:rPr>
+              <a:t>dsp:NonLiteralConstraint ;</a:t>
+            </a:r>
+          </a:p>
+          <a:p>
+            <a:pPr marL="0" indent="0">
+              <a:buNone/>
+            </a:pPr>
+            <a:r>
+              <a:rPr lang="en-US" sz="2200">
+                <a:solidFill>
+                  <a:schemeClr val="bg1"/>
+                </a:solidFill>
+                <a:latin typeface="Courier New" panose="02070309020205020404" pitchFamily="49" charset="0"/>
+                <a:cs typeface="Courier New" panose="02070309020205020404" pitchFamily="49" charset="0"/>
+              </a:rPr>
+              <a:t>             </a:t>
+            </a:r>
+            <a:r>
+              <a:rPr lang="en-US" sz="2200" smtClean="0">
+                <a:solidFill>
+                  <a:schemeClr val="bg1"/>
+                </a:solidFill>
+                <a:latin typeface="Courier New" panose="02070309020205020404" pitchFamily="49" charset="0"/>
+                <a:cs typeface="Courier New" panose="02070309020205020404" pitchFamily="49" charset="0"/>
+              </a:rPr>
+              <a:t>dsp:valueClass </a:t>
+            </a:r>
+            <a:r>
+              <a:rPr lang="en-US" sz="2200" smtClean="0">
+                <a:solidFill>
+                  <a:srgbClr val="558ED5"/>
+                </a:solidFill>
+                <a:latin typeface="Courier New" panose="02070309020205020404" pitchFamily="49" charset="0"/>
+                <a:cs typeface="Courier New" panose="02070309020205020404" pitchFamily="49" charset="0"/>
+              </a:rPr>
+              <a:t>:Country </a:t>
+            </a:r>
+            <a:r>
+              <a:rPr lang="en-US" sz="2200">
+                <a:solidFill>
+                  <a:schemeClr val="bg1"/>
+                </a:solidFill>
+                <a:latin typeface="Courier New" panose="02070309020205020404" pitchFamily="49" charset="0"/>
+                <a:cs typeface="Courier New" panose="02070309020205020404" pitchFamily="49" charset="0"/>
+              </a:rPr>
+              <a:t>] ] .</a:t>
+            </a:r>
           </a:p>
         </p:txBody>
       </p:sp>
     </p:spTree>
     <p:extLst>
       <p:ext uri="{BB962C8B-B14F-4D97-AF65-F5344CB8AC3E}">
-        <p14:creationId xmlns:p14="http://schemas.microsoft.com/office/powerpoint/2010/main" val="2830776579"/>
+        <p14:creationId xmlns:p14="http://schemas.microsoft.com/office/powerpoint/2010/main" val="2419786353"/>
       </p:ext>
     </p:extLst>
   </p:cSld>
@@ -7652,6 +11909,14 @@
 <file path=ppt/slides/slide6.xml><?xml version="1.0" encoding="utf-8"?>
 <p:sld xmlns:a="http://schemas.openxmlformats.org/drawingml/2006/main" xmlns:r="http://schemas.openxmlformats.org/officeDocument/2006/relationships" xmlns:p="http://schemas.openxmlformats.org/presentationml/2006/main">
   <p:cSld>
+    <p:bg>
+      <p:bgPr>
+        <a:solidFill>
+          <a:schemeClr val="tx1"/>
+        </a:solidFill>
+        <a:effectLst/>
+      </p:bgPr>
+    </p:bg>
     <p:spTree>
       <p:nvGrpSpPr>
         <p:cNvPr id="1" name=""/>
@@ -7668,74 +11933,996 @@
       </p:grpSpPr>
       <p:sp>
         <p:nvSpPr>
-          <p:cNvPr id="2" name="Titel 1"/>
-          <p:cNvSpPr>
-            <a:spLocks noGrp="1"/>
-          </p:cNvSpPr>
-          <p:nvPr>
-            <p:ph type="title"/>
-          </p:nvPr>
-        </p:nvSpPr>
-        <p:spPr/>
+          <p:cNvPr id="5" name="Inhaltsplatzhalter 4"/>
+          <p:cNvSpPr>
+            <a:spLocks noGrp="1"/>
+          </p:cNvSpPr>
+          <p:nvPr>
+            <p:ph idx="1"/>
+          </p:nvPr>
+        </p:nvSpPr>
+        <p:spPr>
+          <a:xfrm>
+            <a:off x="457200" y="476672"/>
+            <a:ext cx="8229600" cy="5649491"/>
+          </a:xfrm>
+        </p:spPr>
         <p:txBody>
           <a:bodyPr>
             <a:normAutofit/>
           </a:bodyPr>
           <a:lstStyle/>
           <a:p>
-            <a:r>
-              <a:rPr lang="de-DE" sz="4800" b="1" smtClean="0"/>
-              <a:t>Thank you for your attention…</a:t>
-            </a:r>
-            <a:endParaRPr lang="en-US" sz="4800" b="1"/>
-          </a:p>
-        </p:txBody>
-      </p:sp>
-      <p:pic>
-        <p:nvPicPr>
-          <p:cNvPr id="7" name="Picture 2" descr="C:\Daten\Studium\Promotion\workshops\2013\SemStats\presentation\figures\Contact_200dpi.png"/>
-          <p:cNvPicPr>
-            <a:picLocks noChangeAspect="1" noChangeArrowheads="1"/>
-          </p:cNvPicPr>
-          <p:nvPr/>
-        </p:nvPicPr>
-        <p:blipFill>
-          <a:blip r:embed="rId2">
-            <a:extLst>
-              <a:ext uri="{28A0092B-C50C-407E-A947-70E740481C1C}">
-                <a14:useLocalDpi xmlns:a14="http://schemas.microsoft.com/office/drawing/2010/main" val="0"/>
-              </a:ext>
-            </a:extLst>
-          </a:blip>
-          <a:srcRect/>
-          <a:stretch>
-            <a:fillRect/>
-          </a:stretch>
-        </p:blipFill>
-        <p:spPr bwMode="auto">
-          <a:xfrm>
-            <a:off x="-18356" y="2348880"/>
-            <a:ext cx="9196087" cy="3470076"/>
-          </a:xfrm>
-          <a:prstGeom prst="rect">
-            <a:avLst/>
-          </a:prstGeom>
-          <a:noFill/>
-          <a:extLst>
-            <a:ext uri="{909E8E84-426E-40DD-AFC4-6F175D3DCCD1}">
-              <a14:hiddenFill xmlns:a14="http://schemas.microsoft.com/office/drawing/2010/main">
-                <a:solidFill>
-                  <a:srgbClr val="FFFFFF"/>
-                </a:solidFill>
-              </a14:hiddenFill>
-            </a:ext>
-          </a:extLst>
-        </p:spPr>
-      </p:pic>
+            <a:pPr marL="0" indent="0" algn="ctr">
+              <a:buNone/>
+            </a:pPr>
+            <a:r>
+              <a:rPr lang="de-DE" sz="6000">
+                <a:solidFill>
+                  <a:schemeClr val="bg1"/>
+                </a:solidFill>
+                <a:latin typeface="Courier New" panose="02070309020205020404" pitchFamily="49" charset="0"/>
+                <a:cs typeface="Courier New" panose="02070309020205020404" pitchFamily="49" charset="0"/>
+              </a:rPr>
+              <a:t>valid </a:t>
+            </a:r>
+            <a:r>
+              <a:rPr lang="de-DE" sz="6000" smtClean="0">
+                <a:solidFill>
+                  <a:schemeClr val="bg1"/>
+                </a:solidFill>
+                <a:latin typeface="Courier New" panose="02070309020205020404" pitchFamily="49" charset="0"/>
+                <a:cs typeface="Courier New" panose="02070309020205020404" pitchFamily="49" charset="0"/>
+              </a:rPr>
+              <a:t>data</a:t>
+            </a:r>
+          </a:p>
+          <a:p>
+            <a:pPr marL="0" indent="0" algn="ctr">
+              <a:buNone/>
+            </a:pPr>
+            <a:endParaRPr lang="de-DE" sz="2000" smtClean="0">
+              <a:solidFill>
+                <a:schemeClr val="bg1"/>
+              </a:solidFill>
+              <a:latin typeface="Courier New" panose="02070309020205020404" pitchFamily="49" charset="0"/>
+              <a:cs typeface="Courier New" panose="02070309020205020404" pitchFamily="49" charset="0"/>
+            </a:endParaRPr>
+          </a:p>
+          <a:p>
+            <a:pPr marL="0" indent="0" algn="ctr">
+              <a:buNone/>
+            </a:pPr>
+            <a:endParaRPr lang="en-US" sz="2000" smtClean="0">
+              <a:solidFill>
+                <a:schemeClr val="bg1"/>
+              </a:solidFill>
+              <a:latin typeface="Courier New" panose="02070309020205020404" pitchFamily="49" charset="0"/>
+              <a:cs typeface="Courier New" panose="02070309020205020404" pitchFamily="49" charset="0"/>
+            </a:endParaRPr>
+          </a:p>
+          <a:p>
+            <a:pPr marL="0" indent="0">
+              <a:buNone/>
+            </a:pPr>
+            <a:r>
+              <a:rPr lang="en-US" sz="2800" smtClean="0">
+                <a:solidFill>
+                  <a:schemeClr val="bg1"/>
+                </a:solidFill>
+                <a:latin typeface="Courier New" panose="02070309020205020404" pitchFamily="49" charset="0"/>
+                <a:cs typeface="Courier New" panose="02070309020205020404" pitchFamily="49" charset="0"/>
+              </a:rPr>
+              <a:t>:myAddress </a:t>
+            </a:r>
+            <a:endParaRPr lang="en-US" sz="2800">
+              <a:solidFill>
+                <a:schemeClr val="bg1"/>
+              </a:solidFill>
+              <a:latin typeface="Courier New" panose="02070309020205020404" pitchFamily="49" charset="0"/>
+              <a:cs typeface="Courier New" panose="02070309020205020404" pitchFamily="49" charset="0"/>
+            </a:endParaRPr>
+          </a:p>
+          <a:p>
+            <a:pPr marL="0" indent="0">
+              <a:buNone/>
+            </a:pPr>
+            <a:r>
+              <a:rPr lang="en-US" sz="2800" smtClean="0">
+                <a:solidFill>
+                  <a:schemeClr val="bg1"/>
+                </a:solidFill>
+                <a:latin typeface="Courier New" panose="02070309020205020404" pitchFamily="49" charset="0"/>
+                <a:cs typeface="Courier New" panose="02070309020205020404" pitchFamily="49" charset="0"/>
+              </a:rPr>
+              <a:t>    a :PostalAddress ;</a:t>
+            </a:r>
+            <a:endParaRPr lang="en-US" sz="2800">
+              <a:solidFill>
+                <a:schemeClr val="bg1"/>
+              </a:solidFill>
+              <a:latin typeface="Courier New" panose="02070309020205020404" pitchFamily="49" charset="0"/>
+              <a:cs typeface="Courier New" panose="02070309020205020404" pitchFamily="49" charset="0"/>
+            </a:endParaRPr>
+          </a:p>
+          <a:p>
+            <a:pPr marL="0" indent="0">
+              <a:buNone/>
+            </a:pPr>
+            <a:r>
+              <a:rPr lang="en-US" sz="2800">
+                <a:solidFill>
+                  <a:schemeClr val="bg1"/>
+                </a:solidFill>
+                <a:latin typeface="Courier New" panose="02070309020205020404" pitchFamily="49" charset="0"/>
+                <a:cs typeface="Courier New" panose="02070309020205020404" pitchFamily="49" charset="0"/>
+              </a:rPr>
+              <a:t> </a:t>
+            </a:r>
+            <a:r>
+              <a:rPr lang="en-US" sz="2800" smtClean="0">
+                <a:solidFill>
+                  <a:schemeClr val="bg1"/>
+                </a:solidFill>
+                <a:latin typeface="Courier New" panose="02070309020205020404" pitchFamily="49" charset="0"/>
+                <a:cs typeface="Courier New" panose="02070309020205020404" pitchFamily="49" charset="0"/>
+              </a:rPr>
+              <a:t>   :addressCountry :netherlands </a:t>
+            </a:r>
+            <a:r>
+              <a:rPr lang="en-US" sz="2800">
+                <a:solidFill>
+                  <a:schemeClr val="bg1"/>
+                </a:solidFill>
+                <a:latin typeface="Courier New" panose="02070309020205020404" pitchFamily="49" charset="0"/>
+                <a:cs typeface="Courier New" panose="02070309020205020404" pitchFamily="49" charset="0"/>
+              </a:rPr>
+              <a:t>.</a:t>
+            </a:r>
+          </a:p>
+          <a:p>
+            <a:pPr marL="0" indent="0">
+              <a:buNone/>
+            </a:pPr>
+            <a:r>
+              <a:rPr lang="en-US" sz="2800" smtClean="0">
+                <a:solidFill>
+                  <a:schemeClr val="bg1"/>
+                </a:solidFill>
+                <a:latin typeface="Courier New" panose="02070309020205020404" pitchFamily="49" charset="0"/>
+                <a:cs typeface="Courier New" panose="02070309020205020404" pitchFamily="49" charset="0"/>
+              </a:rPr>
+              <a:t>:netherlands </a:t>
+            </a:r>
+            <a:r>
+              <a:rPr lang="en-US" sz="2800">
+                <a:solidFill>
+                  <a:schemeClr val="bg1"/>
+                </a:solidFill>
+                <a:latin typeface="Courier New" panose="02070309020205020404" pitchFamily="49" charset="0"/>
+                <a:cs typeface="Courier New" panose="02070309020205020404" pitchFamily="49" charset="0"/>
+              </a:rPr>
+              <a:t>a</a:t>
+            </a:r>
+            <a:r>
+              <a:rPr lang="en-US" sz="2800" smtClean="0">
+                <a:solidFill>
+                  <a:schemeClr val="bg1"/>
+                </a:solidFill>
+                <a:latin typeface="Courier New" panose="02070309020205020404" pitchFamily="49" charset="0"/>
+                <a:cs typeface="Courier New" panose="02070309020205020404" pitchFamily="49" charset="0"/>
+              </a:rPr>
+              <a:t> :Country .</a:t>
+            </a:r>
+          </a:p>
+        </p:txBody>
+      </p:sp>
     </p:spTree>
     <p:extLst>
       <p:ext uri="{BB962C8B-B14F-4D97-AF65-F5344CB8AC3E}">
-        <p14:creationId xmlns:p14="http://schemas.microsoft.com/office/powerpoint/2010/main" val="969591520"/>
+        <p14:creationId xmlns:p14="http://schemas.microsoft.com/office/powerpoint/2010/main" val="3776030707"/>
+      </p:ext>
+    </p:extLst>
+  </p:cSld>
+  <p:clrMapOvr>
+    <a:masterClrMapping/>
+  </p:clrMapOvr>
+  <p:timing>
+    <p:tnLst>
+      <p:par>
+        <p:cTn id="1" dur="indefinite" restart="never" nodeType="tmRoot"/>
+      </p:par>
+    </p:tnLst>
+  </p:timing>
+</p:sld>
+</file>
+
+<file path=ppt/slides/slide7.xml><?xml version="1.0" encoding="utf-8"?>
+<p:sld xmlns:a="http://schemas.openxmlformats.org/drawingml/2006/main" xmlns:r="http://schemas.openxmlformats.org/officeDocument/2006/relationships" xmlns:p="http://schemas.openxmlformats.org/presentationml/2006/main">
+  <p:cSld>
+    <p:bg>
+      <p:bgPr>
+        <a:solidFill>
+          <a:schemeClr val="tx1"/>
+        </a:solidFill>
+        <a:effectLst/>
+      </p:bgPr>
+    </p:bg>
+    <p:spTree>
+      <p:nvGrpSpPr>
+        <p:cNvPr id="1" name=""/>
+        <p:cNvGrpSpPr/>
+        <p:nvPr/>
+      </p:nvGrpSpPr>
+      <p:grpSpPr>
+        <a:xfrm>
+          <a:off x="0" y="0"/>
+          <a:ext cx="0" cy="0"/>
+          <a:chOff x="0" y="0"/>
+          <a:chExt cx="0" cy="0"/>
+        </a:xfrm>
+      </p:grpSpPr>
+      <p:sp>
+        <p:nvSpPr>
+          <p:cNvPr id="5" name="Inhaltsplatzhalter 4"/>
+          <p:cNvSpPr>
+            <a:spLocks noGrp="1"/>
+          </p:cNvSpPr>
+          <p:nvPr>
+            <p:ph idx="1"/>
+          </p:nvPr>
+        </p:nvSpPr>
+        <p:spPr>
+          <a:xfrm>
+            <a:off x="457200" y="476672"/>
+            <a:ext cx="8229600" cy="5649491"/>
+          </a:xfrm>
+        </p:spPr>
+        <p:txBody>
+          <a:bodyPr>
+            <a:normAutofit/>
+          </a:bodyPr>
+          <a:lstStyle/>
+          <a:p>
+            <a:pPr marL="0" indent="0" algn="ctr">
+              <a:buNone/>
+            </a:pPr>
+            <a:r>
+              <a:rPr lang="de-DE" sz="5400" smtClean="0">
+                <a:solidFill>
+                  <a:schemeClr val="bg1"/>
+                </a:solidFill>
+                <a:latin typeface="Courier New" panose="02070309020205020404" pitchFamily="49" charset="0"/>
+                <a:cs typeface="Courier New" panose="02070309020205020404" pitchFamily="49" charset="0"/>
+              </a:rPr>
+              <a:t>invalid </a:t>
+            </a:r>
+            <a:r>
+              <a:rPr lang="de-DE" sz="5400">
+                <a:solidFill>
+                  <a:schemeClr val="bg1"/>
+                </a:solidFill>
+                <a:latin typeface="Courier New" panose="02070309020205020404" pitchFamily="49" charset="0"/>
+                <a:cs typeface="Courier New" panose="02070309020205020404" pitchFamily="49" charset="0"/>
+              </a:rPr>
+              <a:t>data</a:t>
+            </a:r>
+          </a:p>
+          <a:p>
+            <a:pPr marL="0" indent="0" algn="ctr">
+              <a:buNone/>
+            </a:pPr>
+            <a:endParaRPr lang="de-DE" sz="2000" smtClean="0">
+              <a:solidFill>
+                <a:schemeClr val="bg1"/>
+              </a:solidFill>
+              <a:cs typeface="Courier New" panose="02070309020205020404" pitchFamily="49" charset="0"/>
+            </a:endParaRPr>
+          </a:p>
+          <a:p>
+            <a:pPr marL="0" indent="0" algn="ctr">
+              <a:buNone/>
+            </a:pPr>
+            <a:endParaRPr lang="en-US" sz="2000">
+              <a:solidFill>
+                <a:schemeClr val="bg1"/>
+              </a:solidFill>
+              <a:cs typeface="Courier New" panose="02070309020205020404" pitchFamily="49" charset="0"/>
+            </a:endParaRPr>
+          </a:p>
+          <a:p>
+            <a:pPr marL="0" indent="0">
+              <a:buNone/>
+            </a:pPr>
+            <a:r>
+              <a:rPr lang="en-US" sz="2400" smtClean="0">
+                <a:solidFill>
+                  <a:schemeClr val="bg1"/>
+                </a:solidFill>
+                <a:latin typeface="Courier New" panose="02070309020205020404" pitchFamily="49" charset="0"/>
+                <a:cs typeface="Courier New" panose="02070309020205020404" pitchFamily="49" charset="0"/>
+              </a:rPr>
+              <a:t>:myAddress </a:t>
+            </a:r>
+          </a:p>
+          <a:p>
+            <a:pPr marL="0" indent="0">
+              <a:buNone/>
+            </a:pPr>
+            <a:r>
+              <a:rPr lang="en-US" sz="2400">
+                <a:solidFill>
+                  <a:schemeClr val="bg1"/>
+                </a:solidFill>
+                <a:latin typeface="Courier New" panose="02070309020205020404" pitchFamily="49" charset="0"/>
+                <a:cs typeface="Courier New" panose="02070309020205020404" pitchFamily="49" charset="0"/>
+              </a:rPr>
+              <a:t> </a:t>
+            </a:r>
+            <a:r>
+              <a:rPr lang="en-US" sz="2400" smtClean="0">
+                <a:solidFill>
+                  <a:schemeClr val="bg1"/>
+                </a:solidFill>
+                <a:latin typeface="Courier New" panose="02070309020205020404" pitchFamily="49" charset="0"/>
+                <a:cs typeface="Courier New" panose="02070309020205020404" pitchFamily="49" charset="0"/>
+              </a:rPr>
+              <a:t>   a :PostalAddress </a:t>
+            </a:r>
+            <a:r>
+              <a:rPr lang="en-US" sz="2400">
+                <a:solidFill>
+                  <a:schemeClr val="bg1"/>
+                </a:solidFill>
+                <a:latin typeface="Courier New" panose="02070309020205020404" pitchFamily="49" charset="0"/>
+                <a:cs typeface="Courier New" panose="02070309020205020404" pitchFamily="49" charset="0"/>
+              </a:rPr>
+              <a:t>;</a:t>
+            </a:r>
+          </a:p>
+          <a:p>
+            <a:pPr marL="0" indent="0">
+              <a:buNone/>
+            </a:pPr>
+            <a:r>
+              <a:rPr lang="en-US" sz="2400">
+                <a:solidFill>
+                  <a:schemeClr val="bg1"/>
+                </a:solidFill>
+                <a:latin typeface="Courier New" panose="02070309020205020404" pitchFamily="49" charset="0"/>
+                <a:cs typeface="Courier New" panose="02070309020205020404" pitchFamily="49" charset="0"/>
+              </a:rPr>
+              <a:t> </a:t>
+            </a:r>
+            <a:r>
+              <a:rPr lang="en-US" sz="2400" smtClean="0">
+                <a:solidFill>
+                  <a:schemeClr val="bg1"/>
+                </a:solidFill>
+                <a:latin typeface="Courier New" panose="02070309020205020404" pitchFamily="49" charset="0"/>
+                <a:cs typeface="Courier New" panose="02070309020205020404" pitchFamily="49" charset="0"/>
+              </a:rPr>
+              <a:t>   :addressCountry :amsterdam </a:t>
+            </a:r>
+            <a:r>
+              <a:rPr lang="en-US" sz="2400">
+                <a:solidFill>
+                  <a:schemeClr val="bg1"/>
+                </a:solidFill>
+                <a:latin typeface="Courier New" panose="02070309020205020404" pitchFamily="49" charset="0"/>
+                <a:cs typeface="Courier New" panose="02070309020205020404" pitchFamily="49" charset="0"/>
+              </a:rPr>
+              <a:t>.</a:t>
+            </a:r>
+          </a:p>
+          <a:p>
+            <a:pPr marL="0" indent="0">
+              <a:buNone/>
+            </a:pPr>
+            <a:r>
+              <a:rPr lang="en-US" sz="2400" smtClean="0">
+                <a:solidFill>
+                  <a:schemeClr val="bg1"/>
+                </a:solidFill>
+                <a:latin typeface="Courier New" panose="02070309020205020404" pitchFamily="49" charset="0"/>
+                <a:cs typeface="Courier New" panose="02070309020205020404" pitchFamily="49" charset="0"/>
+              </a:rPr>
+              <a:t>:amsterdam </a:t>
+            </a:r>
+            <a:r>
+              <a:rPr lang="en-US" sz="2400">
+                <a:solidFill>
+                  <a:schemeClr val="bg1"/>
+                </a:solidFill>
+                <a:latin typeface="Courier New" panose="02070309020205020404" pitchFamily="49" charset="0"/>
+                <a:cs typeface="Courier New" panose="02070309020205020404" pitchFamily="49" charset="0"/>
+              </a:rPr>
+              <a:t>a</a:t>
+            </a:r>
+            <a:r>
+              <a:rPr lang="en-US" sz="2400" smtClean="0">
+                <a:solidFill>
+                  <a:schemeClr val="bg1"/>
+                </a:solidFill>
+                <a:latin typeface="Courier New" panose="02070309020205020404" pitchFamily="49" charset="0"/>
+                <a:cs typeface="Courier New" panose="02070309020205020404" pitchFamily="49" charset="0"/>
+              </a:rPr>
+              <a:t> </a:t>
+            </a:r>
+            <a:r>
+              <a:rPr lang="en-US" sz="2400" smtClean="0">
+                <a:solidFill>
+                  <a:srgbClr val="558ED5"/>
+                </a:solidFill>
+                <a:latin typeface="Courier New" panose="02070309020205020404" pitchFamily="49" charset="0"/>
+                <a:cs typeface="Courier New" panose="02070309020205020404" pitchFamily="49" charset="0"/>
+              </a:rPr>
+              <a:t>:Locality </a:t>
+            </a:r>
+            <a:r>
+              <a:rPr lang="en-US" sz="2400">
+                <a:solidFill>
+                  <a:schemeClr val="bg1"/>
+                </a:solidFill>
+                <a:latin typeface="Courier New" panose="02070309020205020404" pitchFamily="49" charset="0"/>
+                <a:cs typeface="Courier New" panose="02070309020205020404" pitchFamily="49" charset="0"/>
+              </a:rPr>
+              <a:t>. </a:t>
+            </a:r>
+            <a:endParaRPr lang="en-US" sz="2400" smtClean="0">
+              <a:solidFill>
+                <a:schemeClr val="bg1"/>
+              </a:solidFill>
+              <a:latin typeface="Courier New" panose="02070309020205020404" pitchFamily="49" charset="0"/>
+              <a:cs typeface="Courier New" panose="02070309020205020404" pitchFamily="49" charset="0"/>
+            </a:endParaRPr>
+          </a:p>
+          <a:p>
+            <a:pPr marL="0" indent="0">
+              <a:buNone/>
+            </a:pPr>
+            <a:endParaRPr lang="de-DE" sz="2400" smtClean="0">
+              <a:solidFill>
+                <a:schemeClr val="bg1"/>
+              </a:solidFill>
+              <a:latin typeface="Courier New" panose="02070309020205020404" pitchFamily="49" charset="0"/>
+              <a:cs typeface="Courier New" panose="02070309020205020404" pitchFamily="49" charset="0"/>
+            </a:endParaRPr>
+          </a:p>
+          <a:p>
+            <a:pPr marL="0" indent="0">
+              <a:buNone/>
+            </a:pPr>
+            <a:r>
+              <a:rPr lang="en-US" sz="2400" smtClean="0">
+                <a:solidFill>
+                  <a:schemeClr val="bg1"/>
+                </a:solidFill>
+                <a:latin typeface="Courier New" panose="02070309020205020404" pitchFamily="49" charset="0"/>
+                <a:cs typeface="Courier New" panose="02070309020205020404" pitchFamily="49" charset="0"/>
+              </a:rPr>
+              <a:t>:myAddress </a:t>
+            </a:r>
+          </a:p>
+          <a:p>
+            <a:pPr marL="0" indent="0">
+              <a:buNone/>
+            </a:pPr>
+            <a:r>
+              <a:rPr lang="en-US" sz="2400">
+                <a:solidFill>
+                  <a:schemeClr val="bg1"/>
+                </a:solidFill>
+                <a:latin typeface="Courier New" panose="02070309020205020404" pitchFamily="49" charset="0"/>
+                <a:cs typeface="Courier New" panose="02070309020205020404" pitchFamily="49" charset="0"/>
+              </a:rPr>
+              <a:t> </a:t>
+            </a:r>
+            <a:r>
+              <a:rPr lang="en-US" sz="2400" smtClean="0">
+                <a:solidFill>
+                  <a:schemeClr val="bg1"/>
+                </a:solidFill>
+                <a:latin typeface="Courier New" panose="02070309020205020404" pitchFamily="49" charset="0"/>
+                <a:cs typeface="Courier New" panose="02070309020205020404" pitchFamily="49" charset="0"/>
+              </a:rPr>
+              <a:t>   a :PostalAddress ;</a:t>
+            </a:r>
+            <a:endParaRPr lang="en-US" sz="2400">
+              <a:solidFill>
+                <a:schemeClr val="bg1"/>
+              </a:solidFill>
+              <a:latin typeface="Courier New" panose="02070309020205020404" pitchFamily="49" charset="0"/>
+              <a:cs typeface="Courier New" panose="02070309020205020404" pitchFamily="49" charset="0"/>
+            </a:endParaRPr>
+          </a:p>
+          <a:p>
+            <a:pPr marL="0" indent="0">
+              <a:buNone/>
+            </a:pPr>
+            <a:r>
+              <a:rPr lang="en-US" sz="2400">
+                <a:solidFill>
+                  <a:schemeClr val="bg1"/>
+                </a:solidFill>
+                <a:latin typeface="Courier New" panose="02070309020205020404" pitchFamily="49" charset="0"/>
+                <a:cs typeface="Courier New" panose="02070309020205020404" pitchFamily="49" charset="0"/>
+              </a:rPr>
+              <a:t> </a:t>
+            </a:r>
+            <a:r>
+              <a:rPr lang="en-US" sz="2400" smtClean="0">
+                <a:solidFill>
+                  <a:schemeClr val="bg1"/>
+                </a:solidFill>
+                <a:latin typeface="Courier New" panose="02070309020205020404" pitchFamily="49" charset="0"/>
+                <a:cs typeface="Courier New" panose="02070309020205020404" pitchFamily="49" charset="0"/>
+              </a:rPr>
+              <a:t>   :addressCountry :amsterdam </a:t>
+            </a:r>
+            <a:r>
+              <a:rPr lang="en-US" sz="2400">
+                <a:solidFill>
+                  <a:schemeClr val="bg1"/>
+                </a:solidFill>
+                <a:latin typeface="Courier New" panose="02070309020205020404" pitchFamily="49" charset="0"/>
+                <a:cs typeface="Courier New" panose="02070309020205020404" pitchFamily="49" charset="0"/>
+              </a:rPr>
+              <a:t>.</a:t>
+            </a:r>
+          </a:p>
+        </p:txBody>
+      </p:sp>
+    </p:spTree>
+    <p:extLst>
+      <p:ext uri="{BB962C8B-B14F-4D97-AF65-F5344CB8AC3E}">
+        <p14:creationId xmlns:p14="http://schemas.microsoft.com/office/powerpoint/2010/main" val="2753926397"/>
+      </p:ext>
+    </p:extLst>
+  </p:cSld>
+  <p:clrMapOvr>
+    <a:masterClrMapping/>
+  </p:clrMapOvr>
+  <p:timing>
+    <p:tnLst>
+      <p:par>
+        <p:cTn id="1" dur="indefinite" restart="never" nodeType="tmRoot"/>
+      </p:par>
+    </p:tnLst>
+  </p:timing>
+</p:sld>
+</file>
+
+<file path=ppt/slides/slide8.xml><?xml version="1.0" encoding="utf-8"?>
+<p:sld xmlns:a="http://schemas.openxmlformats.org/drawingml/2006/main" xmlns:r="http://schemas.openxmlformats.org/officeDocument/2006/relationships" xmlns:p="http://schemas.openxmlformats.org/presentationml/2006/main">
+  <p:cSld>
+    <p:bg>
+      <p:bgPr>
+        <a:solidFill>
+          <a:schemeClr val="tx1"/>
+        </a:solidFill>
+        <a:effectLst/>
+      </p:bgPr>
+    </p:bg>
+    <p:spTree>
+      <p:nvGrpSpPr>
+        <p:cNvPr id="1" name=""/>
+        <p:cNvGrpSpPr/>
+        <p:nvPr/>
+      </p:nvGrpSpPr>
+      <p:grpSpPr>
+        <a:xfrm>
+          <a:off x="0" y="0"/>
+          <a:ext cx="0" cy="0"/>
+          <a:chOff x="0" y="0"/>
+          <a:chExt cx="0" cy="0"/>
+        </a:xfrm>
+      </p:grpSpPr>
+      <p:sp>
+        <p:nvSpPr>
+          <p:cNvPr id="4" name="Titel 3"/>
+          <p:cNvSpPr>
+            <a:spLocks noGrp="1"/>
+          </p:cNvSpPr>
+          <p:nvPr>
+            <p:ph type="title"/>
+          </p:nvPr>
+        </p:nvSpPr>
+        <p:spPr/>
+        <p:txBody>
+          <a:bodyPr>
+            <a:normAutofit/>
+          </a:bodyPr>
+          <a:lstStyle/>
+          <a:p>
+            <a:r>
+              <a:rPr lang="de-DE" sz="5400">
+                <a:solidFill>
+                  <a:schemeClr val="bg1"/>
+                </a:solidFill>
+                <a:latin typeface="Courier New" panose="02070309020205020404" pitchFamily="49" charset="0"/>
+                <a:cs typeface="Courier New" panose="02070309020205020404" pitchFamily="49" charset="0"/>
+              </a:rPr>
+              <a:t>c</a:t>
+            </a:r>
+            <a:r>
+              <a:rPr lang="de-DE" sz="5400" smtClean="0">
+                <a:solidFill>
+                  <a:schemeClr val="bg1"/>
+                </a:solidFill>
+                <a:latin typeface="Courier New" panose="02070309020205020404" pitchFamily="49" charset="0"/>
+                <a:cs typeface="Courier New" panose="02070309020205020404" pitchFamily="49" charset="0"/>
+              </a:rPr>
+              <a:t>onstraint (OWL2)</a:t>
+            </a:r>
+            <a:endParaRPr lang="en-US" sz="5400">
+              <a:solidFill>
+                <a:schemeClr val="bg1"/>
+              </a:solidFill>
+              <a:latin typeface="Courier New" panose="02070309020205020404" pitchFamily="49" charset="0"/>
+              <a:cs typeface="Courier New" panose="02070309020205020404" pitchFamily="49" charset="0"/>
+            </a:endParaRPr>
+          </a:p>
+        </p:txBody>
+      </p:sp>
+      <p:sp>
+        <p:nvSpPr>
+          <p:cNvPr id="5" name="Inhaltsplatzhalter 4"/>
+          <p:cNvSpPr>
+            <a:spLocks noGrp="1"/>
+          </p:cNvSpPr>
+          <p:nvPr>
+            <p:ph idx="1"/>
+          </p:nvPr>
+        </p:nvSpPr>
+        <p:spPr>
+          <a:xfrm>
+            <a:off x="179512" y="2071389"/>
+            <a:ext cx="8784976" cy="4525963"/>
+          </a:xfrm>
+        </p:spPr>
+        <p:txBody>
+          <a:bodyPr>
+            <a:normAutofit/>
+          </a:bodyPr>
+          <a:lstStyle/>
+          <a:p>
+            <a:pPr marL="0" indent="0">
+              <a:buNone/>
+            </a:pPr>
+            <a:r>
+              <a:rPr lang="en-US" smtClean="0">
+                <a:solidFill>
+                  <a:srgbClr val="558ED5"/>
+                </a:solidFill>
+                <a:latin typeface="Courier New" panose="02070309020205020404" pitchFamily="49" charset="0"/>
+                <a:cs typeface="Courier New" panose="02070309020205020404" pitchFamily="49" charset="0"/>
+              </a:rPr>
+              <a:t>:addressCountry </a:t>
+            </a:r>
+          </a:p>
+          <a:p>
+            <a:pPr marL="0" indent="0">
+              <a:buNone/>
+            </a:pPr>
+            <a:r>
+              <a:rPr lang="en-US">
+                <a:solidFill>
+                  <a:schemeClr val="bg1"/>
+                </a:solidFill>
+                <a:latin typeface="Courier New" panose="02070309020205020404" pitchFamily="49" charset="0"/>
+                <a:cs typeface="Courier New" panose="02070309020205020404" pitchFamily="49" charset="0"/>
+              </a:rPr>
+              <a:t> </a:t>
+            </a:r>
+            <a:r>
+              <a:rPr lang="en-US" smtClean="0">
+                <a:solidFill>
+                  <a:schemeClr val="bg1"/>
+                </a:solidFill>
+                <a:latin typeface="Courier New" panose="02070309020205020404" pitchFamily="49" charset="0"/>
+                <a:cs typeface="Courier New" panose="02070309020205020404" pitchFamily="49" charset="0"/>
+              </a:rPr>
+              <a:t>   a </a:t>
+            </a:r>
+            <a:r>
+              <a:rPr lang="en-US">
+                <a:solidFill>
+                  <a:schemeClr val="bg1"/>
+                </a:solidFill>
+                <a:latin typeface="Courier New" panose="02070309020205020404" pitchFamily="49" charset="0"/>
+                <a:cs typeface="Courier New" panose="02070309020205020404" pitchFamily="49" charset="0"/>
+              </a:rPr>
+              <a:t>owl:ObjectProperty </a:t>
+            </a:r>
+            <a:r>
+              <a:rPr lang="en-US" smtClean="0">
+                <a:solidFill>
+                  <a:schemeClr val="bg1"/>
+                </a:solidFill>
+                <a:latin typeface="Courier New" panose="02070309020205020404" pitchFamily="49" charset="0"/>
+                <a:cs typeface="Courier New" panose="02070309020205020404" pitchFamily="49" charset="0"/>
+              </a:rPr>
+              <a:t>;</a:t>
+            </a:r>
+            <a:r>
+              <a:rPr lang="en-US">
+                <a:solidFill>
+                  <a:schemeClr val="bg1"/>
+                </a:solidFill>
+                <a:latin typeface="Courier New" panose="02070309020205020404" pitchFamily="49" charset="0"/>
+                <a:cs typeface="Courier New" panose="02070309020205020404" pitchFamily="49" charset="0"/>
+              </a:rPr>
+              <a:t>	</a:t>
+            </a:r>
+          </a:p>
+          <a:p>
+            <a:pPr marL="0" indent="0">
+              <a:buNone/>
+            </a:pPr>
+            <a:r>
+              <a:rPr lang="en-US">
+                <a:solidFill>
+                  <a:schemeClr val="bg1"/>
+                </a:solidFill>
+                <a:latin typeface="Courier New" panose="02070309020205020404" pitchFamily="49" charset="0"/>
+                <a:cs typeface="Courier New" panose="02070309020205020404" pitchFamily="49" charset="0"/>
+              </a:rPr>
+              <a:t> </a:t>
+            </a:r>
+            <a:r>
+              <a:rPr lang="en-US" smtClean="0">
+                <a:solidFill>
+                  <a:schemeClr val="bg1"/>
+                </a:solidFill>
+                <a:latin typeface="Courier New" panose="02070309020205020404" pitchFamily="49" charset="0"/>
+                <a:cs typeface="Courier New" panose="02070309020205020404" pitchFamily="49" charset="0"/>
+              </a:rPr>
+              <a:t>   rdfs:range :Country </a:t>
+            </a:r>
+            <a:r>
+              <a:rPr lang="en-US">
+                <a:solidFill>
+                  <a:schemeClr val="bg1"/>
+                </a:solidFill>
+                <a:latin typeface="Courier New" panose="02070309020205020404" pitchFamily="49" charset="0"/>
+                <a:cs typeface="Courier New" panose="02070309020205020404" pitchFamily="49" charset="0"/>
+              </a:rPr>
+              <a:t>.</a:t>
+            </a:r>
+          </a:p>
+        </p:txBody>
+      </p:sp>
+    </p:spTree>
+    <p:extLst>
+      <p:ext uri="{BB962C8B-B14F-4D97-AF65-F5344CB8AC3E}">
+        <p14:creationId xmlns:p14="http://schemas.microsoft.com/office/powerpoint/2010/main" val="3465454257"/>
+      </p:ext>
+    </p:extLst>
+  </p:cSld>
+  <p:clrMapOvr>
+    <a:masterClrMapping/>
+  </p:clrMapOvr>
+  <p:timing>
+    <p:tnLst>
+      <p:par>
+        <p:cTn id="1" dur="indefinite" restart="never" nodeType="tmRoot"/>
+      </p:par>
+    </p:tnLst>
+  </p:timing>
+</p:sld>
+</file>
+
+<file path=ppt/slides/slide9.xml><?xml version="1.0" encoding="utf-8"?>
+<p:sld xmlns:a="http://schemas.openxmlformats.org/drawingml/2006/main" xmlns:r="http://schemas.openxmlformats.org/officeDocument/2006/relationships" xmlns:p="http://schemas.openxmlformats.org/presentationml/2006/main">
+  <p:cSld>
+    <p:bg>
+      <p:bgPr>
+        <a:solidFill>
+          <a:schemeClr val="tx1"/>
+        </a:solidFill>
+        <a:effectLst/>
+      </p:bgPr>
+    </p:bg>
+    <p:spTree>
+      <p:nvGrpSpPr>
+        <p:cNvPr id="1" name=""/>
+        <p:cNvGrpSpPr/>
+        <p:nvPr/>
+      </p:nvGrpSpPr>
+      <p:grpSpPr>
+        <a:xfrm>
+          <a:off x="0" y="0"/>
+          <a:ext cx="0" cy="0"/>
+          <a:chOff x="0" y="0"/>
+          <a:chExt cx="0" cy="0"/>
+        </a:xfrm>
+      </p:grpSpPr>
+      <p:sp>
+        <p:nvSpPr>
+          <p:cNvPr id="5" name="Inhaltsplatzhalter 4"/>
+          <p:cNvSpPr>
+            <a:spLocks noGrp="1"/>
+          </p:cNvSpPr>
+          <p:nvPr>
+            <p:ph idx="1"/>
+          </p:nvPr>
+        </p:nvSpPr>
+        <p:spPr>
+          <a:xfrm>
+            <a:off x="179512" y="2143397"/>
+            <a:ext cx="8784976" cy="4525963"/>
+          </a:xfrm>
+        </p:spPr>
+        <p:txBody>
+          <a:bodyPr>
+            <a:normAutofit/>
+          </a:bodyPr>
+          <a:lstStyle/>
+          <a:p>
+            <a:pPr marL="0" indent="0" algn="ctr">
+              <a:buNone/>
+            </a:pPr>
+            <a:r>
+              <a:rPr lang="de-DE" smtClean="0">
+                <a:solidFill>
+                  <a:schemeClr val="bg1"/>
+                </a:solidFill>
+                <a:latin typeface="Courier New" panose="02070309020205020404" pitchFamily="49" charset="0"/>
+                <a:cs typeface="Courier New" panose="02070309020205020404" pitchFamily="49" charset="0"/>
+              </a:rPr>
+              <a:t>validator</a:t>
+            </a:r>
+            <a:endParaRPr lang="en-US" smtClean="0">
+              <a:solidFill>
+                <a:schemeClr val="bg1"/>
+              </a:solidFill>
+              <a:latin typeface="Courier New" panose="02070309020205020404" pitchFamily="49" charset="0"/>
+              <a:cs typeface="Courier New" panose="02070309020205020404" pitchFamily="49" charset="0"/>
+            </a:endParaRPr>
+          </a:p>
+          <a:p>
+            <a:pPr marL="0" indent="0" algn="ctr">
+              <a:buNone/>
+            </a:pPr>
+            <a:r>
+              <a:rPr lang="en-US">
+                <a:solidFill>
+                  <a:schemeClr val="bg1"/>
+                </a:solidFill>
+                <a:latin typeface="Courier New" panose="02070309020205020404" pitchFamily="49" charset="0"/>
+                <a:cs typeface="Courier New" panose="02070309020205020404" pitchFamily="49" charset="0"/>
+                <a:hlinkClick r:id="rId3"/>
+              </a:rPr>
+              <a:t>purl.org/net/rdfval-demo</a:t>
+            </a:r>
+            <a:endParaRPr lang="en-US">
+              <a:solidFill>
+                <a:schemeClr val="bg1"/>
+              </a:solidFill>
+              <a:latin typeface="Courier New" panose="02070309020205020404" pitchFamily="49" charset="0"/>
+              <a:cs typeface="Courier New" panose="02070309020205020404" pitchFamily="49" charset="0"/>
+            </a:endParaRPr>
+          </a:p>
+          <a:p>
+            <a:pPr marL="0" indent="0" algn="ctr">
+              <a:buNone/>
+            </a:pPr>
+            <a:endParaRPr lang="de-DE">
+              <a:solidFill>
+                <a:schemeClr val="bg1"/>
+              </a:solidFill>
+              <a:latin typeface="Courier New" panose="02070309020205020404" pitchFamily="49" charset="0"/>
+              <a:cs typeface="Courier New" panose="02070309020205020404" pitchFamily="49" charset="0"/>
+            </a:endParaRPr>
+          </a:p>
+          <a:p>
+            <a:pPr marL="0" indent="0" algn="ctr">
+              <a:buNone/>
+            </a:pPr>
+            <a:r>
+              <a:rPr lang="de-DE" smtClean="0">
+                <a:solidFill>
+                  <a:schemeClr val="bg1"/>
+                </a:solidFill>
+                <a:latin typeface="Courier New" panose="02070309020205020404" pitchFamily="49" charset="0"/>
+                <a:cs typeface="Courier New" panose="02070309020205020404" pitchFamily="49" charset="0"/>
+              </a:rPr>
+              <a:t>executable examples</a:t>
+            </a:r>
+          </a:p>
+          <a:p>
+            <a:pPr marL="0" indent="0" algn="ctr">
+              <a:buNone/>
+            </a:pPr>
+            <a:r>
+              <a:rPr lang="en-US" smtClean="0">
+                <a:solidFill>
+                  <a:schemeClr val="bg1"/>
+                </a:solidFill>
+                <a:latin typeface="Courier New" panose="02070309020205020404" pitchFamily="49" charset="0"/>
+                <a:cs typeface="Courier New" panose="02070309020205020404" pitchFamily="49" charset="0"/>
+                <a:hlinkClick r:id="rId4"/>
+              </a:rPr>
+              <a:t>R-28-OBJECT-PROPERTY-RANGE</a:t>
+            </a:r>
+            <a:r>
+              <a:rPr lang="en-US" smtClean="0">
+                <a:solidFill>
+                  <a:schemeClr val="bg1"/>
+                </a:solidFill>
+                <a:latin typeface="Courier New" panose="02070309020205020404" pitchFamily="49" charset="0"/>
+                <a:cs typeface="Courier New" panose="02070309020205020404" pitchFamily="49" charset="0"/>
+                <a:hlinkClick r:id="rId5"/>
+              </a:rPr>
+              <a:t> </a:t>
+            </a:r>
+            <a:endParaRPr lang="en-US" smtClean="0">
+              <a:solidFill>
+                <a:schemeClr val="bg1"/>
+              </a:solidFill>
+              <a:latin typeface="Courier New" panose="02070309020205020404" pitchFamily="49" charset="0"/>
+              <a:cs typeface="Courier New" panose="02070309020205020404" pitchFamily="49" charset="0"/>
+            </a:endParaRPr>
+          </a:p>
+          <a:p>
+            <a:pPr marL="0" indent="0" algn="ctr">
+              <a:buNone/>
+            </a:pPr>
+            <a:endParaRPr lang="de-DE" smtClean="0">
+              <a:solidFill>
+                <a:schemeClr val="bg1"/>
+              </a:solidFill>
+              <a:latin typeface="Courier New" panose="02070309020205020404" pitchFamily="49" charset="0"/>
+              <a:cs typeface="Courier New" panose="02070309020205020404" pitchFamily="49" charset="0"/>
+            </a:endParaRPr>
+          </a:p>
+        </p:txBody>
+      </p:sp>
+      <p:sp>
+        <p:nvSpPr>
+          <p:cNvPr id="6" name="Titel 1"/>
+          <p:cNvSpPr>
+            <a:spLocks noGrp="1"/>
+          </p:cNvSpPr>
+          <p:nvPr>
+            <p:ph type="title"/>
+          </p:nvPr>
+        </p:nvSpPr>
+        <p:spPr>
+          <a:xfrm>
+            <a:off x="457200" y="274638"/>
+            <a:ext cx="8229600" cy="1143000"/>
+          </a:xfrm>
+        </p:spPr>
+        <p:txBody>
+          <a:bodyPr/>
+          <a:lstStyle/>
+          <a:p>
+            <a:r>
+              <a:rPr lang="de-DE" smtClean="0">
+                <a:solidFill>
+                  <a:schemeClr val="bg1"/>
+                </a:solidFill>
+                <a:latin typeface="Courier New" panose="02070309020205020404" pitchFamily="49" charset="0"/>
+                <a:cs typeface="Courier New" panose="02070309020205020404" pitchFamily="49" charset="0"/>
+              </a:rPr>
+              <a:t>validation</a:t>
+            </a:r>
+            <a:endParaRPr lang="en-US">
+              <a:solidFill>
+                <a:schemeClr val="bg1"/>
+              </a:solidFill>
+              <a:latin typeface="Courier New" panose="02070309020205020404" pitchFamily="49" charset="0"/>
+              <a:cs typeface="Courier New" panose="02070309020205020404" pitchFamily="49" charset="0"/>
+            </a:endParaRPr>
+          </a:p>
+        </p:txBody>
+      </p:sp>
+    </p:spTree>
+    <p:extLst>
+      <p:ext uri="{BB962C8B-B14F-4D97-AF65-F5344CB8AC3E}">
+        <p14:creationId xmlns:p14="http://schemas.microsoft.com/office/powerpoint/2010/main" val="658251420"/>
       </p:ext>
     </p:extLst>
   </p:cSld>
@@ -8038,7 +13225,7 @@
 <file path=ppt/theme/theme2.xml><?xml version="1.0" encoding="utf-8"?>
 <a:theme xmlns:a="http://schemas.openxmlformats.org/drawingml/2006/main" name="1_Benutzerdefiniertes Design">
   <a:themeElements>
-    <a:clrScheme name="Larissa">
+    <a:clrScheme name="Benutzerdefiniert 2">
       <a:dk1>
         <a:sysClr val="windowText" lastClr="000000"/>
       </a:dk1>
@@ -8070,10 +13257,10 @@
         <a:srgbClr val="F79646"/>
       </a:accent6>
       <a:hlink>
-        <a:srgbClr val="0000FF"/>
+        <a:srgbClr val="0070C0"/>
       </a:hlink>
       <a:folHlink>
-        <a:srgbClr val="800080"/>
+        <a:srgbClr val="0070C0"/>
       </a:folHlink>
     </a:clrScheme>
     <a:fontScheme name="Larissa">
@@ -8606,73 +13793,6 @@
 </file>
 
 <file path=customXml/item1.xml><?xml version="1.0" encoding="utf-8"?>
-<?mso-contentType ?>
-<FormTemplates xmlns="http://schemas.microsoft.com/sharepoint/v3/contenttype/forms">
-  <Display>DocumentLibraryForm</Display>
-  <Edit>DocumentLibraryForm</Edit>
-  <New>DocumentLibraryForm</New>
-</FormTemplates>
-</file>
-
-<file path=customXml/item2.xml><?xml version="1.0" encoding="utf-8"?>
-<p:properties xmlns:p="http://schemas.microsoft.com/office/2006/metadata/properties" xmlns:xsi="http://www.w3.org/2001/XMLSchema-instance">
-  <documentManagement>
-    <_dlc_DocIdUrl xmlns="f90a23b0-552c-4f8d-b330-f53f4fcdfcf9">
-      <Url>http://intranet.gesis.intra/pr/Vorlagen/_layouts/DocIdRedir.aspx?ID=GESISDOC-552-18</Url>
-      <Description>GESISDOC-552-18</Description>
-    </_dlc_DocIdUrl>
-    <_dlc_DocId xmlns="f90a23b0-552c-4f8d-b330-f53f4fcdfcf9">GESISDOC-552-18</_dlc_DocId>
-  </documentManagement>
-</p:properties>
-</file>
-
-<file path=customXml/item3.xml><?xml version="1.0" encoding="utf-8"?>
-<?mso-contentType ?>
-<spe:Receivers xmlns:spe="http://schemas.microsoft.com/sharepoint/events">
-  <Receiver>
-    <Name>Document ID Generator</Name>
-    <Synchronization>Synchronous</Synchronization>
-    <Type>10001</Type>
-    <SequenceNumber>1000</SequenceNumber>
-    <Assembly>Microsoft.Office.DocumentManagement, Version=14.0.0.0, Culture=neutral, PublicKeyToken=71e9bce111e9429c</Assembly>
-    <Class>Microsoft.Office.DocumentManagement.Internal.DocIdHandler</Class>
-    <Data/>
-    <Filter/>
-  </Receiver>
-  <Receiver>
-    <Name>Document ID Generator</Name>
-    <Synchronization>Synchronous</Synchronization>
-    <Type>10002</Type>
-    <SequenceNumber>1001</SequenceNumber>
-    <Assembly>Microsoft.Office.DocumentManagement, Version=14.0.0.0, Culture=neutral, PublicKeyToken=71e9bce111e9429c</Assembly>
-    <Class>Microsoft.Office.DocumentManagement.Internal.DocIdHandler</Class>
-    <Data/>
-    <Filter/>
-  </Receiver>
-  <Receiver>
-    <Name>Document ID Generator</Name>
-    <Synchronization>Synchronous</Synchronization>
-    <Type>10004</Type>
-    <SequenceNumber>1002</SequenceNumber>
-    <Assembly>Microsoft.Office.DocumentManagement, Version=14.0.0.0, Culture=neutral, PublicKeyToken=71e9bce111e9429c</Assembly>
-    <Class>Microsoft.Office.DocumentManagement.Internal.DocIdHandler</Class>
-    <Data/>
-    <Filter/>
-  </Receiver>
-  <Receiver>
-    <Name>Document ID Generator</Name>
-    <Synchronization>Synchronous</Synchronization>
-    <Type>10006</Type>
-    <SequenceNumber>1003</SequenceNumber>
-    <Assembly>Microsoft.Office.DocumentManagement, Version=14.0.0.0, Culture=neutral, PublicKeyToken=71e9bce111e9429c</Assembly>
-    <Class>Microsoft.Office.DocumentManagement.Internal.DocIdHandler</Class>
-    <Data/>
-    <Filter/>
-  </Receiver>
-</spe:Receivers>
-</file>
-
-<file path=customXml/item4.xml><?xml version="1.0" encoding="utf-8"?>
 <ct:contentTypeSchema xmlns:ct="http://schemas.microsoft.com/office/2006/metadata/contentType" xmlns:ma="http://schemas.microsoft.com/office/2006/metadata/properties/metaAttributes" ct:_="" ma:_="" ma:contentTypeName="Dokument" ma:contentTypeID="0x010100B1ACB0F0E4D8D847898BCFF327EAA86F" ma:contentTypeVersion="14" ma:contentTypeDescription="Ein neues Dokument erstellen." ma:contentTypeScope="" ma:versionID="076608a465e9f4abe123e33d8ae2290f">
   <xsd:schema xmlns:xsd="http://www.w3.org/2001/XMLSchema" xmlns:xs="http://www.w3.org/2001/XMLSchema" xmlns:p="http://schemas.microsoft.com/office/2006/metadata/properties" xmlns:ns2="f90a23b0-552c-4f8d-b330-f53f4fcdfcf9" targetNamespace="http://schemas.microsoft.com/office/2006/metadata/properties" ma:root="true" ma:fieldsID="9f72fafb60184820a38988fa3fe2d22b" ns2:_="">
     <xsd:import namespace="f90a23b0-552c-4f8d-b330-f53f4fcdfcf9"/>
@@ -8817,15 +13937,100 @@
 </ct:contentTypeSchema>
 </file>
 
+<file path=customXml/item2.xml><?xml version="1.0" encoding="utf-8"?>
+<?mso-contentType ?>
+<spe:Receivers xmlns:spe="http://schemas.microsoft.com/sharepoint/events">
+  <Receiver>
+    <Name>Document ID Generator</Name>
+    <Synchronization>Synchronous</Synchronization>
+    <Type>10001</Type>
+    <SequenceNumber>1000</SequenceNumber>
+    <Assembly>Microsoft.Office.DocumentManagement, Version=14.0.0.0, Culture=neutral, PublicKeyToken=71e9bce111e9429c</Assembly>
+    <Class>Microsoft.Office.DocumentManagement.Internal.DocIdHandler</Class>
+    <Data/>
+    <Filter/>
+  </Receiver>
+  <Receiver>
+    <Name>Document ID Generator</Name>
+    <Synchronization>Synchronous</Synchronization>
+    <Type>10002</Type>
+    <SequenceNumber>1001</SequenceNumber>
+    <Assembly>Microsoft.Office.DocumentManagement, Version=14.0.0.0, Culture=neutral, PublicKeyToken=71e9bce111e9429c</Assembly>
+    <Class>Microsoft.Office.DocumentManagement.Internal.DocIdHandler</Class>
+    <Data/>
+    <Filter/>
+  </Receiver>
+  <Receiver>
+    <Name>Document ID Generator</Name>
+    <Synchronization>Synchronous</Synchronization>
+    <Type>10004</Type>
+    <SequenceNumber>1002</SequenceNumber>
+    <Assembly>Microsoft.Office.DocumentManagement, Version=14.0.0.0, Culture=neutral, PublicKeyToken=71e9bce111e9429c</Assembly>
+    <Class>Microsoft.Office.DocumentManagement.Internal.DocIdHandler</Class>
+    <Data/>
+    <Filter/>
+  </Receiver>
+  <Receiver>
+    <Name>Document ID Generator</Name>
+    <Synchronization>Synchronous</Synchronization>
+    <Type>10006</Type>
+    <SequenceNumber>1003</SequenceNumber>
+    <Assembly>Microsoft.Office.DocumentManagement, Version=14.0.0.0, Culture=neutral, PublicKeyToken=71e9bce111e9429c</Assembly>
+    <Class>Microsoft.Office.DocumentManagement.Internal.DocIdHandler</Class>
+    <Data/>
+    <Filter/>
+  </Receiver>
+</spe:Receivers>
+</file>
+
+<file path=customXml/item3.xml><?xml version="1.0" encoding="utf-8"?>
+<p:properties xmlns:p="http://schemas.microsoft.com/office/2006/metadata/properties" xmlns:xsi="http://www.w3.org/2001/XMLSchema-instance">
+  <documentManagement>
+    <_dlc_DocIdUrl xmlns="f90a23b0-552c-4f8d-b330-f53f4fcdfcf9">
+      <Url>http://intranet.gesis.intra/pr/Vorlagen/_layouts/DocIdRedir.aspx?ID=GESISDOC-552-18</Url>
+      <Description>GESISDOC-552-18</Description>
+    </_dlc_DocIdUrl>
+    <_dlc_DocId xmlns="f90a23b0-552c-4f8d-b330-f53f4fcdfcf9">GESISDOC-552-18</_dlc_DocId>
+  </documentManagement>
+</p:properties>
+</file>
+
+<file path=customXml/item4.xml><?xml version="1.0" encoding="utf-8"?>
+<?mso-contentType ?>
+<FormTemplates xmlns="http://schemas.microsoft.com/sharepoint/v3/contenttype/forms">
+  <Display>DocumentLibraryForm</Display>
+  <Edit>DocumentLibraryForm</Edit>
+  <New>DocumentLibraryForm</New>
+</FormTemplates>
+</file>
+
 <file path=customXml/itemProps1.xml><?xml version="1.0" encoding="utf-8"?>
-<ds:datastoreItem xmlns:ds="http://schemas.openxmlformats.org/officeDocument/2006/customXml" ds:itemID="{D12E0BAE-FAF0-4E78-A2C3-2AAC064B5FDE}">
+<ds:datastoreItem xmlns:ds="http://schemas.openxmlformats.org/officeDocument/2006/customXml" ds:itemID="{2EA11C62-2FF4-41AB-AE80-7BB53752809E}">
   <ds:schemaRefs>
-    <ds:schemaRef ds:uri="http://schemas.microsoft.com/sharepoint/v3/contenttype/forms"/>
+    <ds:schemaRef ds:uri="http://schemas.microsoft.com/office/2006/metadata/contentType"/>
+    <ds:schemaRef ds:uri="http://schemas.microsoft.com/office/2006/metadata/properties/metaAttributes"/>
+    <ds:schemaRef ds:uri="http://www.w3.org/2001/XMLSchema"/>
+    <ds:schemaRef ds:uri="http://schemas.microsoft.com/office/2006/metadata/properties"/>
+    <ds:schemaRef ds:uri="f90a23b0-552c-4f8d-b330-f53f4fcdfcf9"/>
+    <ds:schemaRef ds:uri="http://schemas.microsoft.com/office/2006/documentManagement/types"/>
+    <ds:schemaRef ds:uri="http://schemas.microsoft.com/office/infopath/2007/PartnerControls"/>
+    <ds:schemaRef ds:uri="http://schemas.openxmlformats.org/package/2006/metadata/core-properties"/>
+    <ds:schemaRef ds:uri="http://purl.org/dc/elements/1.1/"/>
+    <ds:schemaRef ds:uri="http://purl.org/dc/terms/"/>
+    <ds:schemaRef ds:uri="http://schemas.microsoft.com/internal/obd"/>
   </ds:schemaRefs>
 </ds:datastoreItem>
 </file>
 
 <file path=customXml/itemProps2.xml><?xml version="1.0" encoding="utf-8"?>
+<ds:datastoreItem xmlns:ds="http://schemas.openxmlformats.org/officeDocument/2006/customXml" ds:itemID="{182FFA55-C622-4F3D-AABF-4236B175EAD1}">
+  <ds:schemaRefs>
+    <ds:schemaRef ds:uri="http://schemas.microsoft.com/sharepoint/events"/>
+  </ds:schemaRefs>
+</ds:datastoreItem>
+</file>
+
+<file path=customXml/itemProps3.xml><?xml version="1.0" encoding="utf-8"?>
 <ds:datastoreItem xmlns:ds="http://schemas.openxmlformats.org/officeDocument/2006/customXml" ds:itemID="{4449D386-2FCB-4353-94CE-7C0896CF81B1}">
   <ds:schemaRefs>
     <ds:schemaRef ds:uri="http://purl.org/dc/dcmitype/"/>
@@ -8841,28 +14046,10 @@
 </ds:datastoreItem>
 </file>
 
-<file path=customXml/itemProps3.xml><?xml version="1.0" encoding="utf-8"?>
-<ds:datastoreItem xmlns:ds="http://schemas.openxmlformats.org/officeDocument/2006/customXml" ds:itemID="{182FFA55-C622-4F3D-AABF-4236B175EAD1}">
+<file path=customXml/itemProps4.xml><?xml version="1.0" encoding="utf-8"?>
+<ds:datastoreItem xmlns:ds="http://schemas.openxmlformats.org/officeDocument/2006/customXml" ds:itemID="{D12E0BAE-FAF0-4E78-A2C3-2AAC064B5FDE}">
   <ds:schemaRefs>
-    <ds:schemaRef ds:uri="http://schemas.microsoft.com/sharepoint/events"/>
-  </ds:schemaRefs>
-</ds:datastoreItem>
-</file>
-
-<file path=customXml/itemProps4.xml><?xml version="1.0" encoding="utf-8"?>
-<ds:datastoreItem xmlns:ds="http://schemas.openxmlformats.org/officeDocument/2006/customXml" ds:itemID="{2EA11C62-2FF4-41AB-AE80-7BB53752809E}">
-  <ds:schemaRefs>
-    <ds:schemaRef ds:uri="http://schemas.microsoft.com/office/2006/metadata/contentType"/>
-    <ds:schemaRef ds:uri="http://schemas.microsoft.com/office/2006/metadata/properties/metaAttributes"/>
-    <ds:schemaRef ds:uri="http://www.w3.org/2001/XMLSchema"/>
-    <ds:schemaRef ds:uri="http://schemas.microsoft.com/office/2006/metadata/properties"/>
-    <ds:schemaRef ds:uri="f90a23b0-552c-4f8d-b330-f53f4fcdfcf9"/>
-    <ds:schemaRef ds:uri="http://schemas.microsoft.com/office/2006/documentManagement/types"/>
-    <ds:schemaRef ds:uri="http://schemas.microsoft.com/office/infopath/2007/PartnerControls"/>
-    <ds:schemaRef ds:uri="http://schemas.openxmlformats.org/package/2006/metadata/core-properties"/>
-    <ds:schemaRef ds:uri="http://purl.org/dc/elements/1.1/"/>
-    <ds:schemaRef ds:uri="http://purl.org/dc/terms/"/>
-    <ds:schemaRef ds:uri="http://schemas.microsoft.com/internal/obd"/>
+    <ds:schemaRef ds:uri="http://schemas.microsoft.com/sharepoint/v3/contenttype/forms"/>
   </ds:schemaRefs>
 </ds:datastoreItem>
 </file>